--- a/CA/Project/Presentation-Projet-KMP.pptx
+++ b/CA/Project/Presentation-Projet-KMP.pptx
@@ -5,10 +5,10 @@
     <p:sldMasterId id="2147483648" r:id="rId1"/>
   </p:sldMasterIdLst>
   <p:notesMasterIdLst>
-    <p:notesMasterId r:id="rId20"/>
+    <p:notesMasterId r:id="rId21"/>
   </p:notesMasterIdLst>
   <p:handoutMasterIdLst>
-    <p:handoutMasterId r:id="rId21"/>
+    <p:handoutMasterId r:id="rId22"/>
   </p:handoutMasterIdLst>
   <p:sldIdLst>
     <p:sldId id="257" r:id="rId2"/>
@@ -18,17 +18,18 @@
     <p:sldId id="313" r:id="rId6"/>
     <p:sldId id="314" r:id="rId7"/>
     <p:sldId id="268" r:id="rId8"/>
-    <p:sldId id="315" r:id="rId9"/>
-    <p:sldId id="311" r:id="rId10"/>
-    <p:sldId id="261" r:id="rId11"/>
-    <p:sldId id="316" r:id="rId12"/>
-    <p:sldId id="317" r:id="rId13"/>
-    <p:sldId id="318" r:id="rId14"/>
-    <p:sldId id="320" r:id="rId15"/>
-    <p:sldId id="321" r:id="rId16"/>
-    <p:sldId id="322" r:id="rId17"/>
-    <p:sldId id="319" r:id="rId18"/>
-    <p:sldId id="309" r:id="rId19"/>
+    <p:sldId id="323" r:id="rId9"/>
+    <p:sldId id="315" r:id="rId10"/>
+    <p:sldId id="311" r:id="rId11"/>
+    <p:sldId id="261" r:id="rId12"/>
+    <p:sldId id="316" r:id="rId13"/>
+    <p:sldId id="317" r:id="rId14"/>
+    <p:sldId id="318" r:id="rId15"/>
+    <p:sldId id="320" r:id="rId16"/>
+    <p:sldId id="321" r:id="rId17"/>
+    <p:sldId id="322" r:id="rId18"/>
+    <p:sldId id="319" r:id="rId19"/>
+    <p:sldId id="309" r:id="rId20"/>
   </p:sldIdLst>
   <p:sldSz cx="12192000" cy="6858000"/>
   <p:notesSz cx="6858000" cy="9144000"/>
@@ -220,7 +221,7 @@
           <a:p>
             <a:fld id="{5AB0D58B-1CA4-4E9D-A493-960D8694032C}" type="datetimeFigureOut">
               <a:rPr lang="fr-FR" smtClean="0"/>
-              <a:t>03/01/2019</a:t>
+              <a:t>09/01/2019</a:t>
             </a:fld>
             <a:endParaRPr lang="fr-FR"/>
           </a:p>
@@ -386,7 +387,7 @@
           <a:p>
             <a:fld id="{F80B55E0-88E5-4B0C-B49A-E9075B3352A2}" type="datetimeFigureOut">
               <a:rPr lang="fr-FR" smtClean="0"/>
-              <a:t>03/01/2019</a:t>
+              <a:t>09/01/2019</a:t>
             </a:fld>
             <a:endParaRPr lang="fr-FR"/>
           </a:p>
@@ -804,7 +805,7 @@
           <a:p>
             <a:fld id="{F4625AEE-926E-49DB-B657-4E194F63E769}" type="slidenum">
               <a:rPr lang="fr-FR" smtClean="0"/>
-              <a:t>15</a:t>
+              <a:t>16</a:t>
             </a:fld>
             <a:endParaRPr lang="fr-FR"/>
           </a:p>
@@ -954,7 +955,7 @@
           <a:p>
             <a:fld id="{E88E51D1-19E0-4A91-93E4-F6582C82DFE9}" type="datetime1">
               <a:rPr lang="fr-FR" smtClean="0"/>
-              <a:t>03/01/2019</a:t>
+              <a:t>09/01/2019</a:t>
             </a:fld>
             <a:endParaRPr lang="fr-FR"/>
           </a:p>
@@ -1125,7 +1126,7 @@
           <a:p>
             <a:fld id="{7519ACE1-E87F-406B-B178-33A30E4DC0BE}" type="datetime1">
               <a:rPr lang="fr-FR" smtClean="0"/>
-              <a:t>03/01/2019</a:t>
+              <a:t>09/01/2019</a:t>
             </a:fld>
             <a:endParaRPr lang="fr-FR"/>
           </a:p>
@@ -1305,7 +1306,7 @@
           <a:p>
             <a:fld id="{8D23791C-A9F3-4636-BD1D-EAE4B4B5FF18}" type="datetime1">
               <a:rPr lang="fr-FR" smtClean="0"/>
-              <a:t>03/01/2019</a:t>
+              <a:t>09/01/2019</a:t>
             </a:fld>
             <a:endParaRPr lang="fr-FR"/>
           </a:p>
@@ -1475,7 +1476,7 @@
           <a:p>
             <a:fld id="{84C4780A-E993-4541-9CBC-C4E5A5EAEDD3}" type="datetime1">
               <a:rPr lang="fr-FR" smtClean="0"/>
-              <a:t>03/01/2019</a:t>
+              <a:t>09/01/2019</a:t>
             </a:fld>
             <a:endParaRPr lang="fr-FR"/>
           </a:p>
@@ -1721,7 +1722,7 @@
           <a:p>
             <a:fld id="{00C31191-9C07-4668-B2BC-5089C650D2B7}" type="datetime1">
               <a:rPr lang="fr-FR" smtClean="0"/>
-              <a:t>03/01/2019</a:t>
+              <a:t>09/01/2019</a:t>
             </a:fld>
             <a:endParaRPr lang="fr-FR"/>
           </a:p>
@@ -1953,7 +1954,7 @@
           <a:p>
             <a:fld id="{65BFA711-2B98-4E4C-9BD9-39C15153D12A}" type="datetime1">
               <a:rPr lang="fr-FR" smtClean="0"/>
-              <a:t>03/01/2019</a:t>
+              <a:t>09/01/2019</a:t>
             </a:fld>
             <a:endParaRPr lang="fr-FR"/>
           </a:p>
@@ -2320,7 +2321,7 @@
           <a:p>
             <a:fld id="{75B1DFD4-9B0E-4C5E-A980-29875BBAE780}" type="datetime1">
               <a:rPr lang="fr-FR" smtClean="0"/>
-              <a:t>03/01/2019</a:t>
+              <a:t>09/01/2019</a:t>
             </a:fld>
             <a:endParaRPr lang="fr-FR"/>
           </a:p>
@@ -2438,7 +2439,7 @@
           <a:p>
             <a:fld id="{C37F1761-D244-4832-A897-AA9BFF027495}" type="datetime1">
               <a:rPr lang="fr-FR" smtClean="0"/>
-              <a:t>03/01/2019</a:t>
+              <a:t>09/01/2019</a:t>
             </a:fld>
             <a:endParaRPr lang="fr-FR"/>
           </a:p>
@@ -2533,7 +2534,7 @@
           <a:p>
             <a:fld id="{DB79BAB4-633D-4B71-A80A-06DCCB7E61AD}" type="datetime1">
               <a:rPr lang="fr-FR" smtClean="0"/>
-              <a:t>03/01/2019</a:t>
+              <a:t>09/01/2019</a:t>
             </a:fld>
             <a:endParaRPr lang="fr-FR"/>
           </a:p>
@@ -2810,7 +2811,7 @@
           <a:p>
             <a:fld id="{79BE4A44-C6AD-4BF9-A594-0296E02D7D5E}" type="datetime1">
               <a:rPr lang="fr-FR" smtClean="0"/>
-              <a:t>03/01/2019</a:t>
+              <a:t>09/01/2019</a:t>
             </a:fld>
             <a:endParaRPr lang="fr-FR"/>
           </a:p>
@@ -3063,7 +3064,7 @@
           <a:p>
             <a:fld id="{C1203806-AA52-4B57-B194-5A147094410C}" type="datetime1">
               <a:rPr lang="fr-FR" smtClean="0"/>
-              <a:t>03/01/2019</a:t>
+              <a:t>09/01/2019</a:t>
             </a:fld>
             <a:endParaRPr lang="fr-FR"/>
           </a:p>
@@ -3276,7 +3277,7 @@
           <a:p>
             <a:fld id="{6FE1E652-55A6-4E86-A9CD-07BB054ED371}" type="datetime1">
               <a:rPr lang="fr-FR" smtClean="0"/>
-              <a:t>03/01/2019</a:t>
+              <a:t>09/01/2019</a:t>
             </a:fld>
             <a:endParaRPr lang="fr-FR"/>
           </a:p>
@@ -4345,6 +4346,1232 @@
 <file path=ppt/slides/slide10.xml><?xml version="1.0" encoding="utf-8"?>
 <p:sld xmlns:a="http://schemas.openxmlformats.org/drawingml/2006/main" xmlns:r="http://schemas.openxmlformats.org/officeDocument/2006/relationships" xmlns:p="http://schemas.openxmlformats.org/presentationml/2006/main">
   <p:cSld>
+    <p:spTree>
+      <p:nvGrpSpPr>
+        <p:cNvPr id="1" name=""/>
+        <p:cNvGrpSpPr/>
+        <p:nvPr/>
+      </p:nvGrpSpPr>
+      <p:grpSpPr>
+        <a:xfrm>
+          <a:off x="0" y="0"/>
+          <a:ext cx="0" cy="0"/>
+          <a:chOff x="0" y="0"/>
+          <a:chExt cx="0" cy="0"/>
+        </a:xfrm>
+      </p:grpSpPr>
+      <p:sp>
+        <p:nvSpPr>
+          <p:cNvPr id="5" name="object 8"/>
+          <p:cNvSpPr txBox="1"/>
+          <p:nvPr/>
+        </p:nvSpPr>
+        <p:spPr>
+          <a:xfrm>
+            <a:off x="507274" y="1407505"/>
+            <a:ext cx="5198206" cy="692497"/>
+          </a:xfrm>
+          <a:prstGeom prst="rect">
+            <a:avLst/>
+          </a:prstGeom>
+        </p:spPr>
+        <p:txBody>
+          <a:bodyPr vert="horz" wrap="square" lIns="0" tIns="0" rIns="0" bIns="0" rtlCol="0">
+            <a:spAutoFit/>
+          </a:bodyPr>
+          <a:lstStyle/>
+          <a:p>
+            <a:pPr marL="12700" algn="ctr"/>
+            <a:br>
+              <a:rPr lang="fr-FR" sz="2400" dirty="0"/>
+            </a:br>
+            <a:endParaRPr lang="fr-FR" sz="2100" b="1" spc="-5" dirty="0">
+              <a:solidFill>
+                <a:srgbClr val="000090"/>
+              </a:solidFill>
+              <a:cs typeface="Calibri"/>
+            </a:endParaRPr>
+          </a:p>
+        </p:txBody>
+      </p:sp>
+      <p:sp>
+        <p:nvSpPr>
+          <p:cNvPr id="8" name="Slide Number Placeholder 7">
+            <a:extLst>
+              <a:ext uri="{FF2B5EF4-FFF2-40B4-BE49-F238E27FC236}">
+                <a16:creationId xmlns:a16="http://schemas.microsoft.com/office/drawing/2014/main" id="{3D3B08F8-1B6C-4F53-8B34-B6D10DAC3622}"/>
+              </a:ext>
+            </a:extLst>
+          </p:cNvPr>
+          <p:cNvSpPr>
+            <a:spLocks noGrp="1"/>
+          </p:cNvSpPr>
+          <p:nvPr>
+            <p:ph type="sldNum" sz="quarter" idx="12"/>
+          </p:nvPr>
+        </p:nvSpPr>
+        <p:spPr>
+          <a:xfrm>
+            <a:off x="8610600" y="6356350"/>
+            <a:ext cx="2743200" cy="365125"/>
+          </a:xfrm>
+        </p:spPr>
+        <p:txBody>
+          <a:bodyPr/>
+          <a:lstStyle/>
+          <a:p>
+            <a:fld id="{2376E620-B82E-4BB3-B55A-C1C511C62C08}" type="slidenum">
+              <a:rPr lang="fr-FR" smtClean="0"/>
+              <a:t>10</a:t>
+            </a:fld>
+            <a:endParaRPr lang="fr-FR"/>
+          </a:p>
+        </p:txBody>
+      </p:sp>
+      <p:pic>
+        <p:nvPicPr>
+          <p:cNvPr id="4" name="Picture 3"/>
+          <p:cNvPicPr>
+            <a:picLocks noChangeAspect="1"/>
+          </p:cNvPicPr>
+          <p:nvPr/>
+        </p:nvPicPr>
+        <p:blipFill>
+          <a:blip r:embed="rId2">
+            <a:extLst>
+              <a:ext uri="{28A0092B-C50C-407E-A947-70E740481C1C}">
+                <a14:useLocalDpi xmlns:a14="http://schemas.microsoft.com/office/drawing/2010/main" val="0"/>
+              </a:ext>
+            </a:extLst>
+          </a:blip>
+          <a:stretch>
+            <a:fillRect/>
+          </a:stretch>
+        </p:blipFill>
+        <p:spPr>
+          <a:xfrm>
+            <a:off x="988923" y="1488072"/>
+            <a:ext cx="1971675" cy="2411981"/>
+          </a:xfrm>
+          <a:prstGeom prst="rect">
+            <a:avLst/>
+          </a:prstGeom>
+        </p:spPr>
+      </p:pic>
+      <p:pic>
+        <p:nvPicPr>
+          <p:cNvPr id="11" name="Picture 10"/>
+          <p:cNvPicPr>
+            <a:picLocks noChangeAspect="1"/>
+          </p:cNvPicPr>
+          <p:nvPr/>
+        </p:nvPicPr>
+        <p:blipFill>
+          <a:blip r:embed="rId3">
+            <a:extLst>
+              <a:ext uri="{28A0092B-C50C-407E-A947-70E740481C1C}">
+                <a14:useLocalDpi xmlns:a14="http://schemas.microsoft.com/office/drawing/2010/main" val="0"/>
+              </a:ext>
+            </a:extLst>
+          </a:blip>
+          <a:stretch>
+            <a:fillRect/>
+          </a:stretch>
+        </p:blipFill>
+        <p:spPr>
+          <a:xfrm>
+            <a:off x="5000658" y="1400191"/>
+            <a:ext cx="1931831" cy="2499863"/>
+          </a:xfrm>
+          <a:prstGeom prst="rect">
+            <a:avLst/>
+          </a:prstGeom>
+        </p:spPr>
+      </p:pic>
+      <p:pic>
+        <p:nvPicPr>
+          <p:cNvPr id="15" name="Picture 14"/>
+          <p:cNvPicPr>
+            <a:picLocks noChangeAspect="1"/>
+          </p:cNvPicPr>
+          <p:nvPr/>
+        </p:nvPicPr>
+        <p:blipFill>
+          <a:blip r:embed="rId4">
+            <a:extLst>
+              <a:ext uri="{28A0092B-C50C-407E-A947-70E740481C1C}">
+                <a14:useLocalDpi xmlns:a14="http://schemas.microsoft.com/office/drawing/2010/main" val="0"/>
+              </a:ext>
+            </a:extLst>
+          </a:blip>
+          <a:stretch>
+            <a:fillRect/>
+          </a:stretch>
+        </p:blipFill>
+        <p:spPr>
+          <a:xfrm>
+            <a:off x="8972550" y="1500289"/>
+            <a:ext cx="2141918" cy="2399766"/>
+          </a:xfrm>
+          <a:prstGeom prst="rect">
+            <a:avLst/>
+          </a:prstGeom>
+        </p:spPr>
+      </p:pic>
+      <p:sp>
+        <p:nvSpPr>
+          <p:cNvPr id="16" name="TextBox 15"/>
+          <p:cNvSpPr txBox="1"/>
+          <p:nvPr/>
+        </p:nvSpPr>
+        <p:spPr>
+          <a:xfrm>
+            <a:off x="3670478" y="5416640"/>
+            <a:ext cx="5937161" cy="400110"/>
+          </a:xfrm>
+          <a:prstGeom prst="rect">
+            <a:avLst/>
+          </a:prstGeom>
+          <a:noFill/>
+        </p:spPr>
+        <p:txBody>
+          <a:bodyPr wrap="square" rtlCol="0">
+            <a:spAutoFit/>
+          </a:bodyPr>
+          <a:lstStyle/>
+          <a:p>
+            <a:r>
+              <a:rPr lang="fr-FR" sz="2000" dirty="0">
+                <a:latin typeface="Segoe UI" panose="020B0502040204020203" pitchFamily="34" charset="0"/>
+                <a:cs typeface="Segoe UI" panose="020B0502040204020203" pitchFamily="34" charset="0"/>
+              </a:rPr>
+              <a:t>Ont proposé un autre Algorithme  appelé  </a:t>
+            </a:r>
+            <a:r>
+              <a:rPr lang="fr-FR" sz="2000" b="1" dirty="0">
+                <a:solidFill>
+                  <a:srgbClr val="C00000"/>
+                </a:solidFill>
+                <a:latin typeface="Segoe UI" panose="020B0502040204020203" pitchFamily="34" charset="0"/>
+                <a:cs typeface="Segoe UI" panose="020B0502040204020203" pitchFamily="34" charset="0"/>
+              </a:rPr>
+              <a:t>KMP</a:t>
+            </a:r>
+            <a:r>
+              <a:rPr lang="fr-FR" sz="2000" b="1" dirty="0">
+                <a:latin typeface="Segoe UI" panose="020B0502040204020203" pitchFamily="34" charset="0"/>
+                <a:cs typeface="Segoe UI" panose="020B0502040204020203" pitchFamily="34" charset="0"/>
+              </a:rPr>
+              <a:t> </a:t>
+            </a:r>
+          </a:p>
+        </p:txBody>
+      </p:sp>
+      <p:sp>
+        <p:nvSpPr>
+          <p:cNvPr id="18" name="TextBox 17"/>
+          <p:cNvSpPr txBox="1"/>
+          <p:nvPr/>
+        </p:nvSpPr>
+        <p:spPr>
+          <a:xfrm>
+            <a:off x="2785404" y="4253744"/>
+            <a:ext cx="4147086" cy="369332"/>
+          </a:xfrm>
+          <a:prstGeom prst="rect">
+            <a:avLst/>
+          </a:prstGeom>
+          <a:noFill/>
+        </p:spPr>
+        <p:txBody>
+          <a:bodyPr wrap="square" rtlCol="0">
+            <a:spAutoFit/>
+          </a:bodyPr>
+          <a:lstStyle/>
+          <a:p>
+            <a:r>
+              <a:rPr lang="fr-FR" dirty="0">
+                <a:solidFill>
+                  <a:schemeClr val="bg2">
+                    <a:lumMod val="25000"/>
+                  </a:schemeClr>
+                </a:solidFill>
+                <a:latin typeface="Segoe UI" panose="020B0502040204020203" pitchFamily="34" charset="0"/>
+                <a:cs typeface="Segoe UI" panose="020B0502040204020203" pitchFamily="34" charset="0"/>
+              </a:rPr>
+              <a:t>,                                  </a:t>
+            </a:r>
+            <a:r>
+              <a:rPr lang="fr-FR" b="1" dirty="0">
+                <a:solidFill>
+                  <a:schemeClr val="bg2">
+                    <a:lumMod val="25000"/>
+                  </a:schemeClr>
+                </a:solidFill>
+                <a:latin typeface="Segoe UI" panose="020B0502040204020203" pitchFamily="34" charset="0"/>
+                <a:cs typeface="Segoe UI" panose="020B0502040204020203" pitchFamily="34" charset="0"/>
+              </a:rPr>
+              <a:t>James H. </a:t>
+            </a:r>
+            <a:r>
+              <a:rPr lang="fr-FR" b="1" dirty="0">
+                <a:solidFill>
+                  <a:srgbClr val="C00000"/>
+                </a:solidFill>
+                <a:latin typeface="Segoe UI" panose="020B0502040204020203" pitchFamily="34" charset="0"/>
+                <a:cs typeface="Segoe UI" panose="020B0502040204020203" pitchFamily="34" charset="0"/>
+              </a:rPr>
+              <a:t>M</a:t>
+            </a:r>
+            <a:r>
+              <a:rPr lang="fr-FR" b="1" dirty="0">
+                <a:solidFill>
+                  <a:schemeClr val="bg2">
+                    <a:lumMod val="25000"/>
+                  </a:schemeClr>
+                </a:solidFill>
+                <a:latin typeface="Segoe UI" panose="020B0502040204020203" pitchFamily="34" charset="0"/>
+                <a:cs typeface="Segoe UI" panose="020B0502040204020203" pitchFamily="34" charset="0"/>
+              </a:rPr>
+              <a:t>orris</a:t>
+            </a:r>
+          </a:p>
+        </p:txBody>
+      </p:sp>
+      <p:sp>
+        <p:nvSpPr>
+          <p:cNvPr id="2" name="ZoneTexte 1">
+            <a:extLst>
+              <a:ext uri="{FF2B5EF4-FFF2-40B4-BE49-F238E27FC236}">
+                <a16:creationId xmlns:a16="http://schemas.microsoft.com/office/drawing/2014/main" id="{F60FB412-68BF-4F91-8EBD-4D6989468D53}"/>
+              </a:ext>
+            </a:extLst>
+          </p:cNvPr>
+          <p:cNvSpPr txBox="1"/>
+          <p:nvPr/>
+        </p:nvSpPr>
+        <p:spPr>
+          <a:xfrm>
+            <a:off x="1077532" y="4302460"/>
+            <a:ext cx="1707871" cy="369332"/>
+          </a:xfrm>
+          <a:prstGeom prst="rect">
+            <a:avLst/>
+          </a:prstGeom>
+          <a:noFill/>
+        </p:spPr>
+        <p:txBody>
+          <a:bodyPr wrap="square" rtlCol="0">
+            <a:spAutoFit/>
+          </a:bodyPr>
+          <a:lstStyle/>
+          <a:p>
+            <a:r>
+              <a:rPr lang="fr-FR" b="1" dirty="0">
+                <a:solidFill>
+                  <a:schemeClr val="bg2">
+                    <a:lumMod val="25000"/>
+                  </a:schemeClr>
+                </a:solidFill>
+                <a:latin typeface="Segoe UI" panose="020B0502040204020203" pitchFamily="34" charset="0"/>
+                <a:cs typeface="Segoe UI" panose="020B0502040204020203" pitchFamily="34" charset="0"/>
+              </a:rPr>
+              <a:t>Donald </a:t>
+            </a:r>
+            <a:r>
+              <a:rPr lang="fr-FR" b="1" dirty="0" err="1">
+                <a:solidFill>
+                  <a:srgbClr val="C00000"/>
+                </a:solidFill>
+                <a:latin typeface="Segoe UI" panose="020B0502040204020203" pitchFamily="34" charset="0"/>
+                <a:cs typeface="Segoe UI" panose="020B0502040204020203" pitchFamily="34" charset="0"/>
+              </a:rPr>
+              <a:t>K</a:t>
+            </a:r>
+            <a:r>
+              <a:rPr lang="fr-FR" b="1" dirty="0" err="1">
+                <a:solidFill>
+                  <a:schemeClr val="bg2">
+                    <a:lumMod val="25000"/>
+                  </a:schemeClr>
+                </a:solidFill>
+                <a:latin typeface="Segoe UI" panose="020B0502040204020203" pitchFamily="34" charset="0"/>
+                <a:cs typeface="Segoe UI" panose="020B0502040204020203" pitchFamily="34" charset="0"/>
+              </a:rPr>
+              <a:t>nuth</a:t>
+            </a:r>
+            <a:endParaRPr lang="en-US" dirty="0"/>
+          </a:p>
+        </p:txBody>
+      </p:sp>
+      <p:sp>
+        <p:nvSpPr>
+          <p:cNvPr id="3" name="ZoneTexte 2">
+            <a:extLst>
+              <a:ext uri="{FF2B5EF4-FFF2-40B4-BE49-F238E27FC236}">
+                <a16:creationId xmlns:a16="http://schemas.microsoft.com/office/drawing/2014/main" id="{0EE5D5C9-28B3-4E30-93AF-67D1AD1671F0}"/>
+              </a:ext>
+            </a:extLst>
+          </p:cNvPr>
+          <p:cNvSpPr txBox="1"/>
+          <p:nvPr/>
+        </p:nvSpPr>
+        <p:spPr>
+          <a:xfrm>
+            <a:off x="7888742" y="4211163"/>
+            <a:ext cx="3225726" cy="369332"/>
+          </a:xfrm>
+          <a:prstGeom prst="rect">
+            <a:avLst/>
+          </a:prstGeom>
+          <a:noFill/>
+        </p:spPr>
+        <p:txBody>
+          <a:bodyPr wrap="square" rtlCol="0">
+            <a:spAutoFit/>
+          </a:bodyPr>
+          <a:lstStyle/>
+          <a:p>
+            <a:r>
+              <a:rPr lang="fr-FR" b="1" dirty="0">
+                <a:solidFill>
+                  <a:schemeClr val="bg2">
+                    <a:lumMod val="25000"/>
+                  </a:schemeClr>
+                </a:solidFill>
+                <a:latin typeface="Segoe UI" panose="020B0502040204020203" pitchFamily="34" charset="0"/>
+                <a:cs typeface="Segoe UI" panose="020B0502040204020203" pitchFamily="34" charset="0"/>
+              </a:rPr>
+              <a:t>et                  Vaughan </a:t>
+            </a:r>
+            <a:r>
+              <a:rPr lang="fr-FR" b="1" dirty="0">
+                <a:solidFill>
+                  <a:srgbClr val="C00000"/>
+                </a:solidFill>
+                <a:latin typeface="Segoe UI" panose="020B0502040204020203" pitchFamily="34" charset="0"/>
+                <a:cs typeface="Segoe UI" panose="020B0502040204020203" pitchFamily="34" charset="0"/>
+              </a:rPr>
+              <a:t>P</a:t>
+            </a:r>
+            <a:r>
+              <a:rPr lang="fr-FR" b="1" dirty="0">
+                <a:solidFill>
+                  <a:schemeClr val="bg2">
+                    <a:lumMod val="25000"/>
+                  </a:schemeClr>
+                </a:solidFill>
+                <a:latin typeface="Segoe UI" panose="020B0502040204020203" pitchFamily="34" charset="0"/>
+                <a:cs typeface="Segoe UI" panose="020B0502040204020203" pitchFamily="34" charset="0"/>
+              </a:rPr>
+              <a:t>ratt</a:t>
+            </a:r>
+            <a:endParaRPr lang="en-US" dirty="0"/>
+          </a:p>
+        </p:txBody>
+      </p:sp>
+      <p:cxnSp>
+        <p:nvCxnSpPr>
+          <p:cNvPr id="12" name="Connecteur droit 25">
+            <a:extLst>
+              <a:ext uri="{FF2B5EF4-FFF2-40B4-BE49-F238E27FC236}">
+                <a16:creationId xmlns:a16="http://schemas.microsoft.com/office/drawing/2014/main" id="{6C2C9A73-CCCE-46C2-9A6E-DFF576B4AE10}"/>
+              </a:ext>
+            </a:extLst>
+          </p:cNvPr>
+          <p:cNvCxnSpPr>
+            <a:cxnSpLocks/>
+          </p:cNvCxnSpPr>
+          <p:nvPr/>
+        </p:nvCxnSpPr>
+        <p:spPr>
+          <a:xfrm>
+            <a:off x="0" y="948472"/>
+            <a:ext cx="6639058" cy="0"/>
+          </a:xfrm>
+          <a:prstGeom prst="line">
+            <a:avLst/>
+          </a:prstGeom>
+          <a:ln/>
+        </p:spPr>
+        <p:style>
+          <a:lnRef idx="1">
+            <a:schemeClr val="accent1"/>
+          </a:lnRef>
+          <a:fillRef idx="0">
+            <a:schemeClr val="accent1"/>
+          </a:fillRef>
+          <a:effectRef idx="0">
+            <a:schemeClr val="accent1"/>
+          </a:effectRef>
+          <a:fontRef idx="minor">
+            <a:schemeClr val="tx1"/>
+          </a:fontRef>
+        </p:style>
+      </p:cxnSp>
+      <p:sp>
+        <p:nvSpPr>
+          <p:cNvPr id="13" name="Titre 1">
+            <a:extLst>
+              <a:ext uri="{FF2B5EF4-FFF2-40B4-BE49-F238E27FC236}">
+                <a16:creationId xmlns:a16="http://schemas.microsoft.com/office/drawing/2014/main" id="{AEE38FB1-98EE-4AA1-B363-1D165F89F415}"/>
+              </a:ext>
+            </a:extLst>
+          </p:cNvPr>
+          <p:cNvSpPr txBox="1">
+            <a:spLocks/>
+          </p:cNvSpPr>
+          <p:nvPr/>
+        </p:nvSpPr>
+        <p:spPr>
+          <a:xfrm>
+            <a:off x="343687" y="264818"/>
+            <a:ext cx="6173023" cy="810950"/>
+          </a:xfrm>
+          <a:prstGeom prst="rect">
+            <a:avLst/>
+          </a:prstGeom>
+        </p:spPr>
+        <p:txBody>
+          <a:bodyPr>
+            <a:normAutofit fontScale="82500" lnSpcReduction="10000"/>
+          </a:bodyPr>
+          <a:lstStyle>
+            <a:lvl1pPr algn="l" defTabSz="914400" rtl="0" eaLnBrk="1" latinLnBrk="0" hangingPunct="1">
+              <a:lnSpc>
+                <a:spcPct val="90000"/>
+              </a:lnSpc>
+              <a:spcBef>
+                <a:spcPct val="0"/>
+              </a:spcBef>
+              <a:buNone/>
+              <a:defRPr sz="4400" kern="1200">
+                <a:solidFill>
+                  <a:schemeClr val="tx1"/>
+                </a:solidFill>
+                <a:latin typeface="+mj-lt"/>
+                <a:ea typeface="+mj-ea"/>
+                <a:cs typeface="+mj-cs"/>
+              </a:defRPr>
+            </a:lvl1pPr>
+          </a:lstStyle>
+          <a:p>
+            <a:r>
+              <a:rPr lang="fr-FR" sz="3800" dirty="0">
+                <a:solidFill>
+                  <a:schemeClr val="bg2">
+                    <a:lumMod val="50000"/>
+                  </a:schemeClr>
+                </a:solidFill>
+                <a:latin typeface="Segoe UI" panose="020B0502040204020203" pitchFamily="34" charset="0"/>
+                <a:cs typeface="Segoe UI" panose="020B0502040204020203" pitchFamily="34" charset="0"/>
+              </a:rPr>
+              <a:t>Une Autre solution à été proposé</a:t>
+            </a:r>
+            <a:endParaRPr lang="fr-FR" sz="3800" dirty="0">
+              <a:solidFill>
+                <a:schemeClr val="bg2">
+                  <a:lumMod val="50000"/>
+                </a:schemeClr>
+              </a:solidFill>
+            </a:endParaRPr>
+          </a:p>
+        </p:txBody>
+      </p:sp>
+    </p:spTree>
+    <p:extLst>
+      <p:ext uri="{BB962C8B-B14F-4D97-AF65-F5344CB8AC3E}">
+        <p14:creationId xmlns:p14="http://schemas.microsoft.com/office/powerpoint/2010/main" val="1699982982"/>
+      </p:ext>
+    </p:extLst>
+  </p:cSld>
+  <p:clrMapOvr>
+    <a:masterClrMapping/>
+  </p:clrMapOvr>
+  <p:transition spd="slow">
+    <p:pull/>
+  </p:transition>
+  <p:timing>
+    <p:tnLst>
+      <p:par>
+        <p:cTn id="1" dur="indefinite" restart="never" nodeType="tmRoot">
+          <p:childTnLst>
+            <p:seq concurrent="1" nextAc="seek">
+              <p:cTn id="2" dur="indefinite" nodeType="mainSeq">
+                <p:childTnLst>
+                  <p:par>
+                    <p:cTn id="3" fill="hold">
+                      <p:stCondLst>
+                        <p:cond delay="indefinite"/>
+                      </p:stCondLst>
+                      <p:childTnLst>
+                        <p:par>
+                          <p:cTn id="4" fill="hold">
+                            <p:stCondLst>
+                              <p:cond delay="0"/>
+                            </p:stCondLst>
+                            <p:childTnLst>
+                              <p:par>
+                                <p:cTn id="5" presetID="42" presetClass="entr" presetSubtype="0" fill="hold" nodeType="clickEffect">
+                                  <p:stCondLst>
+                                    <p:cond delay="0"/>
+                                  </p:stCondLst>
+                                  <p:childTnLst>
+                                    <p:set>
+                                      <p:cBhvr>
+                                        <p:cTn id="6" dur="1" fill="hold">
+                                          <p:stCondLst>
+                                            <p:cond delay="0"/>
+                                          </p:stCondLst>
+                                        </p:cTn>
+                                        <p:tgtEl>
+                                          <p:spTgt spid="4"/>
+                                        </p:tgtEl>
+                                        <p:attrNameLst>
+                                          <p:attrName>style.visibility</p:attrName>
+                                        </p:attrNameLst>
+                                      </p:cBhvr>
+                                      <p:to>
+                                        <p:strVal val="visible"/>
+                                      </p:to>
+                                    </p:set>
+                                    <p:animEffect transition="in" filter="fade">
+                                      <p:cBhvr>
+                                        <p:cTn id="7" dur="1000"/>
+                                        <p:tgtEl>
+                                          <p:spTgt spid="4"/>
+                                        </p:tgtEl>
+                                      </p:cBhvr>
+                                    </p:animEffect>
+                                    <p:anim calcmode="lin" valueType="num">
+                                      <p:cBhvr>
+                                        <p:cTn id="8" dur="1000" fill="hold"/>
+                                        <p:tgtEl>
+                                          <p:spTgt spid="4"/>
+                                        </p:tgtEl>
+                                        <p:attrNameLst>
+                                          <p:attrName>ppt_x</p:attrName>
+                                        </p:attrNameLst>
+                                      </p:cBhvr>
+                                      <p:tavLst>
+                                        <p:tav tm="0">
+                                          <p:val>
+                                            <p:strVal val="#ppt_x"/>
+                                          </p:val>
+                                        </p:tav>
+                                        <p:tav tm="100000">
+                                          <p:val>
+                                            <p:strVal val="#ppt_x"/>
+                                          </p:val>
+                                        </p:tav>
+                                      </p:tavLst>
+                                    </p:anim>
+                                    <p:anim calcmode="lin" valueType="num">
+                                      <p:cBhvr>
+                                        <p:cTn id="9" dur="1000" fill="hold"/>
+                                        <p:tgtEl>
+                                          <p:spTgt spid="4"/>
+                                        </p:tgtEl>
+                                        <p:attrNameLst>
+                                          <p:attrName>ppt_y</p:attrName>
+                                        </p:attrNameLst>
+                                      </p:cBhvr>
+                                      <p:tavLst>
+                                        <p:tav tm="0">
+                                          <p:val>
+                                            <p:strVal val="#ppt_y+.1"/>
+                                          </p:val>
+                                        </p:tav>
+                                        <p:tav tm="100000">
+                                          <p:val>
+                                            <p:strVal val="#ppt_y"/>
+                                          </p:val>
+                                        </p:tav>
+                                      </p:tavLst>
+                                    </p:anim>
+                                  </p:childTnLst>
+                                </p:cTn>
+                              </p:par>
+                              <p:par>
+                                <p:cTn id="10" presetID="42" presetClass="entr" presetSubtype="0" fill="hold" grpId="0" nodeType="withEffect">
+                                  <p:stCondLst>
+                                    <p:cond delay="0"/>
+                                  </p:stCondLst>
+                                  <p:childTnLst>
+                                    <p:set>
+                                      <p:cBhvr>
+                                        <p:cTn id="11" dur="1" fill="hold">
+                                          <p:stCondLst>
+                                            <p:cond delay="0"/>
+                                          </p:stCondLst>
+                                        </p:cTn>
+                                        <p:tgtEl>
+                                          <p:spTgt spid="2"/>
+                                        </p:tgtEl>
+                                        <p:attrNameLst>
+                                          <p:attrName>style.visibility</p:attrName>
+                                        </p:attrNameLst>
+                                      </p:cBhvr>
+                                      <p:to>
+                                        <p:strVal val="visible"/>
+                                      </p:to>
+                                    </p:set>
+                                    <p:animEffect transition="in" filter="fade">
+                                      <p:cBhvr>
+                                        <p:cTn id="12" dur="1000"/>
+                                        <p:tgtEl>
+                                          <p:spTgt spid="2"/>
+                                        </p:tgtEl>
+                                      </p:cBhvr>
+                                    </p:animEffect>
+                                    <p:anim calcmode="lin" valueType="num">
+                                      <p:cBhvr>
+                                        <p:cTn id="13" dur="1000" fill="hold"/>
+                                        <p:tgtEl>
+                                          <p:spTgt spid="2"/>
+                                        </p:tgtEl>
+                                        <p:attrNameLst>
+                                          <p:attrName>ppt_x</p:attrName>
+                                        </p:attrNameLst>
+                                      </p:cBhvr>
+                                      <p:tavLst>
+                                        <p:tav tm="0">
+                                          <p:val>
+                                            <p:strVal val="#ppt_x"/>
+                                          </p:val>
+                                        </p:tav>
+                                        <p:tav tm="100000">
+                                          <p:val>
+                                            <p:strVal val="#ppt_x"/>
+                                          </p:val>
+                                        </p:tav>
+                                      </p:tavLst>
+                                    </p:anim>
+                                    <p:anim calcmode="lin" valueType="num">
+                                      <p:cBhvr>
+                                        <p:cTn id="14" dur="1000" fill="hold"/>
+                                        <p:tgtEl>
+                                          <p:spTgt spid="2"/>
+                                        </p:tgtEl>
+                                        <p:attrNameLst>
+                                          <p:attrName>ppt_y</p:attrName>
+                                        </p:attrNameLst>
+                                      </p:cBhvr>
+                                      <p:tavLst>
+                                        <p:tav tm="0">
+                                          <p:val>
+                                            <p:strVal val="#ppt_y+.1"/>
+                                          </p:val>
+                                        </p:tav>
+                                        <p:tav tm="100000">
+                                          <p:val>
+                                            <p:strVal val="#ppt_y"/>
+                                          </p:val>
+                                        </p:tav>
+                                      </p:tavLst>
+                                    </p:anim>
+                                  </p:childTnLst>
+                                </p:cTn>
+                              </p:par>
+                            </p:childTnLst>
+                          </p:cTn>
+                        </p:par>
+                      </p:childTnLst>
+                    </p:cTn>
+                  </p:par>
+                  <p:par>
+                    <p:cTn id="15" fill="hold">
+                      <p:stCondLst>
+                        <p:cond delay="indefinite"/>
+                      </p:stCondLst>
+                      <p:childTnLst>
+                        <p:par>
+                          <p:cTn id="16" fill="hold">
+                            <p:stCondLst>
+                              <p:cond delay="0"/>
+                            </p:stCondLst>
+                            <p:childTnLst>
+                              <p:par>
+                                <p:cTn id="17" presetID="42" presetClass="entr" presetSubtype="0" fill="hold" grpId="0" nodeType="clickEffect">
+                                  <p:stCondLst>
+                                    <p:cond delay="0"/>
+                                  </p:stCondLst>
+                                  <p:childTnLst>
+                                    <p:set>
+                                      <p:cBhvr>
+                                        <p:cTn id="18" dur="1" fill="hold">
+                                          <p:stCondLst>
+                                            <p:cond delay="0"/>
+                                          </p:stCondLst>
+                                        </p:cTn>
+                                        <p:tgtEl>
+                                          <p:spTgt spid="18"/>
+                                        </p:tgtEl>
+                                        <p:attrNameLst>
+                                          <p:attrName>style.visibility</p:attrName>
+                                        </p:attrNameLst>
+                                      </p:cBhvr>
+                                      <p:to>
+                                        <p:strVal val="visible"/>
+                                      </p:to>
+                                    </p:set>
+                                    <p:animEffect transition="in" filter="fade">
+                                      <p:cBhvr>
+                                        <p:cTn id="19" dur="1000"/>
+                                        <p:tgtEl>
+                                          <p:spTgt spid="18"/>
+                                        </p:tgtEl>
+                                      </p:cBhvr>
+                                    </p:animEffect>
+                                    <p:anim calcmode="lin" valueType="num">
+                                      <p:cBhvr>
+                                        <p:cTn id="20" dur="1000" fill="hold"/>
+                                        <p:tgtEl>
+                                          <p:spTgt spid="18"/>
+                                        </p:tgtEl>
+                                        <p:attrNameLst>
+                                          <p:attrName>ppt_x</p:attrName>
+                                        </p:attrNameLst>
+                                      </p:cBhvr>
+                                      <p:tavLst>
+                                        <p:tav tm="0">
+                                          <p:val>
+                                            <p:strVal val="#ppt_x"/>
+                                          </p:val>
+                                        </p:tav>
+                                        <p:tav tm="100000">
+                                          <p:val>
+                                            <p:strVal val="#ppt_x"/>
+                                          </p:val>
+                                        </p:tav>
+                                      </p:tavLst>
+                                    </p:anim>
+                                    <p:anim calcmode="lin" valueType="num">
+                                      <p:cBhvr>
+                                        <p:cTn id="21" dur="1000" fill="hold"/>
+                                        <p:tgtEl>
+                                          <p:spTgt spid="18"/>
+                                        </p:tgtEl>
+                                        <p:attrNameLst>
+                                          <p:attrName>ppt_y</p:attrName>
+                                        </p:attrNameLst>
+                                      </p:cBhvr>
+                                      <p:tavLst>
+                                        <p:tav tm="0">
+                                          <p:val>
+                                            <p:strVal val="#ppt_y+.1"/>
+                                          </p:val>
+                                        </p:tav>
+                                        <p:tav tm="100000">
+                                          <p:val>
+                                            <p:strVal val="#ppt_y"/>
+                                          </p:val>
+                                        </p:tav>
+                                      </p:tavLst>
+                                    </p:anim>
+                                  </p:childTnLst>
+                                </p:cTn>
+                              </p:par>
+                              <p:par>
+                                <p:cTn id="22" presetID="42" presetClass="entr" presetSubtype="0" fill="hold" nodeType="withEffect">
+                                  <p:stCondLst>
+                                    <p:cond delay="0"/>
+                                  </p:stCondLst>
+                                  <p:childTnLst>
+                                    <p:set>
+                                      <p:cBhvr>
+                                        <p:cTn id="23" dur="1" fill="hold">
+                                          <p:stCondLst>
+                                            <p:cond delay="0"/>
+                                          </p:stCondLst>
+                                        </p:cTn>
+                                        <p:tgtEl>
+                                          <p:spTgt spid="11"/>
+                                        </p:tgtEl>
+                                        <p:attrNameLst>
+                                          <p:attrName>style.visibility</p:attrName>
+                                        </p:attrNameLst>
+                                      </p:cBhvr>
+                                      <p:to>
+                                        <p:strVal val="visible"/>
+                                      </p:to>
+                                    </p:set>
+                                    <p:animEffect transition="in" filter="fade">
+                                      <p:cBhvr>
+                                        <p:cTn id="24" dur="1000"/>
+                                        <p:tgtEl>
+                                          <p:spTgt spid="11"/>
+                                        </p:tgtEl>
+                                      </p:cBhvr>
+                                    </p:animEffect>
+                                    <p:anim calcmode="lin" valueType="num">
+                                      <p:cBhvr>
+                                        <p:cTn id="25" dur="1000" fill="hold"/>
+                                        <p:tgtEl>
+                                          <p:spTgt spid="11"/>
+                                        </p:tgtEl>
+                                        <p:attrNameLst>
+                                          <p:attrName>ppt_x</p:attrName>
+                                        </p:attrNameLst>
+                                      </p:cBhvr>
+                                      <p:tavLst>
+                                        <p:tav tm="0">
+                                          <p:val>
+                                            <p:strVal val="#ppt_x"/>
+                                          </p:val>
+                                        </p:tav>
+                                        <p:tav tm="100000">
+                                          <p:val>
+                                            <p:strVal val="#ppt_x"/>
+                                          </p:val>
+                                        </p:tav>
+                                      </p:tavLst>
+                                    </p:anim>
+                                    <p:anim calcmode="lin" valueType="num">
+                                      <p:cBhvr>
+                                        <p:cTn id="26" dur="1000" fill="hold"/>
+                                        <p:tgtEl>
+                                          <p:spTgt spid="11"/>
+                                        </p:tgtEl>
+                                        <p:attrNameLst>
+                                          <p:attrName>ppt_y</p:attrName>
+                                        </p:attrNameLst>
+                                      </p:cBhvr>
+                                      <p:tavLst>
+                                        <p:tav tm="0">
+                                          <p:val>
+                                            <p:strVal val="#ppt_y+.1"/>
+                                          </p:val>
+                                        </p:tav>
+                                        <p:tav tm="100000">
+                                          <p:val>
+                                            <p:strVal val="#ppt_y"/>
+                                          </p:val>
+                                        </p:tav>
+                                      </p:tavLst>
+                                    </p:anim>
+                                  </p:childTnLst>
+                                </p:cTn>
+                              </p:par>
+                            </p:childTnLst>
+                          </p:cTn>
+                        </p:par>
+                      </p:childTnLst>
+                    </p:cTn>
+                  </p:par>
+                  <p:par>
+                    <p:cTn id="27" fill="hold">
+                      <p:stCondLst>
+                        <p:cond delay="indefinite"/>
+                      </p:stCondLst>
+                      <p:childTnLst>
+                        <p:par>
+                          <p:cTn id="28" fill="hold">
+                            <p:stCondLst>
+                              <p:cond delay="0"/>
+                            </p:stCondLst>
+                            <p:childTnLst>
+                              <p:par>
+                                <p:cTn id="29" presetID="42" presetClass="entr" presetSubtype="0" fill="hold" nodeType="clickEffect">
+                                  <p:stCondLst>
+                                    <p:cond delay="0"/>
+                                  </p:stCondLst>
+                                  <p:childTnLst>
+                                    <p:set>
+                                      <p:cBhvr>
+                                        <p:cTn id="30" dur="1" fill="hold">
+                                          <p:stCondLst>
+                                            <p:cond delay="0"/>
+                                          </p:stCondLst>
+                                        </p:cTn>
+                                        <p:tgtEl>
+                                          <p:spTgt spid="15"/>
+                                        </p:tgtEl>
+                                        <p:attrNameLst>
+                                          <p:attrName>style.visibility</p:attrName>
+                                        </p:attrNameLst>
+                                      </p:cBhvr>
+                                      <p:to>
+                                        <p:strVal val="visible"/>
+                                      </p:to>
+                                    </p:set>
+                                    <p:animEffect transition="in" filter="fade">
+                                      <p:cBhvr>
+                                        <p:cTn id="31" dur="1000"/>
+                                        <p:tgtEl>
+                                          <p:spTgt spid="15"/>
+                                        </p:tgtEl>
+                                      </p:cBhvr>
+                                    </p:animEffect>
+                                    <p:anim calcmode="lin" valueType="num">
+                                      <p:cBhvr>
+                                        <p:cTn id="32" dur="1000" fill="hold"/>
+                                        <p:tgtEl>
+                                          <p:spTgt spid="15"/>
+                                        </p:tgtEl>
+                                        <p:attrNameLst>
+                                          <p:attrName>ppt_x</p:attrName>
+                                        </p:attrNameLst>
+                                      </p:cBhvr>
+                                      <p:tavLst>
+                                        <p:tav tm="0">
+                                          <p:val>
+                                            <p:strVal val="#ppt_x"/>
+                                          </p:val>
+                                        </p:tav>
+                                        <p:tav tm="100000">
+                                          <p:val>
+                                            <p:strVal val="#ppt_x"/>
+                                          </p:val>
+                                        </p:tav>
+                                      </p:tavLst>
+                                    </p:anim>
+                                    <p:anim calcmode="lin" valueType="num">
+                                      <p:cBhvr>
+                                        <p:cTn id="33" dur="1000" fill="hold"/>
+                                        <p:tgtEl>
+                                          <p:spTgt spid="15"/>
+                                        </p:tgtEl>
+                                        <p:attrNameLst>
+                                          <p:attrName>ppt_y</p:attrName>
+                                        </p:attrNameLst>
+                                      </p:cBhvr>
+                                      <p:tavLst>
+                                        <p:tav tm="0">
+                                          <p:val>
+                                            <p:strVal val="#ppt_y+.1"/>
+                                          </p:val>
+                                        </p:tav>
+                                        <p:tav tm="100000">
+                                          <p:val>
+                                            <p:strVal val="#ppt_y"/>
+                                          </p:val>
+                                        </p:tav>
+                                      </p:tavLst>
+                                    </p:anim>
+                                  </p:childTnLst>
+                                </p:cTn>
+                              </p:par>
+                              <p:par>
+                                <p:cTn id="34" presetID="42" presetClass="entr" presetSubtype="0" fill="hold" grpId="0" nodeType="withEffect">
+                                  <p:stCondLst>
+                                    <p:cond delay="0"/>
+                                  </p:stCondLst>
+                                  <p:childTnLst>
+                                    <p:set>
+                                      <p:cBhvr>
+                                        <p:cTn id="35" dur="1" fill="hold">
+                                          <p:stCondLst>
+                                            <p:cond delay="0"/>
+                                          </p:stCondLst>
+                                        </p:cTn>
+                                        <p:tgtEl>
+                                          <p:spTgt spid="3"/>
+                                        </p:tgtEl>
+                                        <p:attrNameLst>
+                                          <p:attrName>style.visibility</p:attrName>
+                                        </p:attrNameLst>
+                                      </p:cBhvr>
+                                      <p:to>
+                                        <p:strVal val="visible"/>
+                                      </p:to>
+                                    </p:set>
+                                    <p:animEffect transition="in" filter="fade">
+                                      <p:cBhvr>
+                                        <p:cTn id="36" dur="1000"/>
+                                        <p:tgtEl>
+                                          <p:spTgt spid="3"/>
+                                        </p:tgtEl>
+                                      </p:cBhvr>
+                                    </p:animEffect>
+                                    <p:anim calcmode="lin" valueType="num">
+                                      <p:cBhvr>
+                                        <p:cTn id="37" dur="1000" fill="hold"/>
+                                        <p:tgtEl>
+                                          <p:spTgt spid="3"/>
+                                        </p:tgtEl>
+                                        <p:attrNameLst>
+                                          <p:attrName>ppt_x</p:attrName>
+                                        </p:attrNameLst>
+                                      </p:cBhvr>
+                                      <p:tavLst>
+                                        <p:tav tm="0">
+                                          <p:val>
+                                            <p:strVal val="#ppt_x"/>
+                                          </p:val>
+                                        </p:tav>
+                                        <p:tav tm="100000">
+                                          <p:val>
+                                            <p:strVal val="#ppt_x"/>
+                                          </p:val>
+                                        </p:tav>
+                                      </p:tavLst>
+                                    </p:anim>
+                                    <p:anim calcmode="lin" valueType="num">
+                                      <p:cBhvr>
+                                        <p:cTn id="38" dur="1000" fill="hold"/>
+                                        <p:tgtEl>
+                                          <p:spTgt spid="3"/>
+                                        </p:tgtEl>
+                                        <p:attrNameLst>
+                                          <p:attrName>ppt_y</p:attrName>
+                                        </p:attrNameLst>
+                                      </p:cBhvr>
+                                      <p:tavLst>
+                                        <p:tav tm="0">
+                                          <p:val>
+                                            <p:strVal val="#ppt_y+.1"/>
+                                          </p:val>
+                                        </p:tav>
+                                        <p:tav tm="100000">
+                                          <p:val>
+                                            <p:strVal val="#ppt_y"/>
+                                          </p:val>
+                                        </p:tav>
+                                      </p:tavLst>
+                                    </p:anim>
+                                  </p:childTnLst>
+                                </p:cTn>
+                              </p:par>
+                            </p:childTnLst>
+                          </p:cTn>
+                        </p:par>
+                      </p:childTnLst>
+                    </p:cTn>
+                  </p:par>
+                  <p:par>
+                    <p:cTn id="39" fill="hold">
+                      <p:stCondLst>
+                        <p:cond delay="indefinite"/>
+                      </p:stCondLst>
+                      <p:childTnLst>
+                        <p:par>
+                          <p:cTn id="40" fill="hold">
+                            <p:stCondLst>
+                              <p:cond delay="0"/>
+                            </p:stCondLst>
+                            <p:childTnLst>
+                              <p:par>
+                                <p:cTn id="41" presetID="42" presetClass="entr" presetSubtype="0" fill="hold" grpId="0" nodeType="clickEffect">
+                                  <p:stCondLst>
+                                    <p:cond delay="0"/>
+                                  </p:stCondLst>
+                                  <p:childTnLst>
+                                    <p:set>
+                                      <p:cBhvr>
+                                        <p:cTn id="42" dur="1" fill="hold">
+                                          <p:stCondLst>
+                                            <p:cond delay="0"/>
+                                          </p:stCondLst>
+                                        </p:cTn>
+                                        <p:tgtEl>
+                                          <p:spTgt spid="16"/>
+                                        </p:tgtEl>
+                                        <p:attrNameLst>
+                                          <p:attrName>style.visibility</p:attrName>
+                                        </p:attrNameLst>
+                                      </p:cBhvr>
+                                      <p:to>
+                                        <p:strVal val="visible"/>
+                                      </p:to>
+                                    </p:set>
+                                    <p:animEffect transition="in" filter="fade">
+                                      <p:cBhvr>
+                                        <p:cTn id="43" dur="1000"/>
+                                        <p:tgtEl>
+                                          <p:spTgt spid="16"/>
+                                        </p:tgtEl>
+                                      </p:cBhvr>
+                                    </p:animEffect>
+                                    <p:anim calcmode="lin" valueType="num">
+                                      <p:cBhvr>
+                                        <p:cTn id="44" dur="1000" fill="hold"/>
+                                        <p:tgtEl>
+                                          <p:spTgt spid="16"/>
+                                        </p:tgtEl>
+                                        <p:attrNameLst>
+                                          <p:attrName>ppt_x</p:attrName>
+                                        </p:attrNameLst>
+                                      </p:cBhvr>
+                                      <p:tavLst>
+                                        <p:tav tm="0">
+                                          <p:val>
+                                            <p:strVal val="#ppt_x"/>
+                                          </p:val>
+                                        </p:tav>
+                                        <p:tav tm="100000">
+                                          <p:val>
+                                            <p:strVal val="#ppt_x"/>
+                                          </p:val>
+                                        </p:tav>
+                                      </p:tavLst>
+                                    </p:anim>
+                                    <p:anim calcmode="lin" valueType="num">
+                                      <p:cBhvr>
+                                        <p:cTn id="45" dur="1000" fill="hold"/>
+                                        <p:tgtEl>
+                                          <p:spTgt spid="16"/>
+                                        </p:tgtEl>
+                                        <p:attrNameLst>
+                                          <p:attrName>ppt_y</p:attrName>
+                                        </p:attrNameLst>
+                                      </p:cBhvr>
+                                      <p:tavLst>
+                                        <p:tav tm="0">
+                                          <p:val>
+                                            <p:strVal val="#ppt_y+.1"/>
+                                          </p:val>
+                                        </p:tav>
+                                        <p:tav tm="100000">
+                                          <p:val>
+                                            <p:strVal val="#ppt_y"/>
+                                          </p:val>
+                                        </p:tav>
+                                      </p:tavLst>
+                                    </p:anim>
+                                  </p:childTnLst>
+                                </p:cTn>
+                              </p:par>
+                            </p:childTnLst>
+                          </p:cTn>
+                        </p:par>
+                      </p:childTnLst>
+                    </p:cTn>
+                  </p:par>
+                </p:childTnLst>
+              </p:cTn>
+              <p:prevCondLst>
+                <p:cond evt="onPrev" delay="0">
+                  <p:tgtEl>
+                    <p:sldTgt/>
+                  </p:tgtEl>
+                </p:cond>
+              </p:prevCondLst>
+              <p:nextCondLst>
+                <p:cond evt="onNext" delay="0">
+                  <p:tgtEl>
+                    <p:sldTgt/>
+                  </p:tgtEl>
+                </p:cond>
+              </p:nextCondLst>
+            </p:seq>
+          </p:childTnLst>
+        </p:cTn>
+      </p:par>
+    </p:tnLst>
+    <p:bldLst>
+      <p:bldP spid="16" grpId="0"/>
+      <p:bldP spid="18" grpId="0"/>
+      <p:bldP spid="2" grpId="0"/>
+      <p:bldP spid="3" grpId="0"/>
+    </p:bldLst>
+  </p:timing>
+</p:sld>
+</file>
+
+<file path=ppt/slides/slide11.xml><?xml version="1.0" encoding="utf-8"?>
+<p:sld xmlns:a="http://schemas.openxmlformats.org/drawingml/2006/main" xmlns:r="http://schemas.openxmlformats.org/officeDocument/2006/relationships" xmlns:p="http://schemas.openxmlformats.org/presentationml/2006/main">
+  <p:cSld>
     <p:bg>
       <p:bgPr>
         <a:solidFill>
@@ -4569,7 +5796,7 @@
 </p:sld>
 </file>
 
-<file path=ppt/slides/slide11.xml><?xml version="1.0" encoding="utf-8"?>
+<file path=ppt/slides/slide12.xml><?xml version="1.0" encoding="utf-8"?>
 <p:sld xmlns:a="http://schemas.openxmlformats.org/drawingml/2006/main" xmlns:r="http://schemas.openxmlformats.org/officeDocument/2006/relationships" xmlns:p="http://schemas.openxmlformats.org/presentationml/2006/main">
   <p:cSld>
     <p:spTree>
@@ -4603,7 +5830,7 @@
           <a:p>
             <a:fld id="{2376E620-B82E-4BB3-B55A-C1C511C62C08}" type="slidenum">
               <a:rPr lang="fr-FR" smtClean="0"/>
-              <a:t>11</a:t>
+              <a:t>12</a:t>
             </a:fld>
             <a:endParaRPr lang="fr-FR" dirty="0"/>
           </a:p>
@@ -5034,47 +6261,6 @@
               </a:rPr>
               <a:t>KMP</a:t>
             </a:r>
-          </a:p>
-        </p:txBody>
-      </p:sp>
-      <p:sp>
-        <p:nvSpPr>
-          <p:cNvPr id="14" name="Right Arrow 13"/>
-          <p:cNvSpPr/>
-          <p:nvPr/>
-        </p:nvSpPr>
-        <p:spPr>
-          <a:xfrm>
-            <a:off x="8042856" y="5335124"/>
-            <a:ext cx="1939345" cy="261613"/>
-          </a:xfrm>
-          <a:prstGeom prst="rightArrow">
-            <a:avLst/>
-          </a:prstGeom>
-          <a:solidFill>
-            <a:srgbClr val="00B050"/>
-          </a:solidFill>
-        </p:spPr>
-        <p:style>
-          <a:lnRef idx="1">
-            <a:schemeClr val="accent6"/>
-          </a:lnRef>
-          <a:fillRef idx="2">
-            <a:schemeClr val="accent6"/>
-          </a:fillRef>
-          <a:effectRef idx="1">
-            <a:schemeClr val="accent6"/>
-          </a:effectRef>
-          <a:fontRef idx="minor">
-            <a:schemeClr val="dk1"/>
-          </a:fontRef>
-        </p:style>
-        <p:txBody>
-          <a:bodyPr rtlCol="0" anchor="ctr"/>
-          <a:lstStyle/>
-          <a:p>
-            <a:pPr algn="ctr"/>
-            <a:endParaRPr lang="fr-FR"/>
           </a:p>
         </p:txBody>
       </p:sp>
@@ -5177,13 +6363,54 @@
       </p:sp>
       <p:sp>
         <p:nvSpPr>
-          <p:cNvPr id="17" name="TextBox 16"/>
+          <p:cNvPr id="12" name="Right Arrow 11"/>
+          <p:cNvSpPr/>
+          <p:nvPr/>
+        </p:nvSpPr>
+        <p:spPr>
+          <a:xfrm>
+            <a:off x="8042856" y="5184996"/>
+            <a:ext cx="1939345" cy="261613"/>
+          </a:xfrm>
+          <a:prstGeom prst="rightArrow">
+            <a:avLst/>
+          </a:prstGeom>
+          <a:solidFill>
+            <a:srgbClr val="00B050"/>
+          </a:solidFill>
+        </p:spPr>
+        <p:style>
+          <a:lnRef idx="1">
+            <a:schemeClr val="accent6"/>
+          </a:lnRef>
+          <a:fillRef idx="2">
+            <a:schemeClr val="accent6"/>
+          </a:fillRef>
+          <a:effectRef idx="1">
+            <a:schemeClr val="accent6"/>
+          </a:effectRef>
+          <a:fontRef idx="minor">
+            <a:schemeClr val="dk1"/>
+          </a:fontRef>
+        </p:style>
+        <p:txBody>
+          <a:bodyPr rtlCol="0" anchor="ctr"/>
+          <a:lstStyle/>
+          <a:p>
+            <a:pPr algn="ctr"/>
+            <a:endParaRPr lang="fr-FR"/>
+          </a:p>
+        </p:txBody>
+      </p:sp>
+      <p:sp>
+        <p:nvSpPr>
+          <p:cNvPr id="13" name="TextBox 12"/>
           <p:cNvSpPr txBox="1"/>
           <p:nvPr/>
         </p:nvSpPr>
         <p:spPr>
           <a:xfrm>
-            <a:off x="7944464" y="4935014"/>
+            <a:off x="7944464" y="4784886"/>
             <a:ext cx="2037737" cy="400110"/>
           </a:xfrm>
           <a:prstGeom prst="rect">
@@ -5216,256 +6443,96 @@
           </a:p>
         </p:txBody>
       </p:sp>
-    </p:spTree>
-    <p:extLst>
-      <p:ext uri="{BB962C8B-B14F-4D97-AF65-F5344CB8AC3E}">
-        <p14:creationId xmlns:p14="http://schemas.microsoft.com/office/powerpoint/2010/main" val="2561007458"/>
-      </p:ext>
-    </p:extLst>
-  </p:cSld>
-  <p:clrMapOvr>
-    <a:masterClrMapping/>
-  </p:clrMapOvr>
-  <p:transition spd="slow">
-    <p:pull/>
-  </p:transition>
-</p:sld>
-</file>
-
-<file path=ppt/slides/slide12.xml><?xml version="1.0" encoding="utf-8"?>
-<p:sld xmlns:a="http://schemas.openxmlformats.org/drawingml/2006/main" xmlns:r="http://schemas.openxmlformats.org/officeDocument/2006/relationships" xmlns:p="http://schemas.openxmlformats.org/presentationml/2006/main">
-  <p:cSld>
-    <p:spTree>
-      <p:nvGrpSpPr>
-        <p:cNvPr id="1" name=""/>
-        <p:cNvGrpSpPr/>
-        <p:nvPr/>
-      </p:nvGrpSpPr>
-      <p:grpSpPr>
-        <a:xfrm>
-          <a:off x="0" y="0"/>
-          <a:ext cx="0" cy="0"/>
-          <a:chOff x="0" y="0"/>
-          <a:chExt cx="0" cy="0"/>
-        </a:xfrm>
-      </p:grpSpPr>
-      <p:sp>
-        <p:nvSpPr>
-          <p:cNvPr id="2" name="Slide Number Placeholder 1"/>
-          <p:cNvSpPr>
-            <a:spLocks noGrp="1"/>
-          </p:cNvSpPr>
-          <p:nvPr>
-            <p:ph type="sldNum" sz="quarter" idx="12"/>
-          </p:nvPr>
-        </p:nvSpPr>
-        <p:spPr/>
-        <p:txBody>
-          <a:bodyPr/>
-          <a:lstStyle/>
-          <a:p>
-            <a:fld id="{2376E620-B82E-4BB3-B55A-C1C511C62C08}" type="slidenum">
-              <a:rPr lang="fr-FR" smtClean="0"/>
-              <a:t>12</a:t>
-            </a:fld>
-            <a:endParaRPr lang="fr-FR" dirty="0"/>
-          </a:p>
-        </p:txBody>
-      </p:sp>
-      <p:sp>
-        <p:nvSpPr>
-          <p:cNvPr id="3" name="Rectangle 2"/>
+      <p:sp>
+        <p:nvSpPr>
+          <p:cNvPr id="18" name="Right Arrow 13">
+            <a:extLst>
+              <a:ext uri="{FF2B5EF4-FFF2-40B4-BE49-F238E27FC236}">
+                <a16:creationId xmlns:a16="http://schemas.microsoft.com/office/drawing/2014/main" id="{61F1DC79-6D24-488E-87FE-D93EE732BB5A}"/>
+              </a:ext>
+            </a:extLst>
+          </p:cNvPr>
           <p:cNvSpPr/>
           <p:nvPr/>
         </p:nvSpPr>
         <p:spPr>
           <a:xfrm>
-            <a:off x="604770" y="1073629"/>
-            <a:ext cx="10972800" cy="1138773"/>
-          </a:xfrm>
-          <a:prstGeom prst="rect">
+            <a:off x="8058778" y="5446580"/>
+            <a:ext cx="1939345" cy="261613"/>
+          </a:xfrm>
+          <a:prstGeom prst="rightArrow">
             <a:avLst/>
           </a:prstGeom>
-        </p:spPr>
-        <p:txBody>
-          <a:bodyPr wrap="square">
-            <a:spAutoFit/>
-          </a:bodyPr>
-          <a:lstStyle/>
-          <a:p>
-            <a:pPr marL="457200" indent="-457200">
-              <a:lnSpc>
-                <a:spcPct val="200000"/>
-              </a:lnSpc>
-              <a:buFont typeface="+mj-lt"/>
-              <a:buAutoNum type="arabicPeriod"/>
-            </a:pPr>
-            <a:r>
-              <a:rPr lang="fr-FR" sz="2400" b="1" dirty="0">
-                <a:solidFill>
-                  <a:srgbClr val="FE9016"/>
-                </a:solidFill>
-                <a:latin typeface="Segoe UI" panose="020B0502040204020203" pitchFamily="34" charset="0"/>
-                <a:cs typeface="Segoe UI" panose="020B0502040204020203" pitchFamily="34" charset="0"/>
-              </a:rPr>
-              <a:t>Fonction de calcul du tableau préfixes</a:t>
-            </a:r>
-            <a:endParaRPr lang="fr-FR" sz="2400" dirty="0">
-              <a:latin typeface="Segoe UI" panose="020B0502040204020203" pitchFamily="34" charset="0"/>
-              <a:cs typeface="Segoe UI" panose="020B0502040204020203" pitchFamily="34" charset="0"/>
-            </a:endParaRPr>
-          </a:p>
-          <a:p>
-            <a:pPr>
-              <a:lnSpc>
-                <a:spcPct val="200000"/>
-              </a:lnSpc>
-            </a:pPr>
-            <a:endParaRPr lang="fr-FR" sz="1000" dirty="0">
-              <a:latin typeface="Segoe UI" panose="020B0502040204020203" pitchFamily="34" charset="0"/>
-              <a:cs typeface="Segoe UI" panose="020B0502040204020203" pitchFamily="34" charset="0"/>
-            </a:endParaRPr>
-          </a:p>
-        </p:txBody>
-      </p:sp>
-      <p:cxnSp>
-        <p:nvCxnSpPr>
-          <p:cNvPr id="6" name="Connecteur droit 25"/>
-          <p:cNvCxnSpPr/>
-          <p:nvPr/>
-        </p:nvCxnSpPr>
-        <p:spPr>
-          <a:xfrm>
-            <a:off x="0" y="1073629"/>
-            <a:ext cx="4365938" cy="0"/>
-          </a:xfrm>
-          <a:prstGeom prst="line">
-            <a:avLst/>
-          </a:prstGeom>
-          <a:ln>
-            <a:solidFill>
-              <a:srgbClr val="00D0A8"/>
-            </a:solidFill>
-          </a:ln>
+          <a:solidFill>
+            <a:srgbClr val="FF0000"/>
+          </a:solidFill>
         </p:spPr>
         <p:style>
-          <a:lnRef idx="2">
+          <a:lnRef idx="1">
             <a:schemeClr val="accent6"/>
           </a:lnRef>
-          <a:fillRef idx="0">
+          <a:fillRef idx="2">
             <a:schemeClr val="accent6"/>
           </a:fillRef>
           <a:effectRef idx="1">
             <a:schemeClr val="accent6"/>
           </a:effectRef>
           <a:fontRef idx="minor">
-            <a:schemeClr val="tx1"/>
+            <a:schemeClr val="dk1"/>
           </a:fontRef>
         </p:style>
-      </p:cxnSp>
-      <p:sp>
-        <p:nvSpPr>
-          <p:cNvPr id="7" name="Titre 1"/>
-          <p:cNvSpPr txBox="1">
-            <a:spLocks/>
-          </p:cNvSpPr>
+        <p:txBody>
+          <a:bodyPr rtlCol="0" anchor="ctr"/>
+          <a:lstStyle/>
+          <a:p>
+            <a:pPr algn="ctr"/>
+            <a:endParaRPr lang="fr-FR"/>
+          </a:p>
+        </p:txBody>
+      </p:sp>
+      <p:sp>
+        <p:nvSpPr>
+          <p:cNvPr id="19" name="TextBox 16">
+            <a:extLst>
+              <a:ext uri="{FF2B5EF4-FFF2-40B4-BE49-F238E27FC236}">
+                <a16:creationId xmlns:a16="http://schemas.microsoft.com/office/drawing/2014/main" id="{45D72EEE-DAB1-4A61-B025-5BCBDB03CF2D}"/>
+              </a:ext>
+            </a:extLst>
+          </p:cNvPr>
+          <p:cNvSpPr txBox="1"/>
           <p:nvPr/>
         </p:nvSpPr>
         <p:spPr>
           <a:xfrm>
-            <a:off x="1228859" y="558691"/>
-            <a:ext cx="3137079" cy="514938"/>
+            <a:off x="7974032" y="5619677"/>
+            <a:ext cx="1838132" cy="400110"/>
           </a:xfrm>
           <a:prstGeom prst="rect">
             <a:avLst/>
           </a:prstGeom>
-          <a:solidFill>
-            <a:schemeClr val="bg1"/>
-          </a:solidFill>
+          <a:noFill/>
         </p:spPr>
         <p:txBody>
-          <a:bodyPr>
-            <a:normAutofit fontScale="60000" lnSpcReduction="20000"/>
+          <a:bodyPr wrap="none" rtlCol="0">
+            <a:spAutoFit/>
           </a:bodyPr>
-          <a:lstStyle>
-            <a:lvl1pPr algn="l" defTabSz="914400" rtl="0" eaLnBrk="1" latinLnBrk="0" hangingPunct="1">
-              <a:lnSpc>
-                <a:spcPct val="90000"/>
-              </a:lnSpc>
-              <a:spcBef>
-                <a:spcPct val="0"/>
-              </a:spcBef>
-              <a:buNone/>
-              <a:defRPr sz="4400" kern="1200">
+          <a:lstStyle/>
+          <a:p>
+            <a:r>
+              <a:rPr lang="fr-FR" sz="2000" b="1" dirty="0">
                 <a:solidFill>
-                  <a:schemeClr val="tx1"/>
+                  <a:srgbClr val="FF0000"/>
                 </a:solidFill>
-                <a:latin typeface="+mj-lt"/>
-                <a:ea typeface="+mj-ea"/>
-                <a:cs typeface="+mj-cs"/>
-              </a:defRPr>
-            </a:lvl1pPr>
-          </a:lstStyle>
-          <a:p>
-            <a:r>
-              <a:rPr lang="fr-FR" sz="4000" dirty="0">
-                <a:solidFill>
-                  <a:schemeClr val="tx1">
-                    <a:lumMod val="65000"/>
-                    <a:lumOff val="35000"/>
-                  </a:schemeClr>
-                </a:solidFill>
-                <a:latin typeface="Segoe UI" pitchFamily="34" charset="0"/>
-                <a:ea typeface="Segoe UI" pitchFamily="34" charset="0"/>
-                <a:cs typeface="Segoe UI" pitchFamily="34" charset="0"/>
               </a:rPr>
-              <a:t>Composants du  KMP</a:t>
-            </a:r>
-            <a:endParaRPr lang="fr-FR" sz="3800" dirty="0">
-              <a:solidFill>
-                <a:schemeClr val="tx1">
-                  <a:lumMod val="65000"/>
-                  <a:lumOff val="35000"/>
-                </a:schemeClr>
-              </a:solidFill>
-            </a:endParaRPr>
-          </a:p>
-        </p:txBody>
-      </p:sp>
-      <p:pic>
-        <p:nvPicPr>
-          <p:cNvPr id="4" name="Picture 3"/>
-          <p:cNvPicPr>
-            <a:picLocks noChangeAspect="1"/>
-          </p:cNvPicPr>
-          <p:nvPr/>
-        </p:nvPicPr>
-        <p:blipFill>
-          <a:blip r:embed="rId2">
-            <a:extLst>
-              <a:ext uri="{28A0092B-C50C-407E-A947-70E740481C1C}">
-                <a14:useLocalDpi xmlns:a14="http://schemas.microsoft.com/office/drawing/2010/main" val="0"/>
-              </a:ext>
-            </a:extLst>
-          </a:blip>
-          <a:stretch>
-            <a:fillRect/>
-          </a:stretch>
-        </p:blipFill>
-        <p:spPr>
-          <a:xfrm>
-            <a:off x="604770" y="2001257"/>
-            <a:ext cx="9821351" cy="4566238"/>
-          </a:xfrm>
-          <a:prstGeom prst="rect">
-            <a:avLst/>
-          </a:prstGeom>
-        </p:spPr>
-      </p:pic>
+              <a:t>Valeur négative</a:t>
+            </a:r>
+          </a:p>
+        </p:txBody>
+      </p:sp>
     </p:spTree>
     <p:extLst>
       <p:ext uri="{BB962C8B-B14F-4D97-AF65-F5344CB8AC3E}">
-        <p14:creationId xmlns:p14="http://schemas.microsoft.com/office/powerpoint/2010/main" val="2117877445"/>
+        <p14:creationId xmlns:p14="http://schemas.microsoft.com/office/powerpoint/2010/main" val="2561007458"/>
       </p:ext>
     </p:extLst>
   </p:cSld>
@@ -5527,7 +6594,7 @@
         <p:spPr>
           <a:xfrm>
             <a:off x="604770" y="1073629"/>
-            <a:ext cx="10972800" cy="1569660"/>
+            <a:ext cx="10972800" cy="1138773"/>
           </a:xfrm>
           <a:prstGeom prst="rect">
             <a:avLst/>
@@ -5538,34 +6605,36 @@
             <a:spAutoFit/>
           </a:bodyPr>
           <a:lstStyle/>
+          <a:p>
+            <a:pPr marL="457200" indent="-457200">
+              <a:lnSpc>
+                <a:spcPct val="200000"/>
+              </a:lnSpc>
+              <a:buFont typeface="+mj-lt"/>
+              <a:buAutoNum type="arabicPeriod"/>
+            </a:pPr>
+            <a:r>
+              <a:rPr lang="fr-FR" sz="2400" b="1" dirty="0">
+                <a:solidFill>
+                  <a:srgbClr val="FE9016"/>
+                </a:solidFill>
+                <a:latin typeface="Segoe UI" panose="020B0502040204020203" pitchFamily="34" charset="0"/>
+                <a:cs typeface="Segoe UI" panose="020B0502040204020203" pitchFamily="34" charset="0"/>
+              </a:rPr>
+              <a:t>Fonction de calcul du tableau préfixes</a:t>
+            </a:r>
+            <a:endParaRPr lang="fr-FR" sz="2400" dirty="0">
+              <a:latin typeface="Segoe UI" panose="020B0502040204020203" pitchFamily="34" charset="0"/>
+              <a:cs typeface="Segoe UI" panose="020B0502040204020203" pitchFamily="34" charset="0"/>
+            </a:endParaRPr>
+          </a:p>
           <a:p>
             <a:pPr>
               <a:lnSpc>
                 <a:spcPct val="200000"/>
               </a:lnSpc>
             </a:pPr>
-            <a:r>
-              <a:rPr lang="fr-FR" sz="2400" b="1" dirty="0">
-                <a:solidFill>
-                  <a:srgbClr val="00B050"/>
-                </a:solidFill>
-                <a:latin typeface="Segoe UI" panose="020B0502040204020203" pitchFamily="34" charset="0"/>
-                <a:cs typeface="Segoe UI" panose="020B0502040204020203" pitchFamily="34" charset="0"/>
-              </a:rPr>
-              <a:t>2. KMP Matcher:</a:t>
-            </a:r>
-            <a:endParaRPr lang="fr-FR" sz="2400" dirty="0">
-              <a:latin typeface="Segoe UI" panose="020B0502040204020203" pitchFamily="34" charset="0"/>
-              <a:cs typeface="Segoe UI" panose="020B0502040204020203" pitchFamily="34" charset="0"/>
-            </a:endParaRPr>
-          </a:p>
-          <a:p>
-            <a:pPr>
-              <a:lnSpc>
-                <a:spcPct val="200000"/>
-              </a:lnSpc>
-            </a:pPr>
-            <a:endParaRPr lang="fr-FR" sz="2400" dirty="0">
+            <a:endParaRPr lang="fr-FR" sz="1000" dirty="0">
               <a:latin typeface="Segoe UI" panose="020B0502040204020203" pitchFamily="34" charset="0"/>
               <a:cs typeface="Segoe UI" panose="020B0502040204020203" pitchFamily="34" charset="0"/>
             </a:endParaRPr>
@@ -5678,6 +6747,250 @@
       </p:sp>
       <p:pic>
         <p:nvPicPr>
+          <p:cNvPr id="4" name="Picture 3"/>
+          <p:cNvPicPr>
+            <a:picLocks noChangeAspect="1"/>
+          </p:cNvPicPr>
+          <p:nvPr/>
+        </p:nvPicPr>
+        <p:blipFill>
+          <a:blip r:embed="rId2">
+            <a:extLst>
+              <a:ext uri="{28A0092B-C50C-407E-A947-70E740481C1C}">
+                <a14:useLocalDpi xmlns:a14="http://schemas.microsoft.com/office/drawing/2010/main" val="0"/>
+              </a:ext>
+            </a:extLst>
+          </a:blip>
+          <a:stretch>
+            <a:fillRect/>
+          </a:stretch>
+        </p:blipFill>
+        <p:spPr>
+          <a:xfrm>
+            <a:off x="604770" y="2001257"/>
+            <a:ext cx="9821351" cy="4566238"/>
+          </a:xfrm>
+          <a:prstGeom prst="rect">
+            <a:avLst/>
+          </a:prstGeom>
+        </p:spPr>
+      </p:pic>
+    </p:spTree>
+    <p:extLst>
+      <p:ext uri="{BB962C8B-B14F-4D97-AF65-F5344CB8AC3E}">
+        <p14:creationId xmlns:p14="http://schemas.microsoft.com/office/powerpoint/2010/main" val="2117877445"/>
+      </p:ext>
+    </p:extLst>
+  </p:cSld>
+  <p:clrMapOvr>
+    <a:masterClrMapping/>
+  </p:clrMapOvr>
+  <p:transition spd="slow">
+    <p:pull/>
+  </p:transition>
+</p:sld>
+</file>
+
+<file path=ppt/slides/slide14.xml><?xml version="1.0" encoding="utf-8"?>
+<p:sld xmlns:a="http://schemas.openxmlformats.org/drawingml/2006/main" xmlns:r="http://schemas.openxmlformats.org/officeDocument/2006/relationships" xmlns:p="http://schemas.openxmlformats.org/presentationml/2006/main">
+  <p:cSld>
+    <p:spTree>
+      <p:nvGrpSpPr>
+        <p:cNvPr id="1" name=""/>
+        <p:cNvGrpSpPr/>
+        <p:nvPr/>
+      </p:nvGrpSpPr>
+      <p:grpSpPr>
+        <a:xfrm>
+          <a:off x="0" y="0"/>
+          <a:ext cx="0" cy="0"/>
+          <a:chOff x="0" y="0"/>
+          <a:chExt cx="0" cy="0"/>
+        </a:xfrm>
+      </p:grpSpPr>
+      <p:sp>
+        <p:nvSpPr>
+          <p:cNvPr id="2" name="Slide Number Placeholder 1"/>
+          <p:cNvSpPr>
+            <a:spLocks noGrp="1"/>
+          </p:cNvSpPr>
+          <p:nvPr>
+            <p:ph type="sldNum" sz="quarter" idx="12"/>
+          </p:nvPr>
+        </p:nvSpPr>
+        <p:spPr/>
+        <p:txBody>
+          <a:bodyPr/>
+          <a:lstStyle/>
+          <a:p>
+            <a:fld id="{2376E620-B82E-4BB3-B55A-C1C511C62C08}" type="slidenum">
+              <a:rPr lang="fr-FR" smtClean="0"/>
+              <a:t>14</a:t>
+            </a:fld>
+            <a:endParaRPr lang="fr-FR" dirty="0"/>
+          </a:p>
+        </p:txBody>
+      </p:sp>
+      <p:sp>
+        <p:nvSpPr>
+          <p:cNvPr id="3" name="Rectangle 2"/>
+          <p:cNvSpPr/>
+          <p:nvPr/>
+        </p:nvSpPr>
+        <p:spPr>
+          <a:xfrm>
+            <a:off x="604770" y="1073629"/>
+            <a:ext cx="10972800" cy="1569660"/>
+          </a:xfrm>
+          <a:prstGeom prst="rect">
+            <a:avLst/>
+          </a:prstGeom>
+        </p:spPr>
+        <p:txBody>
+          <a:bodyPr wrap="square">
+            <a:spAutoFit/>
+          </a:bodyPr>
+          <a:lstStyle/>
+          <a:p>
+            <a:pPr>
+              <a:lnSpc>
+                <a:spcPct val="200000"/>
+              </a:lnSpc>
+            </a:pPr>
+            <a:r>
+              <a:rPr lang="fr-FR" sz="2400" b="1" dirty="0">
+                <a:solidFill>
+                  <a:srgbClr val="00B050"/>
+                </a:solidFill>
+                <a:latin typeface="Segoe UI" panose="020B0502040204020203" pitchFamily="34" charset="0"/>
+                <a:cs typeface="Segoe UI" panose="020B0502040204020203" pitchFamily="34" charset="0"/>
+              </a:rPr>
+              <a:t>2. KMP Matcher:</a:t>
+            </a:r>
+            <a:endParaRPr lang="fr-FR" sz="2400" dirty="0">
+              <a:latin typeface="Segoe UI" panose="020B0502040204020203" pitchFamily="34" charset="0"/>
+              <a:cs typeface="Segoe UI" panose="020B0502040204020203" pitchFamily="34" charset="0"/>
+            </a:endParaRPr>
+          </a:p>
+          <a:p>
+            <a:pPr>
+              <a:lnSpc>
+                <a:spcPct val="200000"/>
+              </a:lnSpc>
+            </a:pPr>
+            <a:endParaRPr lang="fr-FR" sz="2400" dirty="0">
+              <a:latin typeface="Segoe UI" panose="020B0502040204020203" pitchFamily="34" charset="0"/>
+              <a:cs typeface="Segoe UI" panose="020B0502040204020203" pitchFamily="34" charset="0"/>
+            </a:endParaRPr>
+          </a:p>
+        </p:txBody>
+      </p:sp>
+      <p:cxnSp>
+        <p:nvCxnSpPr>
+          <p:cNvPr id="6" name="Connecteur droit 25"/>
+          <p:cNvCxnSpPr/>
+          <p:nvPr/>
+        </p:nvCxnSpPr>
+        <p:spPr>
+          <a:xfrm>
+            <a:off x="0" y="1073629"/>
+            <a:ext cx="4365938" cy="0"/>
+          </a:xfrm>
+          <a:prstGeom prst="line">
+            <a:avLst/>
+          </a:prstGeom>
+          <a:ln>
+            <a:solidFill>
+              <a:srgbClr val="00D0A8"/>
+            </a:solidFill>
+          </a:ln>
+        </p:spPr>
+        <p:style>
+          <a:lnRef idx="2">
+            <a:schemeClr val="accent6"/>
+          </a:lnRef>
+          <a:fillRef idx="0">
+            <a:schemeClr val="accent6"/>
+          </a:fillRef>
+          <a:effectRef idx="1">
+            <a:schemeClr val="accent6"/>
+          </a:effectRef>
+          <a:fontRef idx="minor">
+            <a:schemeClr val="tx1"/>
+          </a:fontRef>
+        </p:style>
+      </p:cxnSp>
+      <p:sp>
+        <p:nvSpPr>
+          <p:cNvPr id="7" name="Titre 1"/>
+          <p:cNvSpPr txBox="1">
+            <a:spLocks/>
+          </p:cNvSpPr>
+          <p:nvPr/>
+        </p:nvSpPr>
+        <p:spPr>
+          <a:xfrm>
+            <a:off x="1228859" y="558691"/>
+            <a:ext cx="3137079" cy="514938"/>
+          </a:xfrm>
+          <a:prstGeom prst="rect">
+            <a:avLst/>
+          </a:prstGeom>
+          <a:solidFill>
+            <a:schemeClr val="bg1"/>
+          </a:solidFill>
+        </p:spPr>
+        <p:txBody>
+          <a:bodyPr>
+            <a:normAutofit fontScale="60000" lnSpcReduction="20000"/>
+          </a:bodyPr>
+          <a:lstStyle>
+            <a:lvl1pPr algn="l" defTabSz="914400" rtl="0" eaLnBrk="1" latinLnBrk="0" hangingPunct="1">
+              <a:lnSpc>
+                <a:spcPct val="90000"/>
+              </a:lnSpc>
+              <a:spcBef>
+                <a:spcPct val="0"/>
+              </a:spcBef>
+              <a:buNone/>
+              <a:defRPr sz="4400" kern="1200">
+                <a:solidFill>
+                  <a:schemeClr val="tx1"/>
+                </a:solidFill>
+                <a:latin typeface="+mj-lt"/>
+                <a:ea typeface="+mj-ea"/>
+                <a:cs typeface="+mj-cs"/>
+              </a:defRPr>
+            </a:lvl1pPr>
+          </a:lstStyle>
+          <a:p>
+            <a:r>
+              <a:rPr lang="fr-FR" sz="4000" dirty="0">
+                <a:solidFill>
+                  <a:schemeClr val="tx1">
+                    <a:lumMod val="65000"/>
+                    <a:lumOff val="35000"/>
+                  </a:schemeClr>
+                </a:solidFill>
+                <a:latin typeface="Segoe UI" pitchFamily="34" charset="0"/>
+                <a:ea typeface="Segoe UI" pitchFamily="34" charset="0"/>
+                <a:cs typeface="Segoe UI" pitchFamily="34" charset="0"/>
+              </a:rPr>
+              <a:t>Composants du  KMP</a:t>
+            </a:r>
+            <a:endParaRPr lang="fr-FR" sz="3800" dirty="0">
+              <a:solidFill>
+                <a:schemeClr val="tx1">
+                  <a:lumMod val="65000"/>
+                  <a:lumOff val="35000"/>
+                </a:schemeClr>
+              </a:solidFill>
+            </a:endParaRPr>
+          </a:p>
+        </p:txBody>
+      </p:sp>
+      <p:pic>
+        <p:nvPicPr>
           <p:cNvPr id="5" name="Picture 4"/>
           <p:cNvPicPr>
             <a:picLocks noChangeAspect="1"/>
@@ -5722,7 +7035,7 @@
 </p:sld>
 </file>
 
-<file path=ppt/slides/slide14.xml><?xml version="1.0" encoding="utf-8"?>
+<file path=ppt/slides/slide15.xml><?xml version="1.0" encoding="utf-8"?>
 <p:sld xmlns:a="http://schemas.openxmlformats.org/drawingml/2006/main" xmlns:r="http://schemas.openxmlformats.org/officeDocument/2006/relationships" xmlns:p="http://schemas.openxmlformats.org/presentationml/2006/main">
   <p:cSld>
     <p:bg>
@@ -5949,7 +7262,7 @@
 </p:sld>
 </file>
 
-<file path=ppt/slides/slide15.xml><?xml version="1.0" encoding="utf-8"?>
+<file path=ppt/slides/slide16.xml><?xml version="1.0" encoding="utf-8"?>
 <p:sld xmlns:a="http://schemas.openxmlformats.org/drawingml/2006/main" xmlns:r="http://schemas.openxmlformats.org/officeDocument/2006/relationships" xmlns:p="http://schemas.openxmlformats.org/presentationml/2006/main">
   <p:cSld>
     <p:spTree>
@@ -6175,7 +7488,7 @@
           <a:p>
             <a:fld id="{2376E620-B82E-4BB3-B55A-C1C511C62C08}" type="slidenum">
               <a:rPr lang="fr-FR" smtClean="0"/>
-              <a:t>15</a:t>
+              <a:t>16</a:t>
             </a:fld>
             <a:endParaRPr lang="fr-FR" dirty="0"/>
           </a:p>
@@ -6197,6 +7510,189 @@
           <a:xfrm>
             <a:off x="2557022" y="3090181"/>
             <a:ext cx="348388" cy="2694190"/>
+          </a:xfrm>
+          <a:prstGeom prst="leftBrace">
+            <a:avLst/>
+          </a:prstGeom>
+          <a:ln w="38100">
+            <a:solidFill>
+              <a:srgbClr val="00B050"/>
+            </a:solidFill>
+          </a:ln>
+        </p:spPr>
+        <p:style>
+          <a:lnRef idx="3">
+            <a:schemeClr val="accent2"/>
+          </a:lnRef>
+          <a:fillRef idx="0">
+            <a:schemeClr val="accent2"/>
+          </a:fillRef>
+          <a:effectRef idx="2">
+            <a:schemeClr val="accent2"/>
+          </a:effectRef>
+          <a:fontRef idx="minor">
+            <a:schemeClr val="tx1"/>
+          </a:fontRef>
+        </p:style>
+        <p:txBody>
+          <a:bodyPr rtlCol="0" anchor="ctr"/>
+          <a:lstStyle/>
+          <a:p>
+            <a:pPr algn="ctr"/>
+            <a:endParaRPr lang="en-US"/>
+          </a:p>
+        </p:txBody>
+      </p:sp>
+      <p:sp>
+        <p:nvSpPr>
+          <p:cNvPr id="24" name="ZoneTexte 23">
+            <a:extLst>
+              <a:ext uri="{FF2B5EF4-FFF2-40B4-BE49-F238E27FC236}">
+                <a16:creationId xmlns:a16="http://schemas.microsoft.com/office/drawing/2014/main" id="{112647AC-7E78-4F12-A623-1482D650C067}"/>
+              </a:ext>
+            </a:extLst>
+          </p:cNvPr>
+          <p:cNvSpPr txBox="1"/>
+          <p:nvPr/>
+        </p:nvSpPr>
+        <p:spPr>
+          <a:xfrm>
+            <a:off x="1521895" y="4175451"/>
+            <a:ext cx="1058775" cy="477054"/>
+          </a:xfrm>
+          <a:prstGeom prst="rect">
+            <a:avLst/>
+          </a:prstGeom>
+          <a:noFill/>
+        </p:spPr>
+        <p:txBody>
+          <a:bodyPr wrap="square" rtlCol="0">
+            <a:spAutoFit/>
+          </a:bodyPr>
+          <a:lstStyle/>
+          <a:p>
+            <a:r>
+              <a:rPr lang="en-US" sz="2500" b="1" dirty="0">
+                <a:solidFill>
+                  <a:srgbClr val="00B050"/>
+                </a:solidFill>
+              </a:rPr>
+              <a:t>O(m)</a:t>
+            </a:r>
+          </a:p>
+        </p:txBody>
+      </p:sp>
+      <p:sp>
+        <p:nvSpPr>
+          <p:cNvPr id="25" name="Accolade ouvrante 24">
+            <a:extLst>
+              <a:ext uri="{FF2B5EF4-FFF2-40B4-BE49-F238E27FC236}">
+                <a16:creationId xmlns:a16="http://schemas.microsoft.com/office/drawing/2014/main" id="{65251770-B274-4B74-8D3D-08A70460F65E}"/>
+              </a:ext>
+            </a:extLst>
+          </p:cNvPr>
+          <p:cNvSpPr/>
+          <p:nvPr/>
+        </p:nvSpPr>
+        <p:spPr>
+          <a:xfrm>
+            <a:off x="1295590" y="2164465"/>
+            <a:ext cx="304628" cy="4017972"/>
+          </a:xfrm>
+          <a:prstGeom prst="leftBrace">
+            <a:avLst/>
+          </a:prstGeom>
+          <a:ln w="38100">
+            <a:solidFill>
+              <a:schemeClr val="accent1">
+                <a:lumMod val="50000"/>
+              </a:schemeClr>
+            </a:solidFill>
+          </a:ln>
+        </p:spPr>
+        <p:style>
+          <a:lnRef idx="3">
+            <a:schemeClr val="accent2"/>
+          </a:lnRef>
+          <a:fillRef idx="0">
+            <a:schemeClr val="accent2"/>
+          </a:fillRef>
+          <a:effectRef idx="2">
+            <a:schemeClr val="accent2"/>
+          </a:effectRef>
+          <a:fontRef idx="minor">
+            <a:schemeClr val="tx1"/>
+          </a:fontRef>
+        </p:style>
+        <p:txBody>
+          <a:bodyPr rtlCol="0" anchor="ctr"/>
+          <a:lstStyle/>
+          <a:p>
+            <a:pPr algn="ctr"/>
+            <a:endParaRPr lang="en-US"/>
+          </a:p>
+        </p:txBody>
+      </p:sp>
+      <p:sp>
+        <p:nvSpPr>
+          <p:cNvPr id="27" name="ZoneTexte 26">
+            <a:extLst>
+              <a:ext uri="{FF2B5EF4-FFF2-40B4-BE49-F238E27FC236}">
+                <a16:creationId xmlns:a16="http://schemas.microsoft.com/office/drawing/2014/main" id="{83C8262A-15B5-427B-9674-D1ECD48E2241}"/>
+              </a:ext>
+            </a:extLst>
+          </p:cNvPr>
+          <p:cNvSpPr txBox="1"/>
+          <p:nvPr/>
+        </p:nvSpPr>
+        <p:spPr>
+          <a:xfrm>
+            <a:off x="-26161" y="3793641"/>
+            <a:ext cx="1208154" cy="553998"/>
+          </a:xfrm>
+          <a:prstGeom prst="rect">
+            <a:avLst/>
+          </a:prstGeom>
+          <a:noFill/>
+        </p:spPr>
+        <p:txBody>
+          <a:bodyPr wrap="square" rtlCol="0">
+            <a:spAutoFit/>
+          </a:bodyPr>
+          <a:lstStyle/>
+          <a:p>
+            <a:r>
+              <a:rPr lang="en-US" sz="3000" b="1" dirty="0">
+                <a:solidFill>
+                  <a:schemeClr val="accent5">
+                    <a:lumMod val="75000"/>
+                  </a:schemeClr>
+                </a:solidFill>
+                <a:latin typeface="Tahoma" panose="020B0604030504040204" pitchFamily="34" charset="0"/>
+                <a:ea typeface="Tahoma" panose="020B0604030504040204" pitchFamily="34" charset="0"/>
+                <a:cs typeface="Tahoma" panose="020B0604030504040204" pitchFamily="34" charset="0"/>
+              </a:rPr>
+              <a:t>O(m)</a:t>
+            </a:r>
+          </a:p>
+        </p:txBody>
+      </p:sp>
+      <p:sp>
+        <p:nvSpPr>
+          <p:cNvPr id="28" name="Accolade ouvrante 27">
+            <a:extLst>
+              <a:ext uri="{FF2B5EF4-FFF2-40B4-BE49-F238E27FC236}">
+                <a16:creationId xmlns:a16="http://schemas.microsoft.com/office/drawing/2014/main" id="{E75AFDB2-6EBA-470B-BF7F-899B75B1AFD2}"/>
+              </a:ext>
+            </a:extLst>
+          </p:cNvPr>
+          <p:cNvSpPr/>
+          <p:nvPr/>
+        </p:nvSpPr>
+        <p:spPr>
+          <a:xfrm>
+            <a:off x="2549999" y="2164464"/>
+            <a:ext cx="341762" cy="846482"/>
           </a:xfrm>
           <a:prstGeom prst="leftBrace">
             <a:avLst/>
@@ -6232,10 +7728,10 @@
       </p:sp>
       <p:sp>
         <p:nvSpPr>
-          <p:cNvPr id="24" name="ZoneTexte 23">
+          <p:cNvPr id="29" name="ZoneTexte 28">
             <a:extLst>
               <a:ext uri="{FF2B5EF4-FFF2-40B4-BE49-F238E27FC236}">
-                <a16:creationId xmlns:a16="http://schemas.microsoft.com/office/drawing/2014/main" id="{112647AC-7E78-4F12-A623-1482D650C067}"/>
+                <a16:creationId xmlns:a16="http://schemas.microsoft.com/office/drawing/2014/main" id="{65C4A858-909B-4FDF-971E-61A5B3970BC5}"/>
               </a:ext>
             </a:extLst>
           </p:cNvPr>
@@ -6244,8 +7740,8 @@
         </p:nvSpPr>
         <p:spPr>
           <a:xfrm>
-            <a:off x="1521895" y="4175451"/>
-            <a:ext cx="1058775" cy="477054"/>
+            <a:off x="1607146" y="2353840"/>
+            <a:ext cx="781322" cy="477054"/>
           </a:xfrm>
           <a:prstGeom prst="rect">
             <a:avLst/>
@@ -6264,17 +7760,85 @@
                   <a:srgbClr val="FF0000"/>
                 </a:solidFill>
               </a:rPr>
-              <a:t>O(m)</a:t>
-            </a:r>
-          </a:p>
-        </p:txBody>
-      </p:sp>
-      <p:sp>
-        <p:nvSpPr>
-          <p:cNvPr id="25" name="Accolade ouvrante 24">
+              <a:t>O(1)</a:t>
+            </a:r>
+          </a:p>
+        </p:txBody>
+      </p:sp>
+      <p:sp>
+        <p:nvSpPr>
+          <p:cNvPr id="30" name="ZoneTexte 29">
             <a:extLst>
               <a:ext uri="{FF2B5EF4-FFF2-40B4-BE49-F238E27FC236}">
-                <a16:creationId xmlns:a16="http://schemas.microsoft.com/office/drawing/2014/main" id="{65251770-B274-4B74-8D3D-08A70460F65E}"/>
+                <a16:creationId xmlns:a16="http://schemas.microsoft.com/office/drawing/2014/main" id="{302F42C4-202A-49EC-80C1-69C4EBBBC962}"/>
+              </a:ext>
+            </a:extLst>
+          </p:cNvPr>
+          <p:cNvSpPr txBox="1"/>
+          <p:nvPr/>
+        </p:nvSpPr>
+        <p:spPr>
+          <a:xfrm>
+            <a:off x="6281953" y="1280482"/>
+            <a:ext cx="5797659" cy="461665"/>
+          </a:xfrm>
+          <a:prstGeom prst="rect">
+            <a:avLst/>
+          </a:prstGeom>
+          <a:noFill/>
+        </p:spPr>
+        <p:txBody>
+          <a:bodyPr wrap="square" rtlCol="0">
+            <a:spAutoFit/>
+          </a:bodyPr>
+          <a:lstStyle/>
+          <a:p>
+            <a:r>
+              <a:rPr lang="en-US" sz="2400" dirty="0">
+                <a:solidFill>
+                  <a:schemeClr val="accent5">
+                    <a:lumMod val="75000"/>
+                  </a:schemeClr>
+                </a:solidFill>
+                <a:latin typeface="Tahoma" panose="020B0604030504040204" pitchFamily="34" charset="0"/>
+                <a:ea typeface="Tahoma" panose="020B0604030504040204" pitchFamily="34" charset="0"/>
+                <a:cs typeface="Tahoma" panose="020B0604030504040204" pitchFamily="34" charset="0"/>
+              </a:rPr>
+              <a:t>m</a:t>
+            </a:r>
+            <a:r>
+              <a:rPr lang="en-US" sz="2400" dirty="0">
+                <a:latin typeface="Tahoma" panose="020B0604030504040204" pitchFamily="34" charset="0"/>
+                <a:ea typeface="Tahoma" panose="020B0604030504040204" pitchFamily="34" charset="0"/>
+                <a:cs typeface="Tahoma" panose="020B0604030504040204" pitchFamily="34" charset="0"/>
+              </a:rPr>
+              <a:t> = la </a:t>
+            </a:r>
+            <a:r>
+              <a:rPr lang="en-US" sz="2400" dirty="0" err="1">
+                <a:latin typeface="Tahoma" panose="020B0604030504040204" pitchFamily="34" charset="0"/>
+                <a:ea typeface="Tahoma" panose="020B0604030504040204" pitchFamily="34" charset="0"/>
+                <a:cs typeface="Tahoma" panose="020B0604030504040204" pitchFamily="34" charset="0"/>
+              </a:rPr>
+              <a:t>taille</a:t>
+            </a:r>
+            <a:r>
+              <a:rPr lang="en-US" sz="2400" dirty="0">
+                <a:latin typeface="Tahoma" panose="020B0604030504040204" pitchFamily="34" charset="0"/>
+                <a:ea typeface="Tahoma" panose="020B0604030504040204" pitchFamily="34" charset="0"/>
+                <a:cs typeface="Tahoma" panose="020B0604030504040204" pitchFamily="34" charset="0"/>
+              </a:rPr>
+              <a:t> de pattern (length |pattern|)</a:t>
+            </a:r>
+          </a:p>
+        </p:txBody>
+      </p:sp>
+      <p:sp>
+        <p:nvSpPr>
+          <p:cNvPr id="14" name="Accolade ouvrante 13">
+            <a:extLst>
+              <a:ext uri="{FF2B5EF4-FFF2-40B4-BE49-F238E27FC236}">
+                <a16:creationId xmlns:a16="http://schemas.microsoft.com/office/drawing/2014/main" id="{FEF3C06A-6D2D-4000-96D6-DE9D096742A5}"/>
               </a:ext>
             </a:extLst>
           </p:cNvPr>
@@ -6283,8 +7847,8 @@
         </p:nvSpPr>
         <p:spPr>
           <a:xfrm>
-            <a:off x="1295590" y="2164465"/>
-            <a:ext cx="304628" cy="4017972"/>
+            <a:off x="2536749" y="5925300"/>
+            <a:ext cx="348388" cy="296893"/>
           </a:xfrm>
           <a:prstGeom prst="leftBrace">
             <a:avLst/>
@@ -6320,10 +7884,10 @@
       </p:sp>
       <p:sp>
         <p:nvSpPr>
-          <p:cNvPr id="27" name="ZoneTexte 26">
+          <p:cNvPr id="15" name="ZoneTexte 14">
             <a:extLst>
               <a:ext uri="{FF2B5EF4-FFF2-40B4-BE49-F238E27FC236}">
-                <a16:creationId xmlns:a16="http://schemas.microsoft.com/office/drawing/2014/main" id="{83C8262A-15B5-427B-9674-D1ECD48E2241}"/>
+                <a16:creationId xmlns:a16="http://schemas.microsoft.com/office/drawing/2014/main" id="{949020AB-AD07-40D8-8A43-070DD32F4F48}"/>
               </a:ext>
             </a:extLst>
           </p:cNvPr>
@@ -6332,100 +7896,7 @@
         </p:nvSpPr>
         <p:spPr>
           <a:xfrm>
-            <a:off x="-26161" y="3793641"/>
-            <a:ext cx="1208154" cy="553998"/>
-          </a:xfrm>
-          <a:prstGeom prst="rect">
-            <a:avLst/>
-          </a:prstGeom>
-          <a:noFill/>
-        </p:spPr>
-        <p:txBody>
-          <a:bodyPr wrap="square" rtlCol="0">
-            <a:spAutoFit/>
-          </a:bodyPr>
-          <a:lstStyle/>
-          <a:p>
-            <a:r>
-              <a:rPr lang="en-US" sz="3000" b="1" dirty="0">
-                <a:solidFill>
-                  <a:schemeClr val="accent5">
-                    <a:lumMod val="75000"/>
-                  </a:schemeClr>
-                </a:solidFill>
-                <a:latin typeface="Tahoma" panose="020B0604030504040204" pitchFamily="34" charset="0"/>
-                <a:ea typeface="Tahoma" panose="020B0604030504040204" pitchFamily="34" charset="0"/>
-                <a:cs typeface="Tahoma" panose="020B0604030504040204" pitchFamily="34" charset="0"/>
-              </a:rPr>
-              <a:t>O(m)</a:t>
-            </a:r>
-          </a:p>
-        </p:txBody>
-      </p:sp>
-      <p:sp>
-        <p:nvSpPr>
-          <p:cNvPr id="28" name="Accolade ouvrante 27">
-            <a:extLst>
-              <a:ext uri="{FF2B5EF4-FFF2-40B4-BE49-F238E27FC236}">
-                <a16:creationId xmlns:a16="http://schemas.microsoft.com/office/drawing/2014/main" id="{E75AFDB2-6EBA-470B-BF7F-899B75B1AFD2}"/>
-              </a:ext>
-            </a:extLst>
-          </p:cNvPr>
-          <p:cNvSpPr/>
-          <p:nvPr/>
-        </p:nvSpPr>
-        <p:spPr>
-          <a:xfrm>
-            <a:off x="2549999" y="2164464"/>
-            <a:ext cx="341762" cy="846482"/>
-          </a:xfrm>
-          <a:prstGeom prst="leftBrace">
-            <a:avLst/>
-          </a:prstGeom>
-          <a:ln w="38100">
-            <a:solidFill>
-              <a:srgbClr val="FF0000"/>
-            </a:solidFill>
-          </a:ln>
-        </p:spPr>
-        <p:style>
-          <a:lnRef idx="3">
-            <a:schemeClr val="accent2"/>
-          </a:lnRef>
-          <a:fillRef idx="0">
-            <a:schemeClr val="accent2"/>
-          </a:fillRef>
-          <a:effectRef idx="2">
-            <a:schemeClr val="accent2"/>
-          </a:effectRef>
-          <a:fontRef idx="minor">
-            <a:schemeClr val="tx1"/>
-          </a:fontRef>
-        </p:style>
-        <p:txBody>
-          <a:bodyPr rtlCol="0" anchor="ctr"/>
-          <a:lstStyle/>
-          <a:p>
-            <a:pPr algn="ctr"/>
-            <a:endParaRPr lang="en-US"/>
-          </a:p>
-        </p:txBody>
-      </p:sp>
-      <p:sp>
-        <p:nvSpPr>
-          <p:cNvPr id="29" name="ZoneTexte 28">
-            <a:extLst>
-              <a:ext uri="{FF2B5EF4-FFF2-40B4-BE49-F238E27FC236}">
-                <a16:creationId xmlns:a16="http://schemas.microsoft.com/office/drawing/2014/main" id="{65C4A858-909B-4FDF-971E-61A5B3970BC5}"/>
-              </a:ext>
-            </a:extLst>
-          </p:cNvPr>
-          <p:cNvSpPr txBox="1"/>
-          <p:nvPr/>
-        </p:nvSpPr>
-        <p:spPr>
-          <a:xfrm>
-            <a:off x="1607146" y="2353840"/>
+            <a:off x="1666782" y="5845788"/>
             <a:ext cx="781322" cy="477054"/>
           </a:xfrm>
           <a:prstGeom prst="rect">
@@ -6446,74 +7917,6 @@
                 </a:solidFill>
               </a:rPr>
               <a:t>O(1)</a:t>
-            </a:r>
-          </a:p>
-        </p:txBody>
-      </p:sp>
-      <p:sp>
-        <p:nvSpPr>
-          <p:cNvPr id="30" name="ZoneTexte 29">
-            <a:extLst>
-              <a:ext uri="{FF2B5EF4-FFF2-40B4-BE49-F238E27FC236}">
-                <a16:creationId xmlns:a16="http://schemas.microsoft.com/office/drawing/2014/main" id="{302F42C4-202A-49EC-80C1-69C4EBBBC962}"/>
-              </a:ext>
-            </a:extLst>
-          </p:cNvPr>
-          <p:cNvSpPr txBox="1"/>
-          <p:nvPr/>
-        </p:nvSpPr>
-        <p:spPr>
-          <a:xfrm>
-            <a:off x="6281953" y="1280482"/>
-            <a:ext cx="5797659" cy="461665"/>
-          </a:xfrm>
-          <a:prstGeom prst="rect">
-            <a:avLst/>
-          </a:prstGeom>
-          <a:noFill/>
-        </p:spPr>
-        <p:txBody>
-          <a:bodyPr wrap="square" rtlCol="0">
-            <a:spAutoFit/>
-          </a:bodyPr>
-          <a:lstStyle/>
-          <a:p>
-            <a:r>
-              <a:rPr lang="en-US" sz="2400" dirty="0">
-                <a:solidFill>
-                  <a:schemeClr val="accent5">
-                    <a:lumMod val="75000"/>
-                  </a:schemeClr>
-                </a:solidFill>
-                <a:latin typeface="Tahoma" panose="020B0604030504040204" pitchFamily="34" charset="0"/>
-                <a:ea typeface="Tahoma" panose="020B0604030504040204" pitchFamily="34" charset="0"/>
-                <a:cs typeface="Tahoma" panose="020B0604030504040204" pitchFamily="34" charset="0"/>
-              </a:rPr>
-              <a:t>m</a:t>
-            </a:r>
-            <a:r>
-              <a:rPr lang="en-US" sz="2400" dirty="0">
-                <a:latin typeface="Tahoma" panose="020B0604030504040204" pitchFamily="34" charset="0"/>
-                <a:ea typeface="Tahoma" panose="020B0604030504040204" pitchFamily="34" charset="0"/>
-                <a:cs typeface="Tahoma" panose="020B0604030504040204" pitchFamily="34" charset="0"/>
-              </a:rPr>
-              <a:t> = la </a:t>
-            </a:r>
-            <a:r>
-              <a:rPr lang="en-US" sz="2400" dirty="0" err="1">
-                <a:latin typeface="Tahoma" panose="020B0604030504040204" pitchFamily="34" charset="0"/>
-                <a:ea typeface="Tahoma" panose="020B0604030504040204" pitchFamily="34" charset="0"/>
-                <a:cs typeface="Tahoma" panose="020B0604030504040204" pitchFamily="34" charset="0"/>
-              </a:rPr>
-              <a:t>taille</a:t>
-            </a:r>
-            <a:r>
-              <a:rPr lang="en-US" sz="2400" dirty="0">
-                <a:latin typeface="Tahoma" panose="020B0604030504040204" pitchFamily="34" charset="0"/>
-                <a:ea typeface="Tahoma" panose="020B0604030504040204" pitchFamily="34" charset="0"/>
-                <a:cs typeface="Tahoma" panose="020B0604030504040204" pitchFamily="34" charset="0"/>
-              </a:rPr>
-              <a:t> de pattern (length |pattern|)</a:t>
             </a:r>
           </a:p>
         </p:txBody>
@@ -6741,7 +8144,7 @@
                                           </p:stCondLst>
                                         </p:cTn>
                                         <p:tgtEl>
-                                          <p:spTgt spid="25"/>
+                                          <p:spTgt spid="15"/>
                                         </p:tgtEl>
                                         <p:attrNameLst>
                                           <p:attrName>style.visibility</p:attrName>
@@ -6755,7 +8158,7 @@
                                       <p:cBhvr>
                                         <p:cTn id="23" dur="500"/>
                                         <p:tgtEl>
-                                          <p:spTgt spid="25"/>
+                                          <p:spTgt spid="15"/>
                                         </p:tgtEl>
                                       </p:cBhvr>
                                     </p:animEffect>
@@ -6776,6 +8179,94 @@
                                           </p:stCondLst>
                                         </p:cTn>
                                         <p:tgtEl>
+                                          <p:spTgt spid="14"/>
+                                        </p:tgtEl>
+                                        <p:attrNameLst>
+                                          <p:attrName>style.visibility</p:attrName>
+                                        </p:attrNameLst>
+                                      </p:cBhvr>
+                                      <p:to>
+                                        <p:strVal val="visible"/>
+                                      </p:to>
+                                    </p:set>
+                                    <p:animEffect transition="in" filter="fade">
+                                      <p:cBhvr>
+                                        <p:cTn id="26" dur="500"/>
+                                        <p:tgtEl>
+                                          <p:spTgt spid="14"/>
+                                        </p:tgtEl>
+                                      </p:cBhvr>
+                                    </p:animEffect>
+                                  </p:childTnLst>
+                                </p:cTn>
+                              </p:par>
+                            </p:childTnLst>
+                          </p:cTn>
+                        </p:par>
+                      </p:childTnLst>
+                    </p:cTn>
+                  </p:par>
+                  <p:par>
+                    <p:cTn id="27" fill="hold">
+                      <p:stCondLst>
+                        <p:cond delay="indefinite"/>
+                      </p:stCondLst>
+                      <p:childTnLst>
+                        <p:par>
+                          <p:cTn id="28" fill="hold">
+                            <p:stCondLst>
+                              <p:cond delay="0"/>
+                            </p:stCondLst>
+                            <p:childTnLst>
+                              <p:par>
+                                <p:cTn id="29" presetID="10" presetClass="entr" presetSubtype="0" fill="hold" grpId="0" nodeType="clickEffect">
+                                  <p:stCondLst>
+                                    <p:cond delay="0"/>
+                                  </p:stCondLst>
+                                  <p:childTnLst>
+                                    <p:set>
+                                      <p:cBhvr>
+                                        <p:cTn id="30" dur="1" fill="hold">
+                                          <p:stCondLst>
+                                            <p:cond delay="0"/>
+                                          </p:stCondLst>
+                                        </p:cTn>
+                                        <p:tgtEl>
+                                          <p:spTgt spid="25"/>
+                                        </p:tgtEl>
+                                        <p:attrNameLst>
+                                          <p:attrName>style.visibility</p:attrName>
+                                        </p:attrNameLst>
+                                      </p:cBhvr>
+                                      <p:to>
+                                        <p:strVal val="visible"/>
+                                      </p:to>
+                                    </p:set>
+                                    <p:animEffect transition="in" filter="fade">
+                                      <p:cBhvr>
+                                        <p:cTn id="31" dur="500"/>
+                                        <p:tgtEl>
+                                          <p:spTgt spid="25"/>
+                                        </p:tgtEl>
+                                      </p:cBhvr>
+                                    </p:animEffect>
+                                  </p:childTnLst>
+                                </p:cTn>
+                              </p:par>
+                              <p:par>
+                                <p:cTn id="32" presetID="10" presetClass="entr" presetSubtype="0" fill="hold" grpId="0" nodeType="withEffect">
+                                  <p:stCondLst>
+                                    <p:cond delay="0"/>
+                                  </p:stCondLst>
+                                  <p:childTnLst>
+                                    <p:set>
+                                      <p:cBhvr>
+                                        <p:cTn id="33" dur="1" fill="hold">
+                                          <p:stCondLst>
+                                            <p:cond delay="0"/>
+                                          </p:stCondLst>
+                                        </p:cTn>
+                                        <p:tgtEl>
                                           <p:spTgt spid="27"/>
                                         </p:tgtEl>
                                         <p:attrNameLst>
@@ -6788,7 +8279,7 @@
                                     </p:set>
                                     <p:animEffect transition="in" filter="fade">
                                       <p:cBhvr>
-                                        <p:cTn id="26" dur="500"/>
+                                        <p:cTn id="34" dur="500"/>
                                         <p:tgtEl>
                                           <p:spTgt spid="27"/>
                                         </p:tgtEl>
@@ -6831,12 +8322,14 @@
       <p:bldP spid="27" grpId="0"/>
       <p:bldP spid="28" grpId="0" animBg="1"/>
       <p:bldP spid="29" grpId="0"/>
+      <p:bldP spid="14" grpId="0" animBg="1"/>
+      <p:bldP spid="15" grpId="0"/>
     </p:bldLst>
   </p:timing>
 </p:sld>
 </file>
 
-<file path=ppt/slides/slide16.xml><?xml version="1.0" encoding="utf-8"?>
+<file path=ppt/slides/slide17.xml><?xml version="1.0" encoding="utf-8"?>
 <p:sld xmlns:a="http://schemas.openxmlformats.org/drawingml/2006/main" xmlns:r="http://schemas.openxmlformats.org/officeDocument/2006/relationships" xmlns:p="http://schemas.openxmlformats.org/presentationml/2006/main">
   <p:cSld>
     <p:spTree>
@@ -7066,7 +8559,7 @@
           <a:p>
             <a:fld id="{2376E620-B82E-4BB3-B55A-C1C511C62C08}" type="slidenum">
               <a:rPr lang="fr-FR" smtClean="0"/>
-              <a:t>16</a:t>
+              <a:t>17</a:t>
             </a:fld>
             <a:endParaRPr lang="fr-FR" dirty="0"/>
           </a:p>
@@ -7088,6 +8581,94 @@
           <a:xfrm>
             <a:off x="2754615" y="3428999"/>
             <a:ext cx="319115" cy="2600740"/>
+          </a:xfrm>
+          <a:prstGeom prst="leftBrace">
+            <a:avLst/>
+          </a:prstGeom>
+          <a:ln w="38100">
+            <a:solidFill>
+              <a:srgbClr val="00B050"/>
+            </a:solidFill>
+          </a:ln>
+        </p:spPr>
+        <p:style>
+          <a:lnRef idx="3">
+            <a:schemeClr val="accent2"/>
+          </a:lnRef>
+          <a:fillRef idx="0">
+            <a:schemeClr val="accent2"/>
+          </a:fillRef>
+          <a:effectRef idx="2">
+            <a:schemeClr val="accent2"/>
+          </a:effectRef>
+          <a:fontRef idx="minor">
+            <a:schemeClr val="tx1"/>
+          </a:fontRef>
+        </p:style>
+        <p:txBody>
+          <a:bodyPr rtlCol="0" anchor="ctr"/>
+          <a:lstStyle/>
+          <a:p>
+            <a:pPr algn="ctr"/>
+            <a:endParaRPr lang="en-US"/>
+          </a:p>
+        </p:txBody>
+      </p:sp>
+      <p:sp>
+        <p:nvSpPr>
+          <p:cNvPr id="23" name="ZoneTexte 22">
+            <a:extLst>
+              <a:ext uri="{FF2B5EF4-FFF2-40B4-BE49-F238E27FC236}">
+                <a16:creationId xmlns:a16="http://schemas.microsoft.com/office/drawing/2014/main" id="{F22A8599-8A9A-460C-BC9D-4EEBCE809B31}"/>
+              </a:ext>
+            </a:extLst>
+          </p:cNvPr>
+          <p:cNvSpPr txBox="1"/>
+          <p:nvPr/>
+        </p:nvSpPr>
+        <p:spPr>
+          <a:xfrm>
+            <a:off x="1876367" y="4433961"/>
+            <a:ext cx="768844" cy="477054"/>
+          </a:xfrm>
+          <a:prstGeom prst="rect">
+            <a:avLst/>
+          </a:prstGeom>
+          <a:noFill/>
+        </p:spPr>
+        <p:txBody>
+          <a:bodyPr wrap="square" rtlCol="0">
+            <a:spAutoFit/>
+          </a:bodyPr>
+          <a:lstStyle/>
+          <a:p>
+            <a:r>
+              <a:rPr lang="en-US" sz="2500" b="1" dirty="0">
+                <a:solidFill>
+                  <a:srgbClr val="00B050"/>
+                </a:solidFill>
+              </a:rPr>
+              <a:t>0(n)</a:t>
+            </a:r>
+          </a:p>
+        </p:txBody>
+      </p:sp>
+      <p:sp>
+        <p:nvSpPr>
+          <p:cNvPr id="24" name="Accolade ouvrante 23">
+            <a:extLst>
+              <a:ext uri="{FF2B5EF4-FFF2-40B4-BE49-F238E27FC236}">
+                <a16:creationId xmlns:a16="http://schemas.microsoft.com/office/drawing/2014/main" id="{83A40E3E-BEFC-4EB8-A65E-919CF026BAE1}"/>
+              </a:ext>
+            </a:extLst>
+          </p:cNvPr>
+          <p:cNvSpPr/>
+          <p:nvPr/>
+        </p:nvSpPr>
+        <p:spPr>
+          <a:xfrm>
+            <a:off x="2748778" y="2129396"/>
+            <a:ext cx="348388" cy="1183795"/>
           </a:xfrm>
           <a:prstGeom prst="leftBrace">
             <a:avLst/>
@@ -7123,94 +8704,6 @@
       </p:sp>
       <p:sp>
         <p:nvSpPr>
-          <p:cNvPr id="23" name="ZoneTexte 22">
-            <a:extLst>
-              <a:ext uri="{FF2B5EF4-FFF2-40B4-BE49-F238E27FC236}">
-                <a16:creationId xmlns:a16="http://schemas.microsoft.com/office/drawing/2014/main" id="{F22A8599-8A9A-460C-BC9D-4EEBCE809B31}"/>
-              </a:ext>
-            </a:extLst>
-          </p:cNvPr>
-          <p:cNvSpPr txBox="1"/>
-          <p:nvPr/>
-        </p:nvSpPr>
-        <p:spPr>
-          <a:xfrm>
-            <a:off x="1876367" y="4433961"/>
-            <a:ext cx="768844" cy="477054"/>
-          </a:xfrm>
-          <a:prstGeom prst="rect">
-            <a:avLst/>
-          </a:prstGeom>
-          <a:noFill/>
-        </p:spPr>
-        <p:txBody>
-          <a:bodyPr wrap="square" rtlCol="0">
-            <a:spAutoFit/>
-          </a:bodyPr>
-          <a:lstStyle/>
-          <a:p>
-            <a:r>
-              <a:rPr lang="en-US" sz="2500" b="1" dirty="0">
-                <a:solidFill>
-                  <a:srgbClr val="FF0000"/>
-                </a:solidFill>
-              </a:rPr>
-              <a:t>0(n)</a:t>
-            </a:r>
-          </a:p>
-        </p:txBody>
-      </p:sp>
-      <p:sp>
-        <p:nvSpPr>
-          <p:cNvPr id="24" name="Accolade ouvrante 23">
-            <a:extLst>
-              <a:ext uri="{FF2B5EF4-FFF2-40B4-BE49-F238E27FC236}">
-                <a16:creationId xmlns:a16="http://schemas.microsoft.com/office/drawing/2014/main" id="{83A40E3E-BEFC-4EB8-A65E-919CF026BAE1}"/>
-              </a:ext>
-            </a:extLst>
-          </p:cNvPr>
-          <p:cNvSpPr/>
-          <p:nvPr/>
-        </p:nvSpPr>
-        <p:spPr>
-          <a:xfrm>
-            <a:off x="2748778" y="2129396"/>
-            <a:ext cx="348388" cy="1183795"/>
-          </a:xfrm>
-          <a:prstGeom prst="leftBrace">
-            <a:avLst/>
-          </a:prstGeom>
-          <a:ln w="38100">
-            <a:solidFill>
-              <a:srgbClr val="FF0000"/>
-            </a:solidFill>
-          </a:ln>
-        </p:spPr>
-        <p:style>
-          <a:lnRef idx="3">
-            <a:schemeClr val="accent2"/>
-          </a:lnRef>
-          <a:fillRef idx="0">
-            <a:schemeClr val="accent2"/>
-          </a:fillRef>
-          <a:effectRef idx="2">
-            <a:schemeClr val="accent2"/>
-          </a:effectRef>
-          <a:fontRef idx="minor">
-            <a:schemeClr val="tx1"/>
-          </a:fontRef>
-        </p:style>
-        <p:txBody>
-          <a:bodyPr rtlCol="0" anchor="ctr"/>
-          <a:lstStyle/>
-          <a:p>
-            <a:pPr algn="ctr"/>
-            <a:endParaRPr lang="en-US"/>
-          </a:p>
-        </p:txBody>
-      </p:sp>
-      <p:sp>
-        <p:nvSpPr>
           <p:cNvPr id="25" name="ZoneTexte 24">
             <a:extLst>
               <a:ext uri="{FF2B5EF4-FFF2-40B4-BE49-F238E27FC236}">
@@ -7270,7 +8763,9 @@
           </a:prstGeom>
           <a:ln w="38100">
             <a:solidFill>
-              <a:srgbClr val="FF0000"/>
+              <a:schemeClr val="accent1">
+                <a:lumMod val="50000"/>
+              </a:schemeClr>
             </a:solidFill>
           </a:ln>
         </p:spPr>
@@ -7921,7 +9416,7 @@
 </p:sld>
 </file>
 
-<file path=ppt/slides/slide17.xml><?xml version="1.0" encoding="utf-8"?>
+<file path=ppt/slides/slide18.xml><?xml version="1.0" encoding="utf-8"?>
 <p:sld xmlns:a="http://schemas.openxmlformats.org/drawingml/2006/main" xmlns:r="http://schemas.openxmlformats.org/officeDocument/2006/relationships" xmlns:p="http://schemas.openxmlformats.org/presentationml/2006/main">
   <p:cSld>
     <p:spTree>
@@ -8118,7 +9613,7 @@
           <a:p>
             <a:fld id="{2376E620-B82E-4BB3-B55A-C1C511C62C08}" type="slidenum">
               <a:rPr lang="fr-FR" smtClean="0"/>
-              <a:t>17</a:t>
+              <a:t>18</a:t>
             </a:fld>
             <a:endParaRPr lang="fr-FR"/>
           </a:p>
@@ -8132,7 +9627,7 @@
         </p:nvSpPr>
         <p:spPr>
           <a:xfrm>
-            <a:off x="4130230" y="4760793"/>
+            <a:off x="5021428" y="4850311"/>
             <a:ext cx="3931540" cy="1015663"/>
           </a:xfrm>
           <a:prstGeom prst="rect">
@@ -8193,7 +9688,7 @@
         </p:nvSpPr>
         <p:spPr>
           <a:xfrm>
-            <a:off x="373550" y="1140648"/>
+            <a:off x="660125" y="815054"/>
             <a:ext cx="8259398" cy="2556982"/>
           </a:xfrm>
           <a:prstGeom prst="rect">
@@ -8319,7 +9814,7 @@
         </p:blipFill>
         <p:spPr>
           <a:xfrm>
-            <a:off x="9277405" y="1499492"/>
+            <a:off x="9871681" y="871215"/>
             <a:ext cx="1654513" cy="2489501"/>
           </a:xfrm>
           <a:prstGeom prst="rect">
@@ -8341,7 +9836,7 @@
         </p:nvSpPr>
         <p:spPr>
           <a:xfrm>
-            <a:off x="373550" y="4060236"/>
+            <a:off x="1729522" y="3407933"/>
             <a:ext cx="6851176" cy="769441"/>
           </a:xfrm>
           <a:prstGeom prst="rect">
@@ -8383,6 +9878,36 @@
           </a:p>
         </p:txBody>
       </p:sp>
+      <p:pic>
+        <p:nvPicPr>
+          <p:cNvPr id="5" name="Picture 4"/>
+          <p:cNvPicPr>
+            <a:picLocks noChangeAspect="1"/>
+          </p:cNvPicPr>
+          <p:nvPr/>
+        </p:nvPicPr>
+        <p:blipFill>
+          <a:blip r:embed="rId3">
+            <a:extLst>
+              <a:ext uri="{28A0092B-C50C-407E-A947-70E740481C1C}">
+                <a14:useLocalDpi xmlns:a14="http://schemas.microsoft.com/office/drawing/2010/main" val="0"/>
+              </a:ext>
+            </a:extLst>
+          </a:blip>
+          <a:stretch>
+            <a:fillRect/>
+          </a:stretch>
+        </p:blipFill>
+        <p:spPr>
+          <a:xfrm>
+            <a:off x="518124" y="4036953"/>
+            <a:ext cx="3002351" cy="2501959"/>
+          </a:xfrm>
+          <a:prstGeom prst="rect">
+            <a:avLst/>
+          </a:prstGeom>
+        </p:spPr>
+      </p:pic>
     </p:spTree>
     <p:extLst>
       <p:ext uri="{BB962C8B-B14F-4D97-AF65-F5344CB8AC3E}">
@@ -8547,6 +10072,59 @@
                       </p:childTnLst>
                     </p:cTn>
                   </p:par>
+                  <p:par>
+                    <p:cTn id="14" fill="hold">
+                      <p:stCondLst>
+                        <p:cond delay="indefinite"/>
+                      </p:stCondLst>
+                      <p:childTnLst>
+                        <p:par>
+                          <p:cTn id="15" fill="hold">
+                            <p:stCondLst>
+                              <p:cond delay="0"/>
+                            </p:stCondLst>
+                            <p:childTnLst>
+                              <p:par>
+                                <p:cTn id="16" presetID="6" presetClass="entr" presetSubtype="16" fill="hold" nodeType="clickEffect">
+                                  <p:stCondLst>
+                                    <p:cond delay="0"/>
+                                  </p:stCondLst>
+                                  <p:childTnLst>
+                                    <p:set>
+                                      <p:cBhvr>
+                                        <p:cTn id="17" dur="1" fill="hold">
+                                          <p:stCondLst>
+                                            <p:cond delay="0"/>
+                                          </p:stCondLst>
+                                        </p:cTn>
+                                        <p:tgtEl>
+                                          <p:spTgt spid="5"/>
+                                        </p:tgtEl>
+                                        <p:attrNameLst>
+                                          <p:attrName>style.visibility</p:attrName>
+                                        </p:attrNameLst>
+                                      </p:cBhvr>
+                                      <p:to>
+                                        <p:strVal val="visible"/>
+                                      </p:to>
+                                    </p:set>
+                                    <p:animEffect transition="in" filter="circle(in)">
+                                      <p:cBhvr>
+                                        <p:cTn id="18" dur="2000"/>
+                                        <p:tgtEl>
+                                          <p:spTgt spid="5"/>
+                                        </p:tgtEl>
+                                      </p:cBhvr>
+                                    </p:animEffect>
+                                  </p:childTnLst>
+                                </p:cTn>
+                              </p:par>
+                            </p:childTnLst>
+                          </p:cTn>
+                        </p:par>
+                      </p:childTnLst>
+                    </p:cTn>
+                  </p:par>
                 </p:childTnLst>
               </p:cTn>
               <p:prevCondLst>
@@ -8576,7 +10154,7 @@
 </p:sld>
 </file>
 
-<file path=ppt/slides/slide18.xml><?xml version="1.0" encoding="utf-8"?>
+<file path=ppt/slides/slide19.xml><?xml version="1.0" encoding="utf-8"?>
 <p:sld xmlns:a="http://schemas.openxmlformats.org/drawingml/2006/main" xmlns:r="http://schemas.openxmlformats.org/officeDocument/2006/relationships" xmlns:p="http://schemas.openxmlformats.org/presentationml/2006/main">
   <p:cSld>
     <p:bg>
@@ -9706,7 +11284,7 @@
           <a:p>
             <a:fld id="{2376E620-B82E-4BB3-B55A-C1C511C62C08}" type="slidenum">
               <a:rPr lang="fr-FR" smtClean="0"/>
-              <a:t>18</a:t>
+              <a:t>19</a:t>
             </a:fld>
             <a:endParaRPr lang="fr-FR"/>
           </a:p>
@@ -12849,7 +14427,7 @@
         </p:blipFill>
         <p:spPr>
           <a:xfrm>
-            <a:off x="250683" y="1350818"/>
+            <a:off x="1139326" y="1324037"/>
             <a:ext cx="11407534" cy="5005532"/>
           </a:xfrm>
           <a:prstGeom prst="rect">
@@ -12857,6 +14435,476 @@
           </a:prstGeom>
         </p:spPr>
       </p:pic>
+      <p:sp>
+        <p:nvSpPr>
+          <p:cNvPr id="8" name="Accolade ouvrante 21">
+            <a:extLst>
+              <a:ext uri="{FF2B5EF4-FFF2-40B4-BE49-F238E27FC236}">
+                <a16:creationId xmlns:a16="http://schemas.microsoft.com/office/drawing/2014/main" id="{64C8D703-8301-40D9-9479-69F11FFF3FDC}"/>
+              </a:ext>
+            </a:extLst>
+          </p:cNvPr>
+          <p:cNvSpPr/>
+          <p:nvPr/>
+        </p:nvSpPr>
+        <p:spPr>
+          <a:xfrm>
+            <a:off x="2078546" y="3550086"/>
+            <a:ext cx="319115" cy="1930331"/>
+          </a:xfrm>
+          <a:prstGeom prst="leftBrace">
+            <a:avLst/>
+          </a:prstGeom>
+          <a:ln w="38100">
+            <a:solidFill>
+              <a:schemeClr val="accent1">
+                <a:lumMod val="75000"/>
+              </a:schemeClr>
+            </a:solidFill>
+          </a:ln>
+        </p:spPr>
+        <p:style>
+          <a:lnRef idx="3">
+            <a:schemeClr val="accent2"/>
+          </a:lnRef>
+          <a:fillRef idx="0">
+            <a:schemeClr val="accent2"/>
+          </a:fillRef>
+          <a:effectRef idx="2">
+            <a:schemeClr val="accent2"/>
+          </a:effectRef>
+          <a:fontRef idx="minor">
+            <a:schemeClr val="tx1"/>
+          </a:fontRef>
+        </p:style>
+        <p:txBody>
+          <a:bodyPr rtlCol="0" anchor="ctr"/>
+          <a:lstStyle/>
+          <a:p>
+            <a:pPr algn="ctr"/>
+            <a:endParaRPr lang="en-US"/>
+          </a:p>
+        </p:txBody>
+      </p:sp>
+      <p:sp>
+        <p:nvSpPr>
+          <p:cNvPr id="9" name="ZoneTexte 22">
+            <a:extLst>
+              <a:ext uri="{FF2B5EF4-FFF2-40B4-BE49-F238E27FC236}">
+                <a16:creationId xmlns:a16="http://schemas.microsoft.com/office/drawing/2014/main" id="{F22A8599-8A9A-460C-BC9D-4EEBCE809B31}"/>
+              </a:ext>
+            </a:extLst>
+          </p:cNvPr>
+          <p:cNvSpPr txBox="1"/>
+          <p:nvPr/>
+        </p:nvSpPr>
+        <p:spPr>
+          <a:xfrm>
+            <a:off x="1274969" y="4109644"/>
+            <a:ext cx="899911" cy="477054"/>
+          </a:xfrm>
+          <a:prstGeom prst="rect">
+            <a:avLst/>
+          </a:prstGeom>
+          <a:noFill/>
+          <a:ln>
+            <a:solidFill>
+              <a:schemeClr val="bg1"/>
+            </a:solidFill>
+          </a:ln>
+        </p:spPr>
+        <p:txBody>
+          <a:bodyPr wrap="square" rtlCol="0">
+            <a:spAutoFit/>
+          </a:bodyPr>
+          <a:lstStyle/>
+          <a:p>
+            <a:r>
+              <a:rPr lang="en-US" sz="2500" b="1" dirty="0">
+                <a:solidFill>
+                  <a:schemeClr val="accent1">
+                    <a:lumMod val="75000"/>
+                  </a:schemeClr>
+                </a:solidFill>
+              </a:rPr>
+              <a:t>0(n)</a:t>
+            </a:r>
+          </a:p>
+        </p:txBody>
+      </p:sp>
+      <p:sp>
+        <p:nvSpPr>
+          <p:cNvPr id="10" name="Accolade ouvrante 23">
+            <a:extLst>
+              <a:ext uri="{FF2B5EF4-FFF2-40B4-BE49-F238E27FC236}">
+                <a16:creationId xmlns:a16="http://schemas.microsoft.com/office/drawing/2014/main" id="{83A40E3E-BEFC-4EB8-A65E-919CF026BAE1}"/>
+              </a:ext>
+            </a:extLst>
+          </p:cNvPr>
+          <p:cNvSpPr/>
+          <p:nvPr/>
+        </p:nvSpPr>
+        <p:spPr>
+          <a:xfrm>
+            <a:off x="2049273" y="2802171"/>
+            <a:ext cx="348388" cy="606450"/>
+          </a:xfrm>
+          <a:prstGeom prst="leftBrace">
+            <a:avLst/>
+          </a:prstGeom>
+          <a:solidFill>
+            <a:schemeClr val="bg1"/>
+          </a:solidFill>
+          <a:ln>
+            <a:solidFill>
+              <a:schemeClr val="accent6">
+                <a:lumMod val="50000"/>
+              </a:schemeClr>
+            </a:solidFill>
+          </a:ln>
+        </p:spPr>
+        <p:style>
+          <a:lnRef idx="3">
+            <a:schemeClr val="accent6"/>
+          </a:lnRef>
+          <a:fillRef idx="0">
+            <a:schemeClr val="accent6"/>
+          </a:fillRef>
+          <a:effectRef idx="2">
+            <a:schemeClr val="accent6"/>
+          </a:effectRef>
+          <a:fontRef idx="minor">
+            <a:schemeClr val="tx1"/>
+          </a:fontRef>
+        </p:style>
+        <p:txBody>
+          <a:bodyPr rtlCol="0" anchor="ctr"/>
+          <a:lstStyle/>
+          <a:p>
+            <a:pPr algn="ctr"/>
+            <a:endParaRPr lang="en-US">
+              <a:solidFill>
+                <a:srgbClr val="7030A0"/>
+              </a:solidFill>
+            </a:endParaRPr>
+          </a:p>
+        </p:txBody>
+      </p:sp>
+      <p:sp>
+        <p:nvSpPr>
+          <p:cNvPr id="11" name="ZoneTexte 24">
+            <a:extLst>
+              <a:ext uri="{FF2B5EF4-FFF2-40B4-BE49-F238E27FC236}">
+                <a16:creationId xmlns:a16="http://schemas.microsoft.com/office/drawing/2014/main" id="{229BD0C6-9047-4638-B666-397F4383C8AD}"/>
+              </a:ext>
+            </a:extLst>
+          </p:cNvPr>
+          <p:cNvSpPr txBox="1"/>
+          <p:nvPr/>
+        </p:nvSpPr>
+        <p:spPr>
+          <a:xfrm>
+            <a:off x="1238772" y="2846157"/>
+            <a:ext cx="754696" cy="477054"/>
+          </a:xfrm>
+          <a:prstGeom prst="rect">
+            <a:avLst/>
+          </a:prstGeom>
+          <a:noFill/>
+        </p:spPr>
+        <p:txBody>
+          <a:bodyPr wrap="square" rtlCol="0">
+            <a:spAutoFit/>
+          </a:bodyPr>
+          <a:lstStyle/>
+          <a:p>
+            <a:r>
+              <a:rPr lang="en-US" sz="2500" b="1" dirty="0">
+                <a:solidFill>
+                  <a:schemeClr val="accent6">
+                    <a:lumMod val="75000"/>
+                  </a:schemeClr>
+                </a:solidFill>
+              </a:rPr>
+              <a:t>0(1)</a:t>
+            </a:r>
+          </a:p>
+        </p:txBody>
+      </p:sp>
+      <p:sp>
+        <p:nvSpPr>
+          <p:cNvPr id="12" name="Accolade ouvrante 25">
+            <a:extLst>
+              <a:ext uri="{FF2B5EF4-FFF2-40B4-BE49-F238E27FC236}">
+                <a16:creationId xmlns:a16="http://schemas.microsoft.com/office/drawing/2014/main" id="{7995E108-7F96-4047-9052-170E10782E3C}"/>
+              </a:ext>
+            </a:extLst>
+          </p:cNvPr>
+          <p:cNvSpPr/>
+          <p:nvPr/>
+        </p:nvSpPr>
+        <p:spPr>
+          <a:xfrm>
+            <a:off x="1076539" y="2196445"/>
+            <a:ext cx="324465" cy="3947185"/>
+          </a:xfrm>
+          <a:prstGeom prst="leftBrace">
+            <a:avLst/>
+          </a:prstGeom>
+          <a:ln w="38100">
+            <a:solidFill>
+              <a:srgbClr val="FF0000"/>
+            </a:solidFill>
+          </a:ln>
+        </p:spPr>
+        <p:style>
+          <a:lnRef idx="3">
+            <a:schemeClr val="accent2"/>
+          </a:lnRef>
+          <a:fillRef idx="0">
+            <a:schemeClr val="accent2"/>
+          </a:fillRef>
+          <a:effectRef idx="2">
+            <a:schemeClr val="accent2"/>
+          </a:effectRef>
+          <a:fontRef idx="minor">
+            <a:schemeClr val="tx1"/>
+          </a:fontRef>
+        </p:style>
+        <p:txBody>
+          <a:bodyPr rtlCol="0" anchor="ctr"/>
+          <a:lstStyle/>
+          <a:p>
+            <a:pPr algn="ctr"/>
+            <a:endParaRPr lang="en-US"/>
+          </a:p>
+        </p:txBody>
+      </p:sp>
+      <p:sp>
+        <p:nvSpPr>
+          <p:cNvPr id="13" name="ZoneTexte 26">
+            <a:extLst>
+              <a:ext uri="{FF2B5EF4-FFF2-40B4-BE49-F238E27FC236}">
+                <a16:creationId xmlns:a16="http://schemas.microsoft.com/office/drawing/2014/main" id="{A3043980-4B67-48BE-A6A7-72115CB5F905}"/>
+              </a:ext>
+            </a:extLst>
+          </p:cNvPr>
+          <p:cNvSpPr txBox="1"/>
+          <p:nvPr/>
+        </p:nvSpPr>
+        <p:spPr>
+          <a:xfrm>
+            <a:off x="0" y="3969983"/>
+            <a:ext cx="1418286" cy="400110"/>
+          </a:xfrm>
+          <a:prstGeom prst="rect">
+            <a:avLst/>
+          </a:prstGeom>
+          <a:noFill/>
+        </p:spPr>
+        <p:txBody>
+          <a:bodyPr wrap="square" rtlCol="0">
+            <a:spAutoFit/>
+          </a:bodyPr>
+          <a:lstStyle/>
+          <a:p>
+            <a:r>
+              <a:rPr lang="en-US" sz="2000" b="1" dirty="0">
+                <a:solidFill>
+                  <a:srgbClr val="FF0000"/>
+                </a:solidFill>
+                <a:latin typeface="Tahoma" panose="020B0604030504040204" pitchFamily="34" charset="0"/>
+                <a:ea typeface="Tahoma" panose="020B0604030504040204" pitchFamily="34" charset="0"/>
+                <a:cs typeface="Tahoma" panose="020B0604030504040204" pitchFamily="34" charset="0"/>
+              </a:rPr>
+              <a:t>O(nm)</a:t>
+            </a:r>
+          </a:p>
+        </p:txBody>
+      </p:sp>
+      <p:sp>
+        <p:nvSpPr>
+          <p:cNvPr id="15" name="ZoneTexte 29">
+            <a:extLst>
+              <a:ext uri="{FF2B5EF4-FFF2-40B4-BE49-F238E27FC236}">
+                <a16:creationId xmlns:a16="http://schemas.microsoft.com/office/drawing/2014/main" id="{FEB65B8F-AC2A-41D8-9B77-B0E43E610278}"/>
+              </a:ext>
+            </a:extLst>
+          </p:cNvPr>
+          <p:cNvSpPr txBox="1"/>
+          <p:nvPr/>
+        </p:nvSpPr>
+        <p:spPr>
+          <a:xfrm>
+            <a:off x="1322137" y="5566682"/>
+            <a:ext cx="726708" cy="477054"/>
+          </a:xfrm>
+          <a:prstGeom prst="rect">
+            <a:avLst/>
+          </a:prstGeom>
+          <a:noFill/>
+        </p:spPr>
+        <p:txBody>
+          <a:bodyPr wrap="square" rtlCol="0">
+            <a:spAutoFit/>
+          </a:bodyPr>
+          <a:lstStyle/>
+          <a:p>
+            <a:r>
+              <a:rPr lang="en-US" sz="2500" b="1" dirty="0">
+                <a:solidFill>
+                  <a:srgbClr val="7030A0"/>
+                </a:solidFill>
+              </a:rPr>
+              <a:t>0(1)</a:t>
+            </a:r>
+          </a:p>
+        </p:txBody>
+      </p:sp>
+      <p:sp>
+        <p:nvSpPr>
+          <p:cNvPr id="16" name="Accolade ouvrante 23">
+            <a:extLst>
+              <a:ext uri="{FF2B5EF4-FFF2-40B4-BE49-F238E27FC236}">
+                <a16:creationId xmlns:a16="http://schemas.microsoft.com/office/drawing/2014/main" id="{83A40E3E-BEFC-4EB8-A65E-919CF026BAE1}"/>
+              </a:ext>
+            </a:extLst>
+          </p:cNvPr>
+          <p:cNvSpPr/>
+          <p:nvPr/>
+        </p:nvSpPr>
+        <p:spPr>
+          <a:xfrm>
+            <a:off x="2709533" y="4251040"/>
+            <a:ext cx="348388" cy="606450"/>
+          </a:xfrm>
+          <a:prstGeom prst="leftBrace">
+            <a:avLst/>
+          </a:prstGeom>
+          <a:ln w="38100">
+            <a:solidFill>
+              <a:srgbClr val="00D0A8"/>
+            </a:solidFill>
+          </a:ln>
+        </p:spPr>
+        <p:style>
+          <a:lnRef idx="3">
+            <a:schemeClr val="accent2"/>
+          </a:lnRef>
+          <a:fillRef idx="0">
+            <a:schemeClr val="accent2"/>
+          </a:fillRef>
+          <a:effectRef idx="2">
+            <a:schemeClr val="accent2"/>
+          </a:effectRef>
+          <a:fontRef idx="minor">
+            <a:schemeClr val="tx1"/>
+          </a:fontRef>
+        </p:style>
+        <p:txBody>
+          <a:bodyPr rtlCol="0" anchor="ctr"/>
+          <a:lstStyle/>
+          <a:p>
+            <a:pPr algn="ctr"/>
+            <a:endParaRPr lang="en-US"/>
+          </a:p>
+        </p:txBody>
+      </p:sp>
+      <p:sp>
+        <p:nvSpPr>
+          <p:cNvPr id="17" name="ZoneTexte 24">
+            <a:extLst>
+              <a:ext uri="{FF2B5EF4-FFF2-40B4-BE49-F238E27FC236}">
+                <a16:creationId xmlns:a16="http://schemas.microsoft.com/office/drawing/2014/main" id="{229BD0C6-9047-4638-B666-397F4383C8AD}"/>
+              </a:ext>
+            </a:extLst>
+          </p:cNvPr>
+          <p:cNvSpPr txBox="1"/>
+          <p:nvPr/>
+        </p:nvSpPr>
+        <p:spPr>
+          <a:xfrm>
+            <a:off x="2252058" y="3841460"/>
+            <a:ext cx="914949" cy="477054"/>
+          </a:xfrm>
+          <a:prstGeom prst="rect">
+            <a:avLst/>
+          </a:prstGeom>
+          <a:noFill/>
+        </p:spPr>
+        <p:txBody>
+          <a:bodyPr wrap="square" rtlCol="0">
+            <a:spAutoFit/>
+          </a:bodyPr>
+          <a:lstStyle/>
+          <a:p>
+            <a:r>
+              <a:rPr lang="en-US" sz="2500" b="1" dirty="0">
+                <a:solidFill>
+                  <a:srgbClr val="3DBF9C"/>
+                </a:solidFill>
+              </a:rPr>
+              <a:t>0(m)</a:t>
+            </a:r>
+          </a:p>
+        </p:txBody>
+      </p:sp>
+      <p:sp>
+        <p:nvSpPr>
+          <p:cNvPr id="18" name="Accolade ouvrante 23">
+            <a:extLst>
+              <a:ext uri="{FF2B5EF4-FFF2-40B4-BE49-F238E27FC236}">
+                <a16:creationId xmlns:a16="http://schemas.microsoft.com/office/drawing/2014/main" id="{030498CE-C7EC-4D3E-B10D-B6CE4D0EA94A}"/>
+              </a:ext>
+            </a:extLst>
+          </p:cNvPr>
+          <p:cNvSpPr/>
+          <p:nvPr/>
+        </p:nvSpPr>
+        <p:spPr>
+          <a:xfrm>
+            <a:off x="2055901" y="5658015"/>
+            <a:ext cx="348388" cy="355455"/>
+          </a:xfrm>
+          <a:prstGeom prst="leftBrace">
+            <a:avLst/>
+          </a:prstGeom>
+          <a:solidFill>
+            <a:schemeClr val="bg1"/>
+          </a:solidFill>
+          <a:ln>
+            <a:solidFill>
+              <a:srgbClr val="7030A0"/>
+            </a:solidFill>
+          </a:ln>
+        </p:spPr>
+        <p:style>
+          <a:lnRef idx="3">
+            <a:schemeClr val="accent6"/>
+          </a:lnRef>
+          <a:fillRef idx="0">
+            <a:schemeClr val="accent6"/>
+          </a:fillRef>
+          <a:effectRef idx="2">
+            <a:schemeClr val="accent6"/>
+          </a:effectRef>
+          <a:fontRef idx="minor">
+            <a:schemeClr val="tx1"/>
+          </a:fontRef>
+        </p:style>
+        <p:txBody>
+          <a:bodyPr rtlCol="0" anchor="ctr"/>
+          <a:lstStyle/>
+          <a:p>
+            <a:pPr algn="ctr"/>
+            <a:endParaRPr lang="en-US">
+              <a:solidFill>
+                <a:srgbClr val="7030A0"/>
+              </a:solidFill>
+            </a:endParaRPr>
+          </a:p>
+        </p:txBody>
+      </p:sp>
     </p:spTree>
     <p:extLst>
       <p:ext uri="{BB962C8B-B14F-4D97-AF65-F5344CB8AC3E}">
@@ -12870,6 +14918,424 @@
   <p:transition spd="slow">
     <p:pull/>
   </p:transition>
+  <p:timing>
+    <p:tnLst>
+      <p:par>
+        <p:cTn id="1" dur="indefinite" restart="never" nodeType="tmRoot">
+          <p:childTnLst>
+            <p:seq concurrent="1" nextAc="seek">
+              <p:cTn id="2" dur="indefinite" nodeType="mainSeq">
+                <p:childTnLst>
+                  <p:par>
+                    <p:cTn id="3" fill="hold">
+                      <p:stCondLst>
+                        <p:cond delay="indefinite"/>
+                      </p:stCondLst>
+                      <p:childTnLst>
+                        <p:par>
+                          <p:cTn id="4" fill="hold">
+                            <p:stCondLst>
+                              <p:cond delay="0"/>
+                            </p:stCondLst>
+                            <p:childTnLst>
+                              <p:par>
+                                <p:cTn id="5" presetID="10" presetClass="entr" presetSubtype="0" fill="hold" grpId="0" nodeType="clickEffect">
+                                  <p:stCondLst>
+                                    <p:cond delay="0"/>
+                                  </p:stCondLst>
+                                  <p:childTnLst>
+                                    <p:set>
+                                      <p:cBhvr>
+                                        <p:cTn id="6" dur="1" fill="hold">
+                                          <p:stCondLst>
+                                            <p:cond delay="0"/>
+                                          </p:stCondLst>
+                                        </p:cTn>
+                                        <p:tgtEl>
+                                          <p:spTgt spid="16"/>
+                                        </p:tgtEl>
+                                        <p:attrNameLst>
+                                          <p:attrName>style.visibility</p:attrName>
+                                        </p:attrNameLst>
+                                      </p:cBhvr>
+                                      <p:to>
+                                        <p:strVal val="visible"/>
+                                      </p:to>
+                                    </p:set>
+                                    <p:animEffect transition="in" filter="fade">
+                                      <p:cBhvr>
+                                        <p:cTn id="7" dur="500"/>
+                                        <p:tgtEl>
+                                          <p:spTgt spid="16"/>
+                                        </p:tgtEl>
+                                      </p:cBhvr>
+                                    </p:animEffect>
+                                  </p:childTnLst>
+                                </p:cTn>
+                              </p:par>
+                              <p:par>
+                                <p:cTn id="8" presetID="10" presetClass="entr" presetSubtype="0" fill="hold" grpId="0" nodeType="withEffect">
+                                  <p:stCondLst>
+                                    <p:cond delay="0"/>
+                                  </p:stCondLst>
+                                  <p:childTnLst>
+                                    <p:set>
+                                      <p:cBhvr>
+                                        <p:cTn id="9" dur="1" fill="hold">
+                                          <p:stCondLst>
+                                            <p:cond delay="0"/>
+                                          </p:stCondLst>
+                                        </p:cTn>
+                                        <p:tgtEl>
+                                          <p:spTgt spid="17"/>
+                                        </p:tgtEl>
+                                        <p:attrNameLst>
+                                          <p:attrName>style.visibility</p:attrName>
+                                        </p:attrNameLst>
+                                      </p:cBhvr>
+                                      <p:to>
+                                        <p:strVal val="visible"/>
+                                      </p:to>
+                                    </p:set>
+                                    <p:animEffect transition="in" filter="fade">
+                                      <p:cBhvr>
+                                        <p:cTn id="10" dur="500"/>
+                                        <p:tgtEl>
+                                          <p:spTgt spid="17"/>
+                                        </p:tgtEl>
+                                      </p:cBhvr>
+                                    </p:animEffect>
+                                  </p:childTnLst>
+                                </p:cTn>
+                              </p:par>
+                            </p:childTnLst>
+                          </p:cTn>
+                        </p:par>
+                      </p:childTnLst>
+                    </p:cTn>
+                  </p:par>
+                  <p:par>
+                    <p:cTn id="11" fill="hold">
+                      <p:stCondLst>
+                        <p:cond delay="indefinite"/>
+                      </p:stCondLst>
+                      <p:childTnLst>
+                        <p:par>
+                          <p:cTn id="12" fill="hold">
+                            <p:stCondLst>
+                              <p:cond delay="0"/>
+                            </p:stCondLst>
+                            <p:childTnLst>
+                              <p:par>
+                                <p:cTn id="13" presetID="1" presetClass="entr" presetSubtype="0" fill="hold" grpId="0" nodeType="clickEffect">
+                                  <p:stCondLst>
+                                    <p:cond delay="0"/>
+                                  </p:stCondLst>
+                                  <p:childTnLst>
+                                    <p:set>
+                                      <p:cBhvr>
+                                        <p:cTn id="14" dur="1" fill="hold">
+                                          <p:stCondLst>
+                                            <p:cond delay="0"/>
+                                          </p:stCondLst>
+                                        </p:cTn>
+                                        <p:tgtEl>
+                                          <p:spTgt spid="10"/>
+                                        </p:tgtEl>
+                                        <p:attrNameLst>
+                                          <p:attrName>style.visibility</p:attrName>
+                                        </p:attrNameLst>
+                                      </p:cBhvr>
+                                      <p:to>
+                                        <p:strVal val="visible"/>
+                                      </p:to>
+                                    </p:set>
+                                  </p:childTnLst>
+                                </p:cTn>
+                              </p:par>
+                              <p:par>
+                                <p:cTn id="15" presetID="1" presetClass="entr" presetSubtype="0" fill="hold" grpId="0" nodeType="withEffect">
+                                  <p:stCondLst>
+                                    <p:cond delay="0"/>
+                                  </p:stCondLst>
+                                  <p:childTnLst>
+                                    <p:set>
+                                      <p:cBhvr>
+                                        <p:cTn id="16" dur="1" fill="hold">
+                                          <p:stCondLst>
+                                            <p:cond delay="0"/>
+                                          </p:stCondLst>
+                                        </p:cTn>
+                                        <p:tgtEl>
+                                          <p:spTgt spid="11"/>
+                                        </p:tgtEl>
+                                        <p:attrNameLst>
+                                          <p:attrName>style.visibility</p:attrName>
+                                        </p:attrNameLst>
+                                      </p:cBhvr>
+                                      <p:to>
+                                        <p:strVal val="visible"/>
+                                      </p:to>
+                                    </p:set>
+                                  </p:childTnLst>
+                                </p:cTn>
+                              </p:par>
+                            </p:childTnLst>
+                          </p:cTn>
+                        </p:par>
+                      </p:childTnLst>
+                    </p:cTn>
+                  </p:par>
+                  <p:par>
+                    <p:cTn id="17" fill="hold">
+                      <p:stCondLst>
+                        <p:cond delay="indefinite"/>
+                      </p:stCondLst>
+                      <p:childTnLst>
+                        <p:par>
+                          <p:cTn id="18" fill="hold">
+                            <p:stCondLst>
+                              <p:cond delay="0"/>
+                            </p:stCondLst>
+                            <p:childTnLst>
+                              <p:par>
+                                <p:cTn id="19" presetID="1" presetClass="entr" presetSubtype="0" fill="hold" grpId="0" nodeType="clickEffect">
+                                  <p:stCondLst>
+                                    <p:cond delay="0"/>
+                                  </p:stCondLst>
+                                  <p:childTnLst>
+                                    <p:set>
+                                      <p:cBhvr>
+                                        <p:cTn id="20" dur="1" fill="hold">
+                                          <p:stCondLst>
+                                            <p:cond delay="0"/>
+                                          </p:stCondLst>
+                                        </p:cTn>
+                                        <p:tgtEl>
+                                          <p:spTgt spid="8"/>
+                                        </p:tgtEl>
+                                        <p:attrNameLst>
+                                          <p:attrName>style.visibility</p:attrName>
+                                        </p:attrNameLst>
+                                      </p:cBhvr>
+                                      <p:to>
+                                        <p:strVal val="visible"/>
+                                      </p:to>
+                                    </p:set>
+                                  </p:childTnLst>
+                                </p:cTn>
+                              </p:par>
+                              <p:par>
+                                <p:cTn id="21" presetID="1" presetClass="entr" presetSubtype="0" fill="hold" grpId="0" nodeType="withEffect">
+                                  <p:stCondLst>
+                                    <p:cond delay="0"/>
+                                  </p:stCondLst>
+                                  <p:childTnLst>
+                                    <p:set>
+                                      <p:cBhvr>
+                                        <p:cTn id="22" dur="1" fill="hold">
+                                          <p:stCondLst>
+                                            <p:cond delay="0"/>
+                                          </p:stCondLst>
+                                        </p:cTn>
+                                        <p:tgtEl>
+                                          <p:spTgt spid="9"/>
+                                        </p:tgtEl>
+                                        <p:attrNameLst>
+                                          <p:attrName>style.visibility</p:attrName>
+                                        </p:attrNameLst>
+                                      </p:cBhvr>
+                                      <p:to>
+                                        <p:strVal val="visible"/>
+                                      </p:to>
+                                    </p:set>
+                                  </p:childTnLst>
+                                </p:cTn>
+                              </p:par>
+                            </p:childTnLst>
+                          </p:cTn>
+                        </p:par>
+                      </p:childTnLst>
+                    </p:cTn>
+                  </p:par>
+                  <p:par>
+                    <p:cTn id="23" fill="hold">
+                      <p:stCondLst>
+                        <p:cond delay="indefinite"/>
+                      </p:stCondLst>
+                      <p:childTnLst>
+                        <p:par>
+                          <p:cTn id="24" fill="hold">
+                            <p:stCondLst>
+                              <p:cond delay="0"/>
+                            </p:stCondLst>
+                            <p:childTnLst>
+                              <p:par>
+                                <p:cTn id="25" presetID="1" presetClass="entr" presetSubtype="0" fill="hold" grpId="0" nodeType="clickEffect">
+                                  <p:stCondLst>
+                                    <p:cond delay="0"/>
+                                  </p:stCondLst>
+                                  <p:childTnLst>
+                                    <p:set>
+                                      <p:cBhvr>
+                                        <p:cTn id="26" dur="1" fill="hold">
+                                          <p:stCondLst>
+                                            <p:cond delay="0"/>
+                                          </p:stCondLst>
+                                        </p:cTn>
+                                        <p:tgtEl>
+                                          <p:spTgt spid="15"/>
+                                        </p:tgtEl>
+                                        <p:attrNameLst>
+                                          <p:attrName>style.visibility</p:attrName>
+                                        </p:attrNameLst>
+                                      </p:cBhvr>
+                                      <p:to>
+                                        <p:strVal val="visible"/>
+                                      </p:to>
+                                    </p:set>
+                                  </p:childTnLst>
+                                </p:cTn>
+                              </p:par>
+                              <p:par>
+                                <p:cTn id="27" presetID="1" presetClass="entr" presetSubtype="0" fill="hold" grpId="0" nodeType="withEffect">
+                                  <p:stCondLst>
+                                    <p:cond delay="0"/>
+                                  </p:stCondLst>
+                                  <p:childTnLst>
+                                    <p:set>
+                                      <p:cBhvr>
+                                        <p:cTn id="28" dur="1" fill="hold">
+                                          <p:stCondLst>
+                                            <p:cond delay="0"/>
+                                          </p:stCondLst>
+                                        </p:cTn>
+                                        <p:tgtEl>
+                                          <p:spTgt spid="18"/>
+                                        </p:tgtEl>
+                                        <p:attrNameLst>
+                                          <p:attrName>style.visibility</p:attrName>
+                                        </p:attrNameLst>
+                                      </p:cBhvr>
+                                      <p:to>
+                                        <p:strVal val="visible"/>
+                                      </p:to>
+                                    </p:set>
+                                  </p:childTnLst>
+                                </p:cTn>
+                              </p:par>
+                            </p:childTnLst>
+                          </p:cTn>
+                        </p:par>
+                      </p:childTnLst>
+                    </p:cTn>
+                  </p:par>
+                  <p:par>
+                    <p:cTn id="29" fill="hold">
+                      <p:stCondLst>
+                        <p:cond delay="indefinite"/>
+                      </p:stCondLst>
+                      <p:childTnLst>
+                        <p:par>
+                          <p:cTn id="30" fill="hold">
+                            <p:stCondLst>
+                              <p:cond delay="0"/>
+                            </p:stCondLst>
+                            <p:childTnLst>
+                              <p:par>
+                                <p:cTn id="31" presetID="1" presetClass="entr" presetSubtype="0" fill="hold" grpId="0" nodeType="clickEffect">
+                                  <p:stCondLst>
+                                    <p:cond delay="0"/>
+                                  </p:stCondLst>
+                                  <p:childTnLst>
+                                    <p:set>
+                                      <p:cBhvr>
+                                        <p:cTn id="32" dur="1" fill="hold">
+                                          <p:stCondLst>
+                                            <p:cond delay="0"/>
+                                          </p:stCondLst>
+                                        </p:cTn>
+                                        <p:tgtEl>
+                                          <p:spTgt spid="13"/>
+                                        </p:tgtEl>
+                                        <p:attrNameLst>
+                                          <p:attrName>style.visibility</p:attrName>
+                                        </p:attrNameLst>
+                                      </p:cBhvr>
+                                      <p:to>
+                                        <p:strVal val="visible"/>
+                                      </p:to>
+                                    </p:set>
+                                  </p:childTnLst>
+                                </p:cTn>
+                              </p:par>
+                              <p:par>
+                                <p:cTn id="33" presetID="1" presetClass="entr" presetSubtype="0" fill="hold" grpId="0" nodeType="withEffect">
+                                  <p:stCondLst>
+                                    <p:cond delay="0"/>
+                                  </p:stCondLst>
+                                  <p:childTnLst>
+                                    <p:set>
+                                      <p:cBhvr>
+                                        <p:cTn id="34" dur="1" fill="hold">
+                                          <p:stCondLst>
+                                            <p:cond delay="0"/>
+                                          </p:stCondLst>
+                                        </p:cTn>
+                                        <p:tgtEl>
+                                          <p:spTgt spid="12"/>
+                                        </p:tgtEl>
+                                        <p:attrNameLst>
+                                          <p:attrName>style.visibility</p:attrName>
+                                        </p:attrNameLst>
+                                      </p:cBhvr>
+                                      <p:to>
+                                        <p:strVal val="visible"/>
+                                      </p:to>
+                                    </p:set>
+                                  </p:childTnLst>
+                                </p:cTn>
+                              </p:par>
+                            </p:childTnLst>
+                          </p:cTn>
+                        </p:par>
+                      </p:childTnLst>
+                    </p:cTn>
+                  </p:par>
+                </p:childTnLst>
+              </p:cTn>
+              <p:prevCondLst>
+                <p:cond evt="onPrev" delay="0">
+                  <p:tgtEl>
+                    <p:sldTgt/>
+                  </p:tgtEl>
+                </p:cond>
+              </p:prevCondLst>
+              <p:nextCondLst>
+                <p:cond evt="onNext" delay="0">
+                  <p:tgtEl>
+                    <p:sldTgt/>
+                  </p:tgtEl>
+                </p:cond>
+              </p:nextCondLst>
+            </p:seq>
+          </p:childTnLst>
+        </p:cTn>
+      </p:par>
+    </p:tnLst>
+    <p:bldLst>
+      <p:bldP spid="8" grpId="0" animBg="1"/>
+      <p:bldP spid="9" grpId="0" animBg="1"/>
+      <p:bldP spid="10" grpId="0" animBg="1"/>
+      <p:bldP spid="11" grpId="0"/>
+      <p:bldP spid="12" grpId="0" animBg="1"/>
+      <p:bldP spid="13" grpId="0"/>
+      <p:bldP spid="15" grpId="0"/>
+      <p:bldP spid="16" grpId="0" animBg="1"/>
+      <p:bldP spid="17" grpId="0"/>
+      <p:bldP spid="18" grpId="0" animBg="1"/>
+    </p:bldLst>
+  </p:timing>
 </p:sld>
 </file>
 
@@ -12912,7 +15378,7 @@
         </p:blipFill>
         <p:spPr>
           <a:xfrm>
-            <a:off x="8265129" y="1499492"/>
+            <a:off x="8142667" y="1088146"/>
             <a:ext cx="3679065" cy="2489501"/>
           </a:xfrm>
           <a:prstGeom prst="rect">
@@ -13110,7 +15576,7 @@
         </p:nvSpPr>
         <p:spPr>
           <a:xfrm>
-            <a:off x="4737176" y="4857324"/>
+            <a:off x="4676216" y="4964182"/>
             <a:ext cx="2717647" cy="1015663"/>
           </a:xfrm>
           <a:prstGeom prst="rect">
@@ -13147,8 +15613,8 @@
         </p:nvSpPr>
         <p:spPr>
           <a:xfrm>
-            <a:off x="460532" y="1427036"/>
-            <a:ext cx="8259397" cy="2556982"/>
+            <a:off x="581163" y="882332"/>
+            <a:ext cx="6961563" cy="2677656"/>
           </a:xfrm>
           <a:prstGeom prst="rect">
             <a:avLst/>
@@ -13261,7 +15727,7 @@
         </p:nvSpPr>
         <p:spPr>
           <a:xfrm>
-            <a:off x="423081" y="4230806"/>
+            <a:off x="3749334" y="3611810"/>
             <a:ext cx="5611959" cy="492443"/>
           </a:xfrm>
           <a:prstGeom prst="rect">
@@ -13282,6 +15748,36 @@
           </a:p>
         </p:txBody>
       </p:sp>
+      <p:pic>
+        <p:nvPicPr>
+          <p:cNvPr id="5" name="Picture 4"/>
+          <p:cNvPicPr>
+            <a:picLocks noChangeAspect="1"/>
+          </p:cNvPicPr>
+          <p:nvPr/>
+        </p:nvPicPr>
+        <p:blipFill>
+          <a:blip r:embed="rId3">
+            <a:extLst>
+              <a:ext uri="{28A0092B-C50C-407E-A947-70E740481C1C}">
+                <a14:useLocalDpi xmlns:a14="http://schemas.microsoft.com/office/drawing/2010/main" val="0"/>
+              </a:ext>
+            </a:extLst>
+          </a:blip>
+          <a:stretch>
+            <a:fillRect/>
+          </a:stretch>
+        </p:blipFill>
+        <p:spPr>
+          <a:xfrm>
+            <a:off x="1464486" y="4205907"/>
+            <a:ext cx="1854894" cy="2318618"/>
+          </a:xfrm>
+          <a:prstGeom prst="rect">
+            <a:avLst/>
+          </a:prstGeom>
+        </p:spPr>
+      </p:pic>
     </p:spTree>
     <p:extLst>
       <p:ext uri="{BB962C8B-B14F-4D97-AF65-F5344CB8AC3E}">
@@ -13399,21 +15895,30 @@
                             </p:childTnLst>
                           </p:cTn>
                         </p:par>
+                      </p:childTnLst>
+                    </p:cTn>
+                  </p:par>
+                  <p:par>
+                    <p:cTn id="10" fill="hold">
+                      <p:stCondLst>
+                        <p:cond delay="indefinite"/>
+                      </p:stCondLst>
+                      <p:childTnLst>
                         <p:par>
-                          <p:cTn id="10" fill="hold">
+                          <p:cTn id="11" fill="hold">
                             <p:stCondLst>
-                              <p:cond delay="1000"/>
+                              <p:cond delay="0"/>
                             </p:stCondLst>
                             <p:childTnLst>
                               <p:par>
-                                <p:cTn id="11" presetID="10" presetClass="entr" presetSubtype="0" fill="hold" grpId="0" nodeType="afterEffect">
+                                <p:cTn id="12" presetID="10" presetClass="entr" presetSubtype="0" fill="hold" grpId="0" nodeType="clickEffect">
                                   <p:stCondLst>
                                     <p:cond delay="0"/>
                                   </p:stCondLst>
                                   <p:childTnLst>
                                     <p:set>
                                       <p:cBhvr>
-                                        <p:cTn id="12" dur="1" fill="hold">
+                                        <p:cTn id="13" dur="1" fill="hold">
                                           <p:stCondLst>
                                             <p:cond delay="0"/>
                                           </p:stCondLst>
@@ -13431,9 +15936,62 @@
                                     </p:set>
                                     <p:animEffect transition="in" filter="fade">
                                       <p:cBhvr>
-                                        <p:cTn id="13" dur="500"/>
+                                        <p:cTn id="14" dur="500"/>
                                         <p:tgtEl>
                                           <p:spTgt spid="9"/>
+                                        </p:tgtEl>
+                                      </p:cBhvr>
+                                    </p:animEffect>
+                                  </p:childTnLst>
+                                </p:cTn>
+                              </p:par>
+                            </p:childTnLst>
+                          </p:cTn>
+                        </p:par>
+                      </p:childTnLst>
+                    </p:cTn>
+                  </p:par>
+                  <p:par>
+                    <p:cTn id="15" fill="hold">
+                      <p:stCondLst>
+                        <p:cond delay="indefinite"/>
+                      </p:stCondLst>
+                      <p:childTnLst>
+                        <p:par>
+                          <p:cTn id="16" fill="hold">
+                            <p:stCondLst>
+                              <p:cond delay="0"/>
+                            </p:stCondLst>
+                            <p:childTnLst>
+                              <p:par>
+                                <p:cTn id="17" presetID="16" presetClass="entr" presetSubtype="21" fill="hold" nodeType="clickEffect">
+                                  <p:stCondLst>
+                                    <p:cond delay="0"/>
+                                  </p:stCondLst>
+                                  <p:childTnLst>
+                                    <p:set>
+                                      <p:cBhvr>
+                                        <p:cTn id="18" dur="1" fill="hold">
+                                          <p:stCondLst>
+                                            <p:cond delay="0"/>
+                                          </p:stCondLst>
+                                        </p:cTn>
+                                        <p:tgtEl>
+                                          <p:spTgt spid="5"/>
+                                        </p:tgtEl>
+                                        <p:attrNameLst>
+                                          <p:attrName>style.visibility</p:attrName>
+                                        </p:attrNameLst>
+                                      </p:cBhvr>
+                                      <p:to>
+                                        <p:strVal val="visible"/>
+                                      </p:to>
+                                    </p:set>
+                                    <p:animEffect transition="in" filter="barn(inVertical)">
+                                      <p:cBhvr>
+                                        <p:cTn id="19" dur="500"/>
+                                        <p:tgtEl>
+                                          <p:spTgt spid="5"/>
                                         </p:tgtEl>
                                       </p:cBhvr>
                                     </p:animEffect>
@@ -13515,6 +16073,138 @@
           </a:p>
         </p:txBody>
       </p:sp>
+      <p:pic>
+        <p:nvPicPr>
+          <p:cNvPr id="3" name="Picture 2"/>
+          <p:cNvPicPr>
+            <a:picLocks noChangeAspect="1"/>
+          </p:cNvPicPr>
+          <p:nvPr/>
+        </p:nvPicPr>
+        <p:blipFill>
+          <a:blip r:embed="rId2">
+            <a:extLst>
+              <a:ext uri="{28A0092B-C50C-407E-A947-70E740481C1C}">
+                <a14:useLocalDpi xmlns:a14="http://schemas.microsoft.com/office/drawing/2010/main" val="0"/>
+              </a:ext>
+            </a:extLst>
+          </a:blip>
+          <a:stretch>
+            <a:fillRect/>
+          </a:stretch>
+        </p:blipFill>
+        <p:spPr>
+          <a:xfrm>
+            <a:off x="1306132" y="1934179"/>
+            <a:ext cx="2647682" cy="2614586"/>
+          </a:xfrm>
+          <a:prstGeom prst="rect">
+            <a:avLst/>
+          </a:prstGeom>
+        </p:spPr>
+      </p:pic>
+      <p:sp>
+        <p:nvSpPr>
+          <p:cNvPr id="4" name="TextBox 3"/>
+          <p:cNvSpPr txBox="1"/>
+          <p:nvPr/>
+        </p:nvSpPr>
+        <p:spPr>
+          <a:xfrm>
+            <a:off x="4224271" y="3111489"/>
+            <a:ext cx="7129530" cy="707886"/>
+          </a:xfrm>
+          <a:prstGeom prst="rect">
+            <a:avLst/>
+          </a:prstGeom>
+          <a:noFill/>
+        </p:spPr>
+        <p:txBody>
+          <a:bodyPr wrap="square" rtlCol="0">
+            <a:spAutoFit/>
+          </a:bodyPr>
+          <a:lstStyle/>
+          <a:p>
+            <a:r>
+              <a:rPr lang="fr-FR" sz="4000" b="1" dirty="0">
+                <a:solidFill>
+                  <a:srgbClr val="0070C0"/>
+                </a:solidFill>
+                <a:cs typeface="Segoe UI" panose="020B0502040204020203" pitchFamily="34" charset="0"/>
+              </a:rPr>
+              <a:t>Le Problème avec </a:t>
+            </a:r>
+            <a:r>
+              <a:rPr lang="fr-FR" sz="4000" b="1" dirty="0">
+                <a:solidFill>
+                  <a:srgbClr val="0070C0"/>
+                </a:solidFill>
+                <a:ea typeface="Segoe UI" pitchFamily="34" charset="0"/>
+                <a:cs typeface="Segoe UI" pitchFamily="34" charset="0"/>
+              </a:rPr>
+              <a:t>Brute force ?!!</a:t>
+            </a:r>
+            <a:endParaRPr lang="fr-FR" sz="4000" b="1" dirty="0">
+              <a:solidFill>
+                <a:srgbClr val="0070C0"/>
+              </a:solidFill>
+            </a:endParaRPr>
+          </a:p>
+        </p:txBody>
+      </p:sp>
+    </p:spTree>
+    <p:extLst>
+      <p:ext uri="{BB962C8B-B14F-4D97-AF65-F5344CB8AC3E}">
+        <p14:creationId xmlns:p14="http://schemas.microsoft.com/office/powerpoint/2010/main" val="427931635"/>
+      </p:ext>
+    </p:extLst>
+  </p:cSld>
+  <p:clrMapOvr>
+    <a:masterClrMapping/>
+  </p:clrMapOvr>
+</p:sld>
+</file>
+
+<file path=ppt/slides/slide9.xml><?xml version="1.0" encoding="utf-8"?>
+<p:sld xmlns:a="http://schemas.openxmlformats.org/drawingml/2006/main" xmlns:r="http://schemas.openxmlformats.org/officeDocument/2006/relationships" xmlns:p="http://schemas.openxmlformats.org/presentationml/2006/main">
+  <p:cSld>
+    <p:spTree>
+      <p:nvGrpSpPr>
+        <p:cNvPr id="1" name=""/>
+        <p:cNvGrpSpPr/>
+        <p:nvPr/>
+      </p:nvGrpSpPr>
+      <p:grpSpPr>
+        <a:xfrm>
+          <a:off x="0" y="0"/>
+          <a:ext cx="0" cy="0"/>
+          <a:chOff x="0" y="0"/>
+          <a:chExt cx="0" cy="0"/>
+        </a:xfrm>
+      </p:grpSpPr>
+      <p:sp>
+        <p:nvSpPr>
+          <p:cNvPr id="2" name="Slide Number Placeholder 1"/>
+          <p:cNvSpPr>
+            <a:spLocks noGrp="1"/>
+          </p:cNvSpPr>
+          <p:nvPr>
+            <p:ph type="sldNum" sz="quarter" idx="12"/>
+          </p:nvPr>
+        </p:nvSpPr>
+        <p:spPr/>
+        <p:txBody>
+          <a:bodyPr/>
+          <a:lstStyle/>
+          <a:p>
+            <a:fld id="{2376E620-B82E-4BB3-B55A-C1C511C62C08}" type="slidenum">
+              <a:rPr lang="fr-FR" smtClean="0"/>
+              <a:t>9</a:t>
+            </a:fld>
+            <a:endParaRPr lang="fr-FR" dirty="0"/>
+          </a:p>
+        </p:txBody>
+      </p:sp>
       <p:cxnSp>
         <p:nvCxnSpPr>
           <p:cNvPr id="3" name="Connecteur droit 25"/>
@@ -13935,7 +16625,7 @@
         </p:nvSpPr>
         <p:spPr>
           <a:xfrm>
-            <a:off x="7123784" y="1808266"/>
+            <a:off x="7194862" y="1788897"/>
             <a:ext cx="2527488" cy="1200329"/>
           </a:xfrm>
           <a:prstGeom prst="rect">
@@ -14001,9 +16691,6 @@
                     <p:cTn id="3" fill="hold">
                       <p:stCondLst>
                         <p:cond delay="indefinite"/>
-                        <p:cond evt="onBegin" delay="0">
-                          <p:tn val="2"/>
-                        </p:cond>
                       </p:stCondLst>
                       <p:childTnLst>
                         <p:par>
@@ -14013,67 +16700,14 @@
                             </p:stCondLst>
                             <p:childTnLst>
                               <p:par>
-                                <p:cTn id="5" presetID="22" presetClass="entr" presetSubtype="4" fill="hold" nodeType="withEffect">
-                                  <p:stCondLst>
-                                    <p:cond delay="3700"/>
-                                  </p:stCondLst>
-                                  <p:childTnLst>
-                                    <p:set>
-                                      <p:cBhvr>
-                                        <p:cTn id="6" dur="1" fill="hold">
-                                          <p:stCondLst>
-                                            <p:cond delay="0"/>
-                                          </p:stCondLst>
-                                        </p:cTn>
-                                        <p:tgtEl>
-                                          <p:spTgt spid="10"/>
-                                        </p:tgtEl>
-                                        <p:attrNameLst>
-                                          <p:attrName>style.visibility</p:attrName>
-                                        </p:attrNameLst>
-                                      </p:cBhvr>
-                                      <p:to>
-                                        <p:strVal val="visible"/>
-                                      </p:to>
-                                    </p:set>
-                                    <p:animEffect transition="in" filter="wipe(down)">
-                                      <p:cBhvr>
-                                        <p:cTn id="7" dur="500"/>
-                                        <p:tgtEl>
-                                          <p:spTgt spid="10"/>
-                                        </p:tgtEl>
-                                      </p:cBhvr>
-                                    </p:animEffect>
-                                  </p:childTnLst>
-                                </p:cTn>
-                              </p:par>
-                            </p:childTnLst>
-                          </p:cTn>
-                        </p:par>
-                      </p:childTnLst>
-                    </p:cTn>
-                  </p:par>
-                  <p:par>
-                    <p:cTn id="8" fill="hold">
-                      <p:stCondLst>
-                        <p:cond delay="indefinite"/>
-                      </p:stCondLst>
-                      <p:childTnLst>
-                        <p:par>
-                          <p:cTn id="9" fill="hold">
-                            <p:stCondLst>
-                              <p:cond delay="0"/>
-                            </p:stCondLst>
-                            <p:childTnLst>
-                              <p:par>
-                                <p:cTn id="10" presetID="22" presetClass="entr" presetSubtype="4" fill="hold" grpId="0" nodeType="clickEffect">
+                                <p:cTn id="5" presetID="22" presetClass="entr" presetSubtype="4" fill="hold" grpId="0" nodeType="clickEffect">
                                   <p:stCondLst>
                                     <p:cond delay="0"/>
                                   </p:stCondLst>
                                   <p:childTnLst>
                                     <p:set>
                                       <p:cBhvr>
-                                        <p:cTn id="11" dur="1" fill="hold">
+                                        <p:cTn id="6" dur="1" fill="hold">
                                           <p:stCondLst>
                                             <p:cond delay="0"/>
                                           </p:stCondLst>
@@ -14091,7 +16725,7 @@
                                     </p:set>
                                     <p:animEffect transition="in" filter="wipe(down)">
                                       <p:cBhvr>
-                                        <p:cTn id="12" dur="200"/>
+                                        <p:cTn id="7" dur="200"/>
                                         <p:tgtEl>
                                           <p:spTgt spid="6"/>
                                         </p:tgtEl>
@@ -14104,20 +16738,20 @@
                           </p:cTn>
                         </p:par>
                         <p:par>
-                          <p:cTn id="13" fill="hold">
+                          <p:cTn id="8" fill="hold">
                             <p:stCondLst>
                               <p:cond delay="200"/>
                             </p:stCondLst>
                             <p:childTnLst>
                               <p:par>
-                                <p:cTn id="14" presetID="22" presetClass="entr" presetSubtype="4" fill="hold" grpId="0" nodeType="afterEffect">
+                                <p:cTn id="9" presetID="22" presetClass="entr" presetSubtype="4" fill="hold" grpId="0" nodeType="afterEffect">
                                   <p:stCondLst>
                                     <p:cond delay="0"/>
                                   </p:stCondLst>
                                   <p:childTnLst>
                                     <p:set>
                                       <p:cBhvr>
-                                        <p:cTn id="15" dur="1" fill="hold">
+                                        <p:cTn id="10" dur="1" fill="hold">
                                           <p:stCondLst>
                                             <p:cond delay="0"/>
                                           </p:stCondLst>
@@ -14135,7 +16769,7 @@
                                     </p:set>
                                     <p:animEffect transition="in" filter="wipe(down)">
                                       <p:cBhvr>
-                                        <p:cTn id="16" dur="800"/>
+                                        <p:cTn id="11" dur="800"/>
                                         <p:tgtEl>
                                           <p:spTgt spid="7"/>
                                         </p:tgtEl>
@@ -14151,26 +16785,26 @@
                     </p:cTn>
                   </p:par>
                   <p:par>
-                    <p:cTn id="17" fill="hold">
+                    <p:cTn id="12" fill="hold">
                       <p:stCondLst>
                         <p:cond delay="indefinite"/>
                       </p:stCondLst>
                       <p:childTnLst>
                         <p:par>
-                          <p:cTn id="18" fill="hold">
+                          <p:cTn id="13" fill="hold">
                             <p:stCondLst>
                               <p:cond delay="0"/>
                             </p:stCondLst>
                             <p:childTnLst>
                               <p:par>
-                                <p:cTn id="19" presetID="22" presetClass="entr" presetSubtype="4" fill="hold" grpId="0" nodeType="clickEffect">
+                                <p:cTn id="14" presetID="22" presetClass="entr" presetSubtype="4" fill="hold" grpId="0" nodeType="clickEffect">
                                   <p:stCondLst>
                                     <p:cond delay="0"/>
                                   </p:stCondLst>
                                   <p:childTnLst>
                                     <p:set>
                                       <p:cBhvr>
-                                        <p:cTn id="20" dur="1" fill="hold">
+                                        <p:cTn id="15" dur="1" fill="hold">
                                           <p:stCondLst>
                                             <p:cond delay="0"/>
                                           </p:stCondLst>
@@ -14188,7 +16822,7 @@
                                     </p:set>
                                     <p:animEffect transition="in" filter="wipe(down)">
                                       <p:cBhvr>
-                                        <p:cTn id="21" dur="500"/>
+                                        <p:cTn id="16" dur="500"/>
                                         <p:tgtEl>
                                           <p:spTgt spid="8"/>
                                         </p:tgtEl>
@@ -14198,14 +16832,14 @@
                                 </p:cTn>
                               </p:par>
                               <p:par>
-                                <p:cTn id="22" presetID="22" presetClass="entr" presetSubtype="4" fill="hold" grpId="0" nodeType="withEffect">
+                                <p:cTn id="17" presetID="22" presetClass="entr" presetSubtype="4" fill="hold" grpId="0" nodeType="withEffect">
                                   <p:stCondLst>
                                     <p:cond delay="0"/>
                                   </p:stCondLst>
                                   <p:childTnLst>
                                     <p:set>
                                       <p:cBhvr>
-                                        <p:cTn id="23" dur="1" fill="hold">
+                                        <p:cTn id="18" dur="1" fill="hold">
                                           <p:stCondLst>
                                             <p:cond delay="0"/>
                                           </p:stCondLst>
@@ -14223,7 +16857,7 @@
                                     </p:set>
                                     <p:animEffect transition="in" filter="wipe(down)">
                                       <p:cBhvr>
-                                        <p:cTn id="24" dur="500"/>
+                                        <p:cTn id="19" dur="500"/>
                                         <p:tgtEl>
                                           <p:spTgt spid="9"/>
                                         </p:tgtEl>
@@ -14239,26 +16873,26 @@
                     </p:cTn>
                   </p:par>
                   <p:par>
-                    <p:cTn id="25" fill="hold">
+                    <p:cTn id="20" fill="hold">
                       <p:stCondLst>
                         <p:cond delay="indefinite"/>
                       </p:stCondLst>
                       <p:childTnLst>
                         <p:par>
-                          <p:cTn id="26" fill="hold">
+                          <p:cTn id="21" fill="hold">
                             <p:stCondLst>
                               <p:cond delay="0"/>
                             </p:stCondLst>
                             <p:childTnLst>
                               <p:par>
-                                <p:cTn id="27" presetID="22" presetClass="entr" presetSubtype="4" fill="hold" grpId="0" nodeType="clickEffect">
+                                <p:cTn id="22" presetID="22" presetClass="entr" presetSubtype="4" fill="hold" grpId="0" nodeType="clickEffect">
                                   <p:stCondLst>
                                     <p:cond delay="0"/>
                                   </p:stCondLst>
                                   <p:childTnLst>
                                     <p:set>
                                       <p:cBhvr>
-                                        <p:cTn id="28" dur="1" fill="hold">
+                                        <p:cTn id="23" dur="1" fill="hold">
                                           <p:stCondLst>
                                             <p:cond delay="0"/>
                                           </p:stCondLst>
@@ -14276,7 +16910,7 @@
                                     </p:set>
                                     <p:animEffect transition="in" filter="wipe(down)">
                                       <p:cBhvr>
-                                        <p:cTn id="29" dur="200"/>
+                                        <p:cTn id="24" dur="200"/>
                                         <p:tgtEl>
                                           <p:spTgt spid="11"/>
                                         </p:tgtEl>
@@ -14289,20 +16923,20 @@
                           </p:cTn>
                         </p:par>
                         <p:par>
-                          <p:cTn id="30" fill="hold">
+                          <p:cTn id="25" fill="hold">
                             <p:stCondLst>
                               <p:cond delay="200"/>
                             </p:stCondLst>
                             <p:childTnLst>
                               <p:par>
-                                <p:cTn id="31" presetID="22" presetClass="entr" presetSubtype="4" fill="hold" grpId="0" nodeType="afterEffect">
+                                <p:cTn id="26" presetID="22" presetClass="entr" presetSubtype="4" fill="hold" grpId="0" nodeType="afterEffect">
                                   <p:stCondLst>
                                     <p:cond delay="0"/>
                                   </p:stCondLst>
                                   <p:childTnLst>
                                     <p:set>
                                       <p:cBhvr>
-                                        <p:cTn id="32" dur="1" fill="hold">
+                                        <p:cTn id="27" dur="1" fill="hold">
                                           <p:stCondLst>
                                             <p:cond delay="0"/>
                                           </p:stCondLst>
@@ -14320,7 +16954,7 @@
                                     </p:set>
                                     <p:animEffect transition="in" filter="wipe(down)">
                                       <p:cBhvr>
-                                        <p:cTn id="33" dur="800"/>
+                                        <p:cTn id="28" dur="800"/>
                                         <p:tgtEl>
                                           <p:spTgt spid="12"/>
                                         </p:tgtEl>
@@ -14363,1232 +16997,6 @@
       <p:bldP spid="9" grpId="0"/>
       <p:bldP spid="11" grpId="0" animBg="1"/>
       <p:bldP spid="12" grpId="0"/>
-    </p:bldLst>
-  </p:timing>
-</p:sld>
-</file>
-
-<file path=ppt/slides/slide9.xml><?xml version="1.0" encoding="utf-8"?>
-<p:sld xmlns:a="http://schemas.openxmlformats.org/drawingml/2006/main" xmlns:r="http://schemas.openxmlformats.org/officeDocument/2006/relationships" xmlns:p="http://schemas.openxmlformats.org/presentationml/2006/main">
-  <p:cSld>
-    <p:spTree>
-      <p:nvGrpSpPr>
-        <p:cNvPr id="1" name=""/>
-        <p:cNvGrpSpPr/>
-        <p:nvPr/>
-      </p:nvGrpSpPr>
-      <p:grpSpPr>
-        <a:xfrm>
-          <a:off x="0" y="0"/>
-          <a:ext cx="0" cy="0"/>
-          <a:chOff x="0" y="0"/>
-          <a:chExt cx="0" cy="0"/>
-        </a:xfrm>
-      </p:grpSpPr>
-      <p:sp>
-        <p:nvSpPr>
-          <p:cNvPr id="5" name="object 8"/>
-          <p:cNvSpPr txBox="1"/>
-          <p:nvPr/>
-        </p:nvSpPr>
-        <p:spPr>
-          <a:xfrm>
-            <a:off x="507274" y="1407505"/>
-            <a:ext cx="5198206" cy="692497"/>
-          </a:xfrm>
-          <a:prstGeom prst="rect">
-            <a:avLst/>
-          </a:prstGeom>
-        </p:spPr>
-        <p:txBody>
-          <a:bodyPr vert="horz" wrap="square" lIns="0" tIns="0" rIns="0" bIns="0" rtlCol="0">
-            <a:spAutoFit/>
-          </a:bodyPr>
-          <a:lstStyle/>
-          <a:p>
-            <a:pPr marL="12700" algn="ctr"/>
-            <a:br>
-              <a:rPr lang="fr-FR" sz="2400" dirty="0"/>
-            </a:br>
-            <a:endParaRPr lang="fr-FR" sz="2100" b="1" spc="-5" dirty="0">
-              <a:solidFill>
-                <a:srgbClr val="000090"/>
-              </a:solidFill>
-              <a:cs typeface="Calibri"/>
-            </a:endParaRPr>
-          </a:p>
-        </p:txBody>
-      </p:sp>
-      <p:sp>
-        <p:nvSpPr>
-          <p:cNvPr id="8" name="Slide Number Placeholder 7">
-            <a:extLst>
-              <a:ext uri="{FF2B5EF4-FFF2-40B4-BE49-F238E27FC236}">
-                <a16:creationId xmlns:a16="http://schemas.microsoft.com/office/drawing/2014/main" id="{3D3B08F8-1B6C-4F53-8B34-B6D10DAC3622}"/>
-              </a:ext>
-            </a:extLst>
-          </p:cNvPr>
-          <p:cNvSpPr>
-            <a:spLocks noGrp="1"/>
-          </p:cNvSpPr>
-          <p:nvPr>
-            <p:ph type="sldNum" sz="quarter" idx="12"/>
-          </p:nvPr>
-        </p:nvSpPr>
-        <p:spPr>
-          <a:xfrm>
-            <a:off x="8610600" y="6356350"/>
-            <a:ext cx="2743200" cy="365125"/>
-          </a:xfrm>
-        </p:spPr>
-        <p:txBody>
-          <a:bodyPr/>
-          <a:lstStyle/>
-          <a:p>
-            <a:fld id="{2376E620-B82E-4BB3-B55A-C1C511C62C08}" type="slidenum">
-              <a:rPr lang="fr-FR" smtClean="0"/>
-              <a:t>9</a:t>
-            </a:fld>
-            <a:endParaRPr lang="fr-FR"/>
-          </a:p>
-        </p:txBody>
-      </p:sp>
-      <p:pic>
-        <p:nvPicPr>
-          <p:cNvPr id="4" name="Picture 3"/>
-          <p:cNvPicPr>
-            <a:picLocks noChangeAspect="1"/>
-          </p:cNvPicPr>
-          <p:nvPr/>
-        </p:nvPicPr>
-        <p:blipFill>
-          <a:blip r:embed="rId2">
-            <a:extLst>
-              <a:ext uri="{28A0092B-C50C-407E-A947-70E740481C1C}">
-                <a14:useLocalDpi xmlns:a14="http://schemas.microsoft.com/office/drawing/2010/main" val="0"/>
-              </a:ext>
-            </a:extLst>
-          </a:blip>
-          <a:stretch>
-            <a:fillRect/>
-          </a:stretch>
-        </p:blipFill>
-        <p:spPr>
-          <a:xfrm>
-            <a:off x="988923" y="1488072"/>
-            <a:ext cx="1971675" cy="2411981"/>
-          </a:xfrm>
-          <a:prstGeom prst="rect">
-            <a:avLst/>
-          </a:prstGeom>
-        </p:spPr>
-      </p:pic>
-      <p:pic>
-        <p:nvPicPr>
-          <p:cNvPr id="11" name="Picture 10"/>
-          <p:cNvPicPr>
-            <a:picLocks noChangeAspect="1"/>
-          </p:cNvPicPr>
-          <p:nvPr/>
-        </p:nvPicPr>
-        <p:blipFill>
-          <a:blip r:embed="rId3">
-            <a:extLst>
-              <a:ext uri="{28A0092B-C50C-407E-A947-70E740481C1C}">
-                <a14:useLocalDpi xmlns:a14="http://schemas.microsoft.com/office/drawing/2010/main" val="0"/>
-              </a:ext>
-            </a:extLst>
-          </a:blip>
-          <a:stretch>
-            <a:fillRect/>
-          </a:stretch>
-        </p:blipFill>
-        <p:spPr>
-          <a:xfrm>
-            <a:off x="5000658" y="1400191"/>
-            <a:ext cx="1931831" cy="2499863"/>
-          </a:xfrm>
-          <a:prstGeom prst="rect">
-            <a:avLst/>
-          </a:prstGeom>
-        </p:spPr>
-      </p:pic>
-      <p:pic>
-        <p:nvPicPr>
-          <p:cNvPr id="15" name="Picture 14"/>
-          <p:cNvPicPr>
-            <a:picLocks noChangeAspect="1"/>
-          </p:cNvPicPr>
-          <p:nvPr/>
-        </p:nvPicPr>
-        <p:blipFill>
-          <a:blip r:embed="rId4">
-            <a:extLst>
-              <a:ext uri="{28A0092B-C50C-407E-A947-70E740481C1C}">
-                <a14:useLocalDpi xmlns:a14="http://schemas.microsoft.com/office/drawing/2010/main" val="0"/>
-              </a:ext>
-            </a:extLst>
-          </a:blip>
-          <a:stretch>
-            <a:fillRect/>
-          </a:stretch>
-        </p:blipFill>
-        <p:spPr>
-          <a:xfrm>
-            <a:off x="8972550" y="1500289"/>
-            <a:ext cx="2141918" cy="2399766"/>
-          </a:xfrm>
-          <a:prstGeom prst="rect">
-            <a:avLst/>
-          </a:prstGeom>
-        </p:spPr>
-      </p:pic>
-      <p:sp>
-        <p:nvSpPr>
-          <p:cNvPr id="16" name="TextBox 15"/>
-          <p:cNvSpPr txBox="1"/>
-          <p:nvPr/>
-        </p:nvSpPr>
-        <p:spPr>
-          <a:xfrm>
-            <a:off x="3670478" y="5416640"/>
-            <a:ext cx="5937161" cy="400110"/>
-          </a:xfrm>
-          <a:prstGeom prst="rect">
-            <a:avLst/>
-          </a:prstGeom>
-          <a:noFill/>
-        </p:spPr>
-        <p:txBody>
-          <a:bodyPr wrap="square" rtlCol="0">
-            <a:spAutoFit/>
-          </a:bodyPr>
-          <a:lstStyle/>
-          <a:p>
-            <a:r>
-              <a:rPr lang="fr-FR" sz="2000" dirty="0">
-                <a:latin typeface="Segoe UI" panose="020B0502040204020203" pitchFamily="34" charset="0"/>
-                <a:cs typeface="Segoe UI" panose="020B0502040204020203" pitchFamily="34" charset="0"/>
-              </a:rPr>
-              <a:t>Ont proposé un autre Algorithme  appelé  </a:t>
-            </a:r>
-            <a:r>
-              <a:rPr lang="fr-FR" sz="2000" b="1" dirty="0">
-                <a:solidFill>
-                  <a:srgbClr val="C00000"/>
-                </a:solidFill>
-                <a:latin typeface="Segoe UI" panose="020B0502040204020203" pitchFamily="34" charset="0"/>
-                <a:cs typeface="Segoe UI" panose="020B0502040204020203" pitchFamily="34" charset="0"/>
-              </a:rPr>
-              <a:t>KMP</a:t>
-            </a:r>
-            <a:r>
-              <a:rPr lang="fr-FR" sz="2000" b="1" dirty="0">
-                <a:latin typeface="Segoe UI" panose="020B0502040204020203" pitchFamily="34" charset="0"/>
-                <a:cs typeface="Segoe UI" panose="020B0502040204020203" pitchFamily="34" charset="0"/>
-              </a:rPr>
-              <a:t> </a:t>
-            </a:r>
-          </a:p>
-        </p:txBody>
-      </p:sp>
-      <p:sp>
-        <p:nvSpPr>
-          <p:cNvPr id="18" name="TextBox 17"/>
-          <p:cNvSpPr txBox="1"/>
-          <p:nvPr/>
-        </p:nvSpPr>
-        <p:spPr>
-          <a:xfrm>
-            <a:off x="2785404" y="4253744"/>
-            <a:ext cx="4147086" cy="369332"/>
-          </a:xfrm>
-          <a:prstGeom prst="rect">
-            <a:avLst/>
-          </a:prstGeom>
-          <a:noFill/>
-        </p:spPr>
-        <p:txBody>
-          <a:bodyPr wrap="square" rtlCol="0">
-            <a:spAutoFit/>
-          </a:bodyPr>
-          <a:lstStyle/>
-          <a:p>
-            <a:r>
-              <a:rPr lang="fr-FR" dirty="0">
-                <a:solidFill>
-                  <a:schemeClr val="bg2">
-                    <a:lumMod val="25000"/>
-                  </a:schemeClr>
-                </a:solidFill>
-                <a:latin typeface="Segoe UI" panose="020B0502040204020203" pitchFamily="34" charset="0"/>
-                <a:cs typeface="Segoe UI" panose="020B0502040204020203" pitchFamily="34" charset="0"/>
-              </a:rPr>
-              <a:t>,                                  </a:t>
-            </a:r>
-            <a:r>
-              <a:rPr lang="fr-FR" b="1" dirty="0">
-                <a:solidFill>
-                  <a:schemeClr val="bg2">
-                    <a:lumMod val="25000"/>
-                  </a:schemeClr>
-                </a:solidFill>
-                <a:latin typeface="Segoe UI" panose="020B0502040204020203" pitchFamily="34" charset="0"/>
-                <a:cs typeface="Segoe UI" panose="020B0502040204020203" pitchFamily="34" charset="0"/>
-              </a:rPr>
-              <a:t>James H. </a:t>
-            </a:r>
-            <a:r>
-              <a:rPr lang="fr-FR" b="1" dirty="0">
-                <a:solidFill>
-                  <a:srgbClr val="C00000"/>
-                </a:solidFill>
-                <a:latin typeface="Segoe UI" panose="020B0502040204020203" pitchFamily="34" charset="0"/>
-                <a:cs typeface="Segoe UI" panose="020B0502040204020203" pitchFamily="34" charset="0"/>
-              </a:rPr>
-              <a:t>M</a:t>
-            </a:r>
-            <a:r>
-              <a:rPr lang="fr-FR" b="1" dirty="0">
-                <a:solidFill>
-                  <a:schemeClr val="bg2">
-                    <a:lumMod val="25000"/>
-                  </a:schemeClr>
-                </a:solidFill>
-                <a:latin typeface="Segoe UI" panose="020B0502040204020203" pitchFamily="34" charset="0"/>
-                <a:cs typeface="Segoe UI" panose="020B0502040204020203" pitchFamily="34" charset="0"/>
-              </a:rPr>
-              <a:t>orris</a:t>
-            </a:r>
-          </a:p>
-        </p:txBody>
-      </p:sp>
-      <p:sp>
-        <p:nvSpPr>
-          <p:cNvPr id="2" name="ZoneTexte 1">
-            <a:extLst>
-              <a:ext uri="{FF2B5EF4-FFF2-40B4-BE49-F238E27FC236}">
-                <a16:creationId xmlns:a16="http://schemas.microsoft.com/office/drawing/2014/main" id="{F60FB412-68BF-4F91-8EBD-4D6989468D53}"/>
-              </a:ext>
-            </a:extLst>
-          </p:cNvPr>
-          <p:cNvSpPr txBox="1"/>
-          <p:nvPr/>
-        </p:nvSpPr>
-        <p:spPr>
-          <a:xfrm>
-            <a:off x="1077532" y="4302460"/>
-            <a:ext cx="1707871" cy="369332"/>
-          </a:xfrm>
-          <a:prstGeom prst="rect">
-            <a:avLst/>
-          </a:prstGeom>
-          <a:noFill/>
-        </p:spPr>
-        <p:txBody>
-          <a:bodyPr wrap="square" rtlCol="0">
-            <a:spAutoFit/>
-          </a:bodyPr>
-          <a:lstStyle/>
-          <a:p>
-            <a:r>
-              <a:rPr lang="fr-FR" b="1" dirty="0">
-                <a:solidFill>
-                  <a:schemeClr val="bg2">
-                    <a:lumMod val="25000"/>
-                  </a:schemeClr>
-                </a:solidFill>
-                <a:latin typeface="Segoe UI" panose="020B0502040204020203" pitchFamily="34" charset="0"/>
-                <a:cs typeface="Segoe UI" panose="020B0502040204020203" pitchFamily="34" charset="0"/>
-              </a:rPr>
-              <a:t>Donald </a:t>
-            </a:r>
-            <a:r>
-              <a:rPr lang="fr-FR" b="1" dirty="0" err="1">
-                <a:solidFill>
-                  <a:srgbClr val="C00000"/>
-                </a:solidFill>
-                <a:latin typeface="Segoe UI" panose="020B0502040204020203" pitchFamily="34" charset="0"/>
-                <a:cs typeface="Segoe UI" panose="020B0502040204020203" pitchFamily="34" charset="0"/>
-              </a:rPr>
-              <a:t>K</a:t>
-            </a:r>
-            <a:r>
-              <a:rPr lang="fr-FR" b="1" dirty="0" err="1">
-                <a:solidFill>
-                  <a:schemeClr val="bg2">
-                    <a:lumMod val="25000"/>
-                  </a:schemeClr>
-                </a:solidFill>
-                <a:latin typeface="Segoe UI" panose="020B0502040204020203" pitchFamily="34" charset="0"/>
-                <a:cs typeface="Segoe UI" panose="020B0502040204020203" pitchFamily="34" charset="0"/>
-              </a:rPr>
-              <a:t>nuth</a:t>
-            </a:r>
-            <a:endParaRPr lang="en-US" dirty="0"/>
-          </a:p>
-        </p:txBody>
-      </p:sp>
-      <p:sp>
-        <p:nvSpPr>
-          <p:cNvPr id="3" name="ZoneTexte 2">
-            <a:extLst>
-              <a:ext uri="{FF2B5EF4-FFF2-40B4-BE49-F238E27FC236}">
-                <a16:creationId xmlns:a16="http://schemas.microsoft.com/office/drawing/2014/main" id="{0EE5D5C9-28B3-4E30-93AF-67D1AD1671F0}"/>
-              </a:ext>
-            </a:extLst>
-          </p:cNvPr>
-          <p:cNvSpPr txBox="1"/>
-          <p:nvPr/>
-        </p:nvSpPr>
-        <p:spPr>
-          <a:xfrm>
-            <a:off x="7888742" y="4211163"/>
-            <a:ext cx="3225726" cy="369332"/>
-          </a:xfrm>
-          <a:prstGeom prst="rect">
-            <a:avLst/>
-          </a:prstGeom>
-          <a:noFill/>
-        </p:spPr>
-        <p:txBody>
-          <a:bodyPr wrap="square" rtlCol="0">
-            <a:spAutoFit/>
-          </a:bodyPr>
-          <a:lstStyle/>
-          <a:p>
-            <a:r>
-              <a:rPr lang="fr-FR" b="1" dirty="0">
-                <a:solidFill>
-                  <a:schemeClr val="bg2">
-                    <a:lumMod val="25000"/>
-                  </a:schemeClr>
-                </a:solidFill>
-                <a:latin typeface="Segoe UI" panose="020B0502040204020203" pitchFamily="34" charset="0"/>
-                <a:cs typeface="Segoe UI" panose="020B0502040204020203" pitchFamily="34" charset="0"/>
-              </a:rPr>
-              <a:t>et                  Vaughan </a:t>
-            </a:r>
-            <a:r>
-              <a:rPr lang="fr-FR" b="1" dirty="0">
-                <a:solidFill>
-                  <a:srgbClr val="C00000"/>
-                </a:solidFill>
-                <a:latin typeface="Segoe UI" panose="020B0502040204020203" pitchFamily="34" charset="0"/>
-                <a:cs typeface="Segoe UI" panose="020B0502040204020203" pitchFamily="34" charset="0"/>
-              </a:rPr>
-              <a:t>P</a:t>
-            </a:r>
-            <a:r>
-              <a:rPr lang="fr-FR" b="1" dirty="0">
-                <a:solidFill>
-                  <a:schemeClr val="bg2">
-                    <a:lumMod val="25000"/>
-                  </a:schemeClr>
-                </a:solidFill>
-                <a:latin typeface="Segoe UI" panose="020B0502040204020203" pitchFamily="34" charset="0"/>
-                <a:cs typeface="Segoe UI" panose="020B0502040204020203" pitchFamily="34" charset="0"/>
-              </a:rPr>
-              <a:t>ratt</a:t>
-            </a:r>
-            <a:endParaRPr lang="en-US" dirty="0"/>
-          </a:p>
-        </p:txBody>
-      </p:sp>
-      <p:cxnSp>
-        <p:nvCxnSpPr>
-          <p:cNvPr id="12" name="Connecteur droit 25">
-            <a:extLst>
-              <a:ext uri="{FF2B5EF4-FFF2-40B4-BE49-F238E27FC236}">
-                <a16:creationId xmlns:a16="http://schemas.microsoft.com/office/drawing/2014/main" id="{6C2C9A73-CCCE-46C2-9A6E-DFF576B4AE10}"/>
-              </a:ext>
-            </a:extLst>
-          </p:cNvPr>
-          <p:cNvCxnSpPr>
-            <a:cxnSpLocks/>
-          </p:cNvCxnSpPr>
-          <p:nvPr/>
-        </p:nvCxnSpPr>
-        <p:spPr>
-          <a:xfrm>
-            <a:off x="0" y="891137"/>
-            <a:ext cx="5377218" cy="0"/>
-          </a:xfrm>
-          <a:prstGeom prst="line">
-            <a:avLst/>
-          </a:prstGeom>
-          <a:ln/>
-        </p:spPr>
-        <p:style>
-          <a:lnRef idx="1">
-            <a:schemeClr val="accent1"/>
-          </a:lnRef>
-          <a:fillRef idx="0">
-            <a:schemeClr val="accent1"/>
-          </a:fillRef>
-          <a:effectRef idx="0">
-            <a:schemeClr val="accent1"/>
-          </a:effectRef>
-          <a:fontRef idx="minor">
-            <a:schemeClr val="tx1"/>
-          </a:fontRef>
-        </p:style>
-      </p:cxnSp>
-      <p:sp>
-        <p:nvSpPr>
-          <p:cNvPr id="13" name="Titre 1">
-            <a:extLst>
-              <a:ext uri="{FF2B5EF4-FFF2-40B4-BE49-F238E27FC236}">
-                <a16:creationId xmlns:a16="http://schemas.microsoft.com/office/drawing/2014/main" id="{AEE38FB1-98EE-4AA1-B363-1D165F89F415}"/>
-              </a:ext>
-            </a:extLst>
-          </p:cNvPr>
-          <p:cNvSpPr txBox="1">
-            <a:spLocks/>
-          </p:cNvSpPr>
-          <p:nvPr/>
-        </p:nvSpPr>
-        <p:spPr>
-          <a:xfrm>
-            <a:off x="343687" y="264818"/>
-            <a:ext cx="5035353" cy="810950"/>
-          </a:xfrm>
-          <a:prstGeom prst="rect">
-            <a:avLst/>
-          </a:prstGeom>
-        </p:spPr>
-        <p:txBody>
-          <a:bodyPr>
-            <a:normAutofit fontScale="97500"/>
-          </a:bodyPr>
-          <a:lstStyle>
-            <a:lvl1pPr algn="l" defTabSz="914400" rtl="0" eaLnBrk="1" latinLnBrk="0" hangingPunct="1">
-              <a:lnSpc>
-                <a:spcPct val="90000"/>
-              </a:lnSpc>
-              <a:spcBef>
-                <a:spcPct val="0"/>
-              </a:spcBef>
-              <a:buNone/>
-              <a:defRPr sz="4400" kern="1200">
-                <a:solidFill>
-                  <a:schemeClr val="tx1"/>
-                </a:solidFill>
-                <a:latin typeface="+mj-lt"/>
-                <a:ea typeface="+mj-ea"/>
-                <a:cs typeface="+mj-cs"/>
-              </a:defRPr>
-            </a:lvl1pPr>
-          </a:lstStyle>
-          <a:p>
-            <a:r>
-              <a:rPr lang="fr-FR" sz="3800" dirty="0">
-                <a:solidFill>
-                  <a:schemeClr val="bg2">
-                    <a:lumMod val="50000"/>
-                  </a:schemeClr>
-                </a:solidFill>
-                <a:latin typeface="Segoe UI" panose="020B0502040204020203" pitchFamily="34" charset="0"/>
-                <a:cs typeface="Segoe UI" panose="020B0502040204020203" pitchFamily="34" charset="0"/>
-              </a:rPr>
-              <a:t>Autre solution proposé</a:t>
-            </a:r>
-            <a:endParaRPr lang="fr-FR" sz="3800" dirty="0">
-              <a:solidFill>
-                <a:schemeClr val="bg2">
-                  <a:lumMod val="50000"/>
-                </a:schemeClr>
-              </a:solidFill>
-            </a:endParaRPr>
-          </a:p>
-        </p:txBody>
-      </p:sp>
-    </p:spTree>
-    <p:extLst>
-      <p:ext uri="{BB962C8B-B14F-4D97-AF65-F5344CB8AC3E}">
-        <p14:creationId xmlns:p14="http://schemas.microsoft.com/office/powerpoint/2010/main" val="1699982982"/>
-      </p:ext>
-    </p:extLst>
-  </p:cSld>
-  <p:clrMapOvr>
-    <a:masterClrMapping/>
-  </p:clrMapOvr>
-  <p:transition spd="slow">
-    <p:pull/>
-  </p:transition>
-  <p:timing>
-    <p:tnLst>
-      <p:par>
-        <p:cTn id="1" dur="indefinite" restart="never" nodeType="tmRoot">
-          <p:childTnLst>
-            <p:seq concurrent="1" nextAc="seek">
-              <p:cTn id="2" dur="indefinite" nodeType="mainSeq">
-                <p:childTnLst>
-                  <p:par>
-                    <p:cTn id="3" fill="hold">
-                      <p:stCondLst>
-                        <p:cond delay="indefinite"/>
-                      </p:stCondLst>
-                      <p:childTnLst>
-                        <p:par>
-                          <p:cTn id="4" fill="hold">
-                            <p:stCondLst>
-                              <p:cond delay="0"/>
-                            </p:stCondLst>
-                            <p:childTnLst>
-                              <p:par>
-                                <p:cTn id="5" presetID="42" presetClass="entr" presetSubtype="0" fill="hold" nodeType="clickEffect">
-                                  <p:stCondLst>
-                                    <p:cond delay="0"/>
-                                  </p:stCondLst>
-                                  <p:childTnLst>
-                                    <p:set>
-                                      <p:cBhvr>
-                                        <p:cTn id="6" dur="1" fill="hold">
-                                          <p:stCondLst>
-                                            <p:cond delay="0"/>
-                                          </p:stCondLst>
-                                        </p:cTn>
-                                        <p:tgtEl>
-                                          <p:spTgt spid="4"/>
-                                        </p:tgtEl>
-                                        <p:attrNameLst>
-                                          <p:attrName>style.visibility</p:attrName>
-                                        </p:attrNameLst>
-                                      </p:cBhvr>
-                                      <p:to>
-                                        <p:strVal val="visible"/>
-                                      </p:to>
-                                    </p:set>
-                                    <p:animEffect transition="in" filter="fade">
-                                      <p:cBhvr>
-                                        <p:cTn id="7" dur="1000"/>
-                                        <p:tgtEl>
-                                          <p:spTgt spid="4"/>
-                                        </p:tgtEl>
-                                      </p:cBhvr>
-                                    </p:animEffect>
-                                    <p:anim calcmode="lin" valueType="num">
-                                      <p:cBhvr>
-                                        <p:cTn id="8" dur="1000" fill="hold"/>
-                                        <p:tgtEl>
-                                          <p:spTgt spid="4"/>
-                                        </p:tgtEl>
-                                        <p:attrNameLst>
-                                          <p:attrName>ppt_x</p:attrName>
-                                        </p:attrNameLst>
-                                      </p:cBhvr>
-                                      <p:tavLst>
-                                        <p:tav tm="0">
-                                          <p:val>
-                                            <p:strVal val="#ppt_x"/>
-                                          </p:val>
-                                        </p:tav>
-                                        <p:tav tm="100000">
-                                          <p:val>
-                                            <p:strVal val="#ppt_x"/>
-                                          </p:val>
-                                        </p:tav>
-                                      </p:tavLst>
-                                    </p:anim>
-                                    <p:anim calcmode="lin" valueType="num">
-                                      <p:cBhvr>
-                                        <p:cTn id="9" dur="1000" fill="hold"/>
-                                        <p:tgtEl>
-                                          <p:spTgt spid="4"/>
-                                        </p:tgtEl>
-                                        <p:attrNameLst>
-                                          <p:attrName>ppt_y</p:attrName>
-                                        </p:attrNameLst>
-                                      </p:cBhvr>
-                                      <p:tavLst>
-                                        <p:tav tm="0">
-                                          <p:val>
-                                            <p:strVal val="#ppt_y+.1"/>
-                                          </p:val>
-                                        </p:tav>
-                                        <p:tav tm="100000">
-                                          <p:val>
-                                            <p:strVal val="#ppt_y"/>
-                                          </p:val>
-                                        </p:tav>
-                                      </p:tavLst>
-                                    </p:anim>
-                                  </p:childTnLst>
-                                </p:cTn>
-                              </p:par>
-                              <p:par>
-                                <p:cTn id="10" presetID="42" presetClass="entr" presetSubtype="0" fill="hold" grpId="0" nodeType="withEffect">
-                                  <p:stCondLst>
-                                    <p:cond delay="0"/>
-                                  </p:stCondLst>
-                                  <p:childTnLst>
-                                    <p:set>
-                                      <p:cBhvr>
-                                        <p:cTn id="11" dur="1" fill="hold">
-                                          <p:stCondLst>
-                                            <p:cond delay="0"/>
-                                          </p:stCondLst>
-                                        </p:cTn>
-                                        <p:tgtEl>
-                                          <p:spTgt spid="2"/>
-                                        </p:tgtEl>
-                                        <p:attrNameLst>
-                                          <p:attrName>style.visibility</p:attrName>
-                                        </p:attrNameLst>
-                                      </p:cBhvr>
-                                      <p:to>
-                                        <p:strVal val="visible"/>
-                                      </p:to>
-                                    </p:set>
-                                    <p:animEffect transition="in" filter="fade">
-                                      <p:cBhvr>
-                                        <p:cTn id="12" dur="1000"/>
-                                        <p:tgtEl>
-                                          <p:spTgt spid="2"/>
-                                        </p:tgtEl>
-                                      </p:cBhvr>
-                                    </p:animEffect>
-                                    <p:anim calcmode="lin" valueType="num">
-                                      <p:cBhvr>
-                                        <p:cTn id="13" dur="1000" fill="hold"/>
-                                        <p:tgtEl>
-                                          <p:spTgt spid="2"/>
-                                        </p:tgtEl>
-                                        <p:attrNameLst>
-                                          <p:attrName>ppt_x</p:attrName>
-                                        </p:attrNameLst>
-                                      </p:cBhvr>
-                                      <p:tavLst>
-                                        <p:tav tm="0">
-                                          <p:val>
-                                            <p:strVal val="#ppt_x"/>
-                                          </p:val>
-                                        </p:tav>
-                                        <p:tav tm="100000">
-                                          <p:val>
-                                            <p:strVal val="#ppt_x"/>
-                                          </p:val>
-                                        </p:tav>
-                                      </p:tavLst>
-                                    </p:anim>
-                                    <p:anim calcmode="lin" valueType="num">
-                                      <p:cBhvr>
-                                        <p:cTn id="14" dur="1000" fill="hold"/>
-                                        <p:tgtEl>
-                                          <p:spTgt spid="2"/>
-                                        </p:tgtEl>
-                                        <p:attrNameLst>
-                                          <p:attrName>ppt_y</p:attrName>
-                                        </p:attrNameLst>
-                                      </p:cBhvr>
-                                      <p:tavLst>
-                                        <p:tav tm="0">
-                                          <p:val>
-                                            <p:strVal val="#ppt_y+.1"/>
-                                          </p:val>
-                                        </p:tav>
-                                        <p:tav tm="100000">
-                                          <p:val>
-                                            <p:strVal val="#ppt_y"/>
-                                          </p:val>
-                                        </p:tav>
-                                      </p:tavLst>
-                                    </p:anim>
-                                  </p:childTnLst>
-                                </p:cTn>
-                              </p:par>
-                            </p:childTnLst>
-                          </p:cTn>
-                        </p:par>
-                      </p:childTnLst>
-                    </p:cTn>
-                  </p:par>
-                  <p:par>
-                    <p:cTn id="15" fill="hold">
-                      <p:stCondLst>
-                        <p:cond delay="indefinite"/>
-                      </p:stCondLst>
-                      <p:childTnLst>
-                        <p:par>
-                          <p:cTn id="16" fill="hold">
-                            <p:stCondLst>
-                              <p:cond delay="0"/>
-                            </p:stCondLst>
-                            <p:childTnLst>
-                              <p:par>
-                                <p:cTn id="17" presetID="42" presetClass="entr" presetSubtype="0" fill="hold" grpId="0" nodeType="clickEffect">
-                                  <p:stCondLst>
-                                    <p:cond delay="0"/>
-                                  </p:stCondLst>
-                                  <p:childTnLst>
-                                    <p:set>
-                                      <p:cBhvr>
-                                        <p:cTn id="18" dur="1" fill="hold">
-                                          <p:stCondLst>
-                                            <p:cond delay="0"/>
-                                          </p:stCondLst>
-                                        </p:cTn>
-                                        <p:tgtEl>
-                                          <p:spTgt spid="18"/>
-                                        </p:tgtEl>
-                                        <p:attrNameLst>
-                                          <p:attrName>style.visibility</p:attrName>
-                                        </p:attrNameLst>
-                                      </p:cBhvr>
-                                      <p:to>
-                                        <p:strVal val="visible"/>
-                                      </p:to>
-                                    </p:set>
-                                    <p:animEffect transition="in" filter="fade">
-                                      <p:cBhvr>
-                                        <p:cTn id="19" dur="1000"/>
-                                        <p:tgtEl>
-                                          <p:spTgt spid="18"/>
-                                        </p:tgtEl>
-                                      </p:cBhvr>
-                                    </p:animEffect>
-                                    <p:anim calcmode="lin" valueType="num">
-                                      <p:cBhvr>
-                                        <p:cTn id="20" dur="1000" fill="hold"/>
-                                        <p:tgtEl>
-                                          <p:spTgt spid="18"/>
-                                        </p:tgtEl>
-                                        <p:attrNameLst>
-                                          <p:attrName>ppt_x</p:attrName>
-                                        </p:attrNameLst>
-                                      </p:cBhvr>
-                                      <p:tavLst>
-                                        <p:tav tm="0">
-                                          <p:val>
-                                            <p:strVal val="#ppt_x"/>
-                                          </p:val>
-                                        </p:tav>
-                                        <p:tav tm="100000">
-                                          <p:val>
-                                            <p:strVal val="#ppt_x"/>
-                                          </p:val>
-                                        </p:tav>
-                                      </p:tavLst>
-                                    </p:anim>
-                                    <p:anim calcmode="lin" valueType="num">
-                                      <p:cBhvr>
-                                        <p:cTn id="21" dur="1000" fill="hold"/>
-                                        <p:tgtEl>
-                                          <p:spTgt spid="18"/>
-                                        </p:tgtEl>
-                                        <p:attrNameLst>
-                                          <p:attrName>ppt_y</p:attrName>
-                                        </p:attrNameLst>
-                                      </p:cBhvr>
-                                      <p:tavLst>
-                                        <p:tav tm="0">
-                                          <p:val>
-                                            <p:strVal val="#ppt_y+.1"/>
-                                          </p:val>
-                                        </p:tav>
-                                        <p:tav tm="100000">
-                                          <p:val>
-                                            <p:strVal val="#ppt_y"/>
-                                          </p:val>
-                                        </p:tav>
-                                      </p:tavLst>
-                                    </p:anim>
-                                  </p:childTnLst>
-                                </p:cTn>
-                              </p:par>
-                              <p:par>
-                                <p:cTn id="22" presetID="42" presetClass="entr" presetSubtype="0" fill="hold" nodeType="withEffect">
-                                  <p:stCondLst>
-                                    <p:cond delay="0"/>
-                                  </p:stCondLst>
-                                  <p:childTnLst>
-                                    <p:set>
-                                      <p:cBhvr>
-                                        <p:cTn id="23" dur="1" fill="hold">
-                                          <p:stCondLst>
-                                            <p:cond delay="0"/>
-                                          </p:stCondLst>
-                                        </p:cTn>
-                                        <p:tgtEl>
-                                          <p:spTgt spid="11"/>
-                                        </p:tgtEl>
-                                        <p:attrNameLst>
-                                          <p:attrName>style.visibility</p:attrName>
-                                        </p:attrNameLst>
-                                      </p:cBhvr>
-                                      <p:to>
-                                        <p:strVal val="visible"/>
-                                      </p:to>
-                                    </p:set>
-                                    <p:animEffect transition="in" filter="fade">
-                                      <p:cBhvr>
-                                        <p:cTn id="24" dur="1000"/>
-                                        <p:tgtEl>
-                                          <p:spTgt spid="11"/>
-                                        </p:tgtEl>
-                                      </p:cBhvr>
-                                    </p:animEffect>
-                                    <p:anim calcmode="lin" valueType="num">
-                                      <p:cBhvr>
-                                        <p:cTn id="25" dur="1000" fill="hold"/>
-                                        <p:tgtEl>
-                                          <p:spTgt spid="11"/>
-                                        </p:tgtEl>
-                                        <p:attrNameLst>
-                                          <p:attrName>ppt_x</p:attrName>
-                                        </p:attrNameLst>
-                                      </p:cBhvr>
-                                      <p:tavLst>
-                                        <p:tav tm="0">
-                                          <p:val>
-                                            <p:strVal val="#ppt_x"/>
-                                          </p:val>
-                                        </p:tav>
-                                        <p:tav tm="100000">
-                                          <p:val>
-                                            <p:strVal val="#ppt_x"/>
-                                          </p:val>
-                                        </p:tav>
-                                      </p:tavLst>
-                                    </p:anim>
-                                    <p:anim calcmode="lin" valueType="num">
-                                      <p:cBhvr>
-                                        <p:cTn id="26" dur="1000" fill="hold"/>
-                                        <p:tgtEl>
-                                          <p:spTgt spid="11"/>
-                                        </p:tgtEl>
-                                        <p:attrNameLst>
-                                          <p:attrName>ppt_y</p:attrName>
-                                        </p:attrNameLst>
-                                      </p:cBhvr>
-                                      <p:tavLst>
-                                        <p:tav tm="0">
-                                          <p:val>
-                                            <p:strVal val="#ppt_y+.1"/>
-                                          </p:val>
-                                        </p:tav>
-                                        <p:tav tm="100000">
-                                          <p:val>
-                                            <p:strVal val="#ppt_y"/>
-                                          </p:val>
-                                        </p:tav>
-                                      </p:tavLst>
-                                    </p:anim>
-                                  </p:childTnLst>
-                                </p:cTn>
-                              </p:par>
-                            </p:childTnLst>
-                          </p:cTn>
-                        </p:par>
-                      </p:childTnLst>
-                    </p:cTn>
-                  </p:par>
-                  <p:par>
-                    <p:cTn id="27" fill="hold">
-                      <p:stCondLst>
-                        <p:cond delay="indefinite"/>
-                      </p:stCondLst>
-                      <p:childTnLst>
-                        <p:par>
-                          <p:cTn id="28" fill="hold">
-                            <p:stCondLst>
-                              <p:cond delay="0"/>
-                            </p:stCondLst>
-                            <p:childTnLst>
-                              <p:par>
-                                <p:cTn id="29" presetID="42" presetClass="entr" presetSubtype="0" fill="hold" nodeType="clickEffect">
-                                  <p:stCondLst>
-                                    <p:cond delay="0"/>
-                                  </p:stCondLst>
-                                  <p:childTnLst>
-                                    <p:set>
-                                      <p:cBhvr>
-                                        <p:cTn id="30" dur="1" fill="hold">
-                                          <p:stCondLst>
-                                            <p:cond delay="0"/>
-                                          </p:stCondLst>
-                                        </p:cTn>
-                                        <p:tgtEl>
-                                          <p:spTgt spid="15"/>
-                                        </p:tgtEl>
-                                        <p:attrNameLst>
-                                          <p:attrName>style.visibility</p:attrName>
-                                        </p:attrNameLst>
-                                      </p:cBhvr>
-                                      <p:to>
-                                        <p:strVal val="visible"/>
-                                      </p:to>
-                                    </p:set>
-                                    <p:animEffect transition="in" filter="fade">
-                                      <p:cBhvr>
-                                        <p:cTn id="31" dur="1000"/>
-                                        <p:tgtEl>
-                                          <p:spTgt spid="15"/>
-                                        </p:tgtEl>
-                                      </p:cBhvr>
-                                    </p:animEffect>
-                                    <p:anim calcmode="lin" valueType="num">
-                                      <p:cBhvr>
-                                        <p:cTn id="32" dur="1000" fill="hold"/>
-                                        <p:tgtEl>
-                                          <p:spTgt spid="15"/>
-                                        </p:tgtEl>
-                                        <p:attrNameLst>
-                                          <p:attrName>ppt_x</p:attrName>
-                                        </p:attrNameLst>
-                                      </p:cBhvr>
-                                      <p:tavLst>
-                                        <p:tav tm="0">
-                                          <p:val>
-                                            <p:strVal val="#ppt_x"/>
-                                          </p:val>
-                                        </p:tav>
-                                        <p:tav tm="100000">
-                                          <p:val>
-                                            <p:strVal val="#ppt_x"/>
-                                          </p:val>
-                                        </p:tav>
-                                      </p:tavLst>
-                                    </p:anim>
-                                    <p:anim calcmode="lin" valueType="num">
-                                      <p:cBhvr>
-                                        <p:cTn id="33" dur="1000" fill="hold"/>
-                                        <p:tgtEl>
-                                          <p:spTgt spid="15"/>
-                                        </p:tgtEl>
-                                        <p:attrNameLst>
-                                          <p:attrName>ppt_y</p:attrName>
-                                        </p:attrNameLst>
-                                      </p:cBhvr>
-                                      <p:tavLst>
-                                        <p:tav tm="0">
-                                          <p:val>
-                                            <p:strVal val="#ppt_y+.1"/>
-                                          </p:val>
-                                        </p:tav>
-                                        <p:tav tm="100000">
-                                          <p:val>
-                                            <p:strVal val="#ppt_y"/>
-                                          </p:val>
-                                        </p:tav>
-                                      </p:tavLst>
-                                    </p:anim>
-                                  </p:childTnLst>
-                                </p:cTn>
-                              </p:par>
-                              <p:par>
-                                <p:cTn id="34" presetID="42" presetClass="entr" presetSubtype="0" fill="hold" grpId="0" nodeType="withEffect">
-                                  <p:stCondLst>
-                                    <p:cond delay="0"/>
-                                  </p:stCondLst>
-                                  <p:childTnLst>
-                                    <p:set>
-                                      <p:cBhvr>
-                                        <p:cTn id="35" dur="1" fill="hold">
-                                          <p:stCondLst>
-                                            <p:cond delay="0"/>
-                                          </p:stCondLst>
-                                        </p:cTn>
-                                        <p:tgtEl>
-                                          <p:spTgt spid="3"/>
-                                        </p:tgtEl>
-                                        <p:attrNameLst>
-                                          <p:attrName>style.visibility</p:attrName>
-                                        </p:attrNameLst>
-                                      </p:cBhvr>
-                                      <p:to>
-                                        <p:strVal val="visible"/>
-                                      </p:to>
-                                    </p:set>
-                                    <p:animEffect transition="in" filter="fade">
-                                      <p:cBhvr>
-                                        <p:cTn id="36" dur="1000"/>
-                                        <p:tgtEl>
-                                          <p:spTgt spid="3"/>
-                                        </p:tgtEl>
-                                      </p:cBhvr>
-                                    </p:animEffect>
-                                    <p:anim calcmode="lin" valueType="num">
-                                      <p:cBhvr>
-                                        <p:cTn id="37" dur="1000" fill="hold"/>
-                                        <p:tgtEl>
-                                          <p:spTgt spid="3"/>
-                                        </p:tgtEl>
-                                        <p:attrNameLst>
-                                          <p:attrName>ppt_x</p:attrName>
-                                        </p:attrNameLst>
-                                      </p:cBhvr>
-                                      <p:tavLst>
-                                        <p:tav tm="0">
-                                          <p:val>
-                                            <p:strVal val="#ppt_x"/>
-                                          </p:val>
-                                        </p:tav>
-                                        <p:tav tm="100000">
-                                          <p:val>
-                                            <p:strVal val="#ppt_x"/>
-                                          </p:val>
-                                        </p:tav>
-                                      </p:tavLst>
-                                    </p:anim>
-                                    <p:anim calcmode="lin" valueType="num">
-                                      <p:cBhvr>
-                                        <p:cTn id="38" dur="1000" fill="hold"/>
-                                        <p:tgtEl>
-                                          <p:spTgt spid="3"/>
-                                        </p:tgtEl>
-                                        <p:attrNameLst>
-                                          <p:attrName>ppt_y</p:attrName>
-                                        </p:attrNameLst>
-                                      </p:cBhvr>
-                                      <p:tavLst>
-                                        <p:tav tm="0">
-                                          <p:val>
-                                            <p:strVal val="#ppt_y+.1"/>
-                                          </p:val>
-                                        </p:tav>
-                                        <p:tav tm="100000">
-                                          <p:val>
-                                            <p:strVal val="#ppt_y"/>
-                                          </p:val>
-                                        </p:tav>
-                                      </p:tavLst>
-                                    </p:anim>
-                                  </p:childTnLst>
-                                </p:cTn>
-                              </p:par>
-                            </p:childTnLst>
-                          </p:cTn>
-                        </p:par>
-                      </p:childTnLst>
-                    </p:cTn>
-                  </p:par>
-                  <p:par>
-                    <p:cTn id="39" fill="hold">
-                      <p:stCondLst>
-                        <p:cond delay="indefinite"/>
-                      </p:stCondLst>
-                      <p:childTnLst>
-                        <p:par>
-                          <p:cTn id="40" fill="hold">
-                            <p:stCondLst>
-                              <p:cond delay="0"/>
-                            </p:stCondLst>
-                            <p:childTnLst>
-                              <p:par>
-                                <p:cTn id="41" presetID="42" presetClass="entr" presetSubtype="0" fill="hold" grpId="0" nodeType="clickEffect">
-                                  <p:stCondLst>
-                                    <p:cond delay="0"/>
-                                  </p:stCondLst>
-                                  <p:childTnLst>
-                                    <p:set>
-                                      <p:cBhvr>
-                                        <p:cTn id="42" dur="1" fill="hold">
-                                          <p:stCondLst>
-                                            <p:cond delay="0"/>
-                                          </p:stCondLst>
-                                        </p:cTn>
-                                        <p:tgtEl>
-                                          <p:spTgt spid="16"/>
-                                        </p:tgtEl>
-                                        <p:attrNameLst>
-                                          <p:attrName>style.visibility</p:attrName>
-                                        </p:attrNameLst>
-                                      </p:cBhvr>
-                                      <p:to>
-                                        <p:strVal val="visible"/>
-                                      </p:to>
-                                    </p:set>
-                                    <p:animEffect transition="in" filter="fade">
-                                      <p:cBhvr>
-                                        <p:cTn id="43" dur="1000"/>
-                                        <p:tgtEl>
-                                          <p:spTgt spid="16"/>
-                                        </p:tgtEl>
-                                      </p:cBhvr>
-                                    </p:animEffect>
-                                    <p:anim calcmode="lin" valueType="num">
-                                      <p:cBhvr>
-                                        <p:cTn id="44" dur="1000" fill="hold"/>
-                                        <p:tgtEl>
-                                          <p:spTgt spid="16"/>
-                                        </p:tgtEl>
-                                        <p:attrNameLst>
-                                          <p:attrName>ppt_x</p:attrName>
-                                        </p:attrNameLst>
-                                      </p:cBhvr>
-                                      <p:tavLst>
-                                        <p:tav tm="0">
-                                          <p:val>
-                                            <p:strVal val="#ppt_x"/>
-                                          </p:val>
-                                        </p:tav>
-                                        <p:tav tm="100000">
-                                          <p:val>
-                                            <p:strVal val="#ppt_x"/>
-                                          </p:val>
-                                        </p:tav>
-                                      </p:tavLst>
-                                    </p:anim>
-                                    <p:anim calcmode="lin" valueType="num">
-                                      <p:cBhvr>
-                                        <p:cTn id="45" dur="1000" fill="hold"/>
-                                        <p:tgtEl>
-                                          <p:spTgt spid="16"/>
-                                        </p:tgtEl>
-                                        <p:attrNameLst>
-                                          <p:attrName>ppt_y</p:attrName>
-                                        </p:attrNameLst>
-                                      </p:cBhvr>
-                                      <p:tavLst>
-                                        <p:tav tm="0">
-                                          <p:val>
-                                            <p:strVal val="#ppt_y+.1"/>
-                                          </p:val>
-                                        </p:tav>
-                                        <p:tav tm="100000">
-                                          <p:val>
-                                            <p:strVal val="#ppt_y"/>
-                                          </p:val>
-                                        </p:tav>
-                                      </p:tavLst>
-                                    </p:anim>
-                                  </p:childTnLst>
-                                </p:cTn>
-                              </p:par>
-                            </p:childTnLst>
-                          </p:cTn>
-                        </p:par>
-                      </p:childTnLst>
-                    </p:cTn>
-                  </p:par>
-                </p:childTnLst>
-              </p:cTn>
-              <p:prevCondLst>
-                <p:cond evt="onPrev" delay="0">
-                  <p:tgtEl>
-                    <p:sldTgt/>
-                  </p:tgtEl>
-                </p:cond>
-              </p:prevCondLst>
-              <p:nextCondLst>
-                <p:cond evt="onNext" delay="0">
-                  <p:tgtEl>
-                    <p:sldTgt/>
-                  </p:tgtEl>
-                </p:cond>
-              </p:nextCondLst>
-            </p:seq>
-          </p:childTnLst>
-        </p:cTn>
-      </p:par>
-    </p:tnLst>
-    <p:bldLst>
-      <p:bldP spid="16" grpId="0"/>
-      <p:bldP spid="18" grpId="0"/>
-      <p:bldP spid="2" grpId="0"/>
-      <p:bldP spid="3" grpId="0"/>
     </p:bldLst>
   </p:timing>
 </p:sld>
